--- a/Lesson 2/Lesson 2.pptx
+++ b/Lesson 2/Lesson 2.pptx
@@ -5,18 +5,14 @@
     <p:sldMasterId id="2147483648" r:id="rId1"/>
   </p:sldMasterIdLst>
   <p:sldIdLst>
-    <p:sldId id="267" r:id="rId2"/>
-    <p:sldId id="282" r:id="rId3"/>
-    <p:sldId id="299" r:id="rId4"/>
-    <p:sldId id="301" r:id="rId5"/>
-    <p:sldId id="300" r:id="rId6"/>
-    <p:sldId id="298" r:id="rId7"/>
-    <p:sldId id="268" r:id="rId8"/>
-    <p:sldId id="283" r:id="rId9"/>
-    <p:sldId id="296" r:id="rId10"/>
-    <p:sldId id="302" r:id="rId11"/>
-    <p:sldId id="303" r:id="rId12"/>
-    <p:sldId id="304" r:id="rId13"/>
+    <p:sldId id="300" r:id="rId2"/>
+    <p:sldId id="298" r:id="rId3"/>
+    <p:sldId id="268" r:id="rId4"/>
+    <p:sldId id="283" r:id="rId5"/>
+    <p:sldId id="296" r:id="rId6"/>
+    <p:sldId id="302" r:id="rId7"/>
+    <p:sldId id="303" r:id="rId8"/>
+    <p:sldId id="304" r:id="rId9"/>
   </p:sldIdLst>
   <p:sldSz cx="12192000" cy="6858000"/>
   <p:notesSz cx="6858000" cy="9144000"/>
@@ -270,7 +266,7 @@
           <a:p>
             <a:fld id="{76586147-1295-4C85-B48B-BFD57414E2B2}" type="datetimeFigureOut">
               <a:rPr lang="en-US" smtClean="0"/>
-              <a:t>1/28/2019</a:t>
+              <a:t>2/17/2019</a:t>
             </a:fld>
             <a:endParaRPr lang="en-US"/>
           </a:p>
@@ -676,7 +672,7 @@
           <a:p>
             <a:fld id="{76586147-1295-4C85-B48B-BFD57414E2B2}" type="datetimeFigureOut">
               <a:rPr lang="en-US" smtClean="0"/>
-              <a:t>1/28/2019</a:t>
+              <a:t>2/17/2019</a:t>
             </a:fld>
             <a:endParaRPr lang="en-US"/>
           </a:p>
@@ -1094,7 +1090,7 @@
           <a:p>
             <a:fld id="{76586147-1295-4C85-B48B-BFD57414E2B2}" type="datetimeFigureOut">
               <a:rPr lang="en-US" smtClean="0"/>
-              <a:t>1/28/2019</a:t>
+              <a:t>2/17/2019</a:t>
             </a:fld>
             <a:endParaRPr lang="en-US"/>
           </a:p>
@@ -1502,7 +1498,7 @@
           <a:p>
             <a:fld id="{76586147-1295-4C85-B48B-BFD57414E2B2}" type="datetimeFigureOut">
               <a:rPr lang="en-US" smtClean="0"/>
-              <a:t>1/28/2019</a:t>
+              <a:t>2/17/2019</a:t>
             </a:fld>
             <a:endParaRPr lang="en-US"/>
           </a:p>
@@ -1985,7 +1981,7 @@
           <a:p>
             <a:fld id="{76586147-1295-4C85-B48B-BFD57414E2B2}" type="datetimeFigureOut">
               <a:rPr lang="en-US" smtClean="0"/>
-              <a:t>1/28/2019</a:t>
+              <a:t>2/17/2019</a:t>
             </a:fld>
             <a:endParaRPr lang="en-US"/>
           </a:p>
@@ -2458,7 +2454,7 @@
           <a:p>
             <a:fld id="{76586147-1295-4C85-B48B-BFD57414E2B2}" type="datetimeFigureOut">
               <a:rPr lang="en-US" smtClean="0"/>
-              <a:t>1/28/2019</a:t>
+              <a:t>2/17/2019</a:t>
             </a:fld>
             <a:endParaRPr lang="en-US"/>
           </a:p>
@@ -3078,7 +3074,7 @@
           <a:p>
             <a:fld id="{76586147-1295-4C85-B48B-BFD57414E2B2}" type="datetimeFigureOut">
               <a:rPr lang="en-US" smtClean="0"/>
-              <a:t>1/28/2019</a:t>
+              <a:t>2/17/2019</a:t>
             </a:fld>
             <a:endParaRPr lang="en-US"/>
           </a:p>
@@ -3433,7 +3429,7 @@
           <a:p>
             <a:fld id="{76586147-1295-4C85-B48B-BFD57414E2B2}" type="datetimeFigureOut">
               <a:rPr lang="en-US" smtClean="0"/>
-              <a:t>1/28/2019</a:t>
+              <a:t>2/17/2019</a:t>
             </a:fld>
             <a:endParaRPr lang="en-US"/>
           </a:p>
@@ -3754,7 +3750,7 @@
           <a:p>
             <a:fld id="{76586147-1295-4C85-B48B-BFD57414E2B2}" type="datetimeFigureOut">
               <a:rPr lang="en-US" smtClean="0"/>
-              <a:t>1/28/2019</a:t>
+              <a:t>2/17/2019</a:t>
             </a:fld>
             <a:endParaRPr lang="en-US"/>
           </a:p>
@@ -4273,7 +4269,7 @@
           <a:p>
             <a:fld id="{76586147-1295-4C85-B48B-BFD57414E2B2}" type="datetimeFigureOut">
               <a:rPr lang="en-US" smtClean="0"/>
-              <a:t>1/28/2019</a:t>
+              <a:t>2/17/2019</a:t>
             </a:fld>
             <a:endParaRPr lang="en-US"/>
           </a:p>
@@ -4772,7 +4768,7 @@
           <a:p>
             <a:fld id="{76586147-1295-4C85-B48B-BFD57414E2B2}" type="datetimeFigureOut">
               <a:rPr lang="en-US" smtClean="0"/>
-              <a:t>1/28/2019</a:t>
+              <a:t>2/17/2019</a:t>
             </a:fld>
             <a:endParaRPr lang="en-US"/>
           </a:p>
@@ -5247,7 +5243,7 @@
           <a:p>
             <a:fld id="{76586147-1295-4C85-B48B-BFD57414E2B2}" type="datetimeFigureOut">
               <a:rPr lang="en-US" smtClean="0"/>
-              <a:t>1/28/2019</a:t>
+              <a:t>2/17/2019</a:t>
             </a:fld>
             <a:endParaRPr lang="en-US"/>
           </a:p>
@@ -5687,7 +5683,7 @@
           <a:p>
             <a:r>
               <a:rPr lang="en-US" dirty="0"/>
-              <a:t>Helpful Tips</a:t>
+              <a:t>Expressions</a:t>
             </a:r>
           </a:p>
         </p:txBody>
@@ -5720,7 +5716,7 @@
     </p:spTree>
     <p:extLst>
       <p:ext uri="{BB962C8B-B14F-4D97-AF65-F5344CB8AC3E}">
-        <p14:creationId xmlns:p14="http://schemas.microsoft.com/office/powerpoint/2010/main" val="4278555296"/>
+        <p14:creationId xmlns:p14="http://schemas.microsoft.com/office/powerpoint/2010/main" val="669704281"/>
       </p:ext>
     </p:extLst>
   </p:cSld>
@@ -5730,7 +5726,2639 @@
 </p:sld>
 </file>
 
-<file path=ppt/slides/slide10.xml><?xml version="1.0" encoding="utf-8"?>
+<file path=ppt/slides/slide2.xml><?xml version="1.0" encoding="utf-8"?>
+<p:sld xmlns:a="http://schemas.openxmlformats.org/drawingml/2006/main" xmlns:r="http://schemas.openxmlformats.org/officeDocument/2006/relationships" xmlns:p="http://schemas.openxmlformats.org/presentationml/2006/main">
+  <p:cSld>
+    <p:spTree>
+      <p:nvGrpSpPr>
+        <p:cNvPr id="1" name=""/>
+        <p:cNvGrpSpPr/>
+        <p:nvPr/>
+      </p:nvGrpSpPr>
+      <p:grpSpPr>
+        <a:xfrm>
+          <a:off x="0" y="0"/>
+          <a:ext cx="0" cy="0"/>
+          <a:chOff x="0" y="0"/>
+          <a:chExt cx="0" cy="0"/>
+        </a:xfrm>
+      </p:grpSpPr>
+      <p:sp>
+        <p:nvSpPr>
+          <p:cNvPr id="8" name="Content Placeholder 2">
+            <a:extLst>
+              <a:ext uri="{FF2B5EF4-FFF2-40B4-BE49-F238E27FC236}">
+                <a16:creationId xmlns:a16="http://schemas.microsoft.com/office/drawing/2014/main" id="{2CC98C95-EF5B-5647-93AC-77122809140D}"/>
+              </a:ext>
+            </a:extLst>
+          </p:cNvPr>
+          <p:cNvSpPr>
+            <a:spLocks noGrp="1"/>
+          </p:cNvSpPr>
+          <p:nvPr>
+            <p:ph idx="1"/>
+          </p:nvPr>
+        </p:nvSpPr>
+        <p:spPr>
+          <a:xfrm>
+            <a:off x="838200" y="574389"/>
+            <a:ext cx="10166797" cy="510980"/>
+          </a:xfrm>
+        </p:spPr>
+        <p:txBody>
+          <a:bodyPr>
+            <a:normAutofit lnSpcReduction="10000"/>
+          </a:bodyPr>
+          <a:lstStyle/>
+          <a:p>
+            <a:pPr marL="0" indent="0">
+              <a:buNone/>
+            </a:pPr>
+            <a:r>
+              <a:rPr lang="en-US" sz="3200" dirty="0"/>
+              <a:t>The C++ Way:</a:t>
+            </a:r>
+          </a:p>
+        </p:txBody>
+      </p:sp>
+      <p:sp>
+        <p:nvSpPr>
+          <p:cNvPr id="9" name="Content Placeholder 2">
+            <a:extLst>
+              <a:ext uri="{FF2B5EF4-FFF2-40B4-BE49-F238E27FC236}">
+                <a16:creationId xmlns:a16="http://schemas.microsoft.com/office/drawing/2014/main" id="{1C1B0CE5-0394-B648-A4DE-D2ED92908194}"/>
+              </a:ext>
+            </a:extLst>
+          </p:cNvPr>
+          <p:cNvSpPr txBox="1">
+            <a:spLocks/>
+          </p:cNvSpPr>
+          <p:nvPr/>
+        </p:nvSpPr>
+        <p:spPr>
+          <a:xfrm>
+            <a:off x="838200" y="3474656"/>
+            <a:ext cx="10166797" cy="510980"/>
+          </a:xfrm>
+          <a:prstGeom prst="rect">
+            <a:avLst/>
+          </a:prstGeom>
+        </p:spPr>
+        <p:txBody>
+          <a:bodyPr vert="horz" lIns="91440" tIns="45720" rIns="91440" bIns="45720" rtlCol="0">
+            <a:normAutofit lnSpcReduction="10000"/>
+          </a:bodyPr>
+          <a:lstStyle>
+            <a:lvl1pPr marL="228600" indent="-228600" algn="l" defTabSz="914400" rtl="0" eaLnBrk="1" latinLnBrk="0" hangingPunct="1">
+              <a:lnSpc>
+                <a:spcPct val="90000"/>
+              </a:lnSpc>
+              <a:spcBef>
+                <a:spcPts val="1000"/>
+              </a:spcBef>
+              <a:buFont typeface="Arial" panose="020B0604020202020204" pitchFamily="34" charset="0"/>
+              <a:buChar char="•"/>
+              <a:defRPr sz="2800" kern="1200">
+                <a:solidFill>
+                  <a:schemeClr val="tx1"/>
+                </a:solidFill>
+                <a:latin typeface="+mn-lt"/>
+                <a:ea typeface="+mn-ea"/>
+                <a:cs typeface="+mn-cs"/>
+              </a:defRPr>
+            </a:lvl1pPr>
+            <a:lvl2pPr marL="685800" indent="-228600" algn="l" defTabSz="914400" rtl="0" eaLnBrk="1" latinLnBrk="0" hangingPunct="1">
+              <a:lnSpc>
+                <a:spcPct val="90000"/>
+              </a:lnSpc>
+              <a:spcBef>
+                <a:spcPts val="500"/>
+              </a:spcBef>
+              <a:buFont typeface="Arial" panose="020B0604020202020204" pitchFamily="34" charset="0"/>
+              <a:buChar char="•"/>
+              <a:defRPr sz="2400" kern="1200">
+                <a:solidFill>
+                  <a:schemeClr val="tx1"/>
+                </a:solidFill>
+                <a:latin typeface="+mn-lt"/>
+                <a:ea typeface="+mn-ea"/>
+                <a:cs typeface="+mn-cs"/>
+              </a:defRPr>
+            </a:lvl2pPr>
+            <a:lvl3pPr marL="1143000" indent="-228600" algn="l" defTabSz="914400" rtl="0" eaLnBrk="1" latinLnBrk="0" hangingPunct="1">
+              <a:lnSpc>
+                <a:spcPct val="90000"/>
+              </a:lnSpc>
+              <a:spcBef>
+                <a:spcPts val="500"/>
+              </a:spcBef>
+              <a:buFont typeface="Arial" panose="020B0604020202020204" pitchFamily="34" charset="0"/>
+              <a:buChar char="•"/>
+              <a:defRPr sz="2000" kern="1200">
+                <a:solidFill>
+                  <a:schemeClr val="tx1"/>
+                </a:solidFill>
+                <a:latin typeface="+mn-lt"/>
+                <a:ea typeface="+mn-ea"/>
+                <a:cs typeface="+mn-cs"/>
+              </a:defRPr>
+            </a:lvl3pPr>
+            <a:lvl4pPr marL="1600200" indent="-228600" algn="l" defTabSz="914400" rtl="0" eaLnBrk="1" latinLnBrk="0" hangingPunct="1">
+              <a:lnSpc>
+                <a:spcPct val="90000"/>
+              </a:lnSpc>
+              <a:spcBef>
+                <a:spcPts val="500"/>
+              </a:spcBef>
+              <a:buFont typeface="Arial" panose="020B0604020202020204" pitchFamily="34" charset="0"/>
+              <a:buChar char="•"/>
+              <a:defRPr sz="1800" kern="1200">
+                <a:solidFill>
+                  <a:schemeClr val="tx1"/>
+                </a:solidFill>
+                <a:latin typeface="+mn-lt"/>
+                <a:ea typeface="+mn-ea"/>
+                <a:cs typeface="+mn-cs"/>
+              </a:defRPr>
+            </a:lvl4pPr>
+            <a:lvl5pPr marL="2057400" indent="-228600" algn="l" defTabSz="914400" rtl="0" eaLnBrk="1" latinLnBrk="0" hangingPunct="1">
+              <a:lnSpc>
+                <a:spcPct val="90000"/>
+              </a:lnSpc>
+              <a:spcBef>
+                <a:spcPts val="500"/>
+              </a:spcBef>
+              <a:buFont typeface="Arial" panose="020B0604020202020204" pitchFamily="34" charset="0"/>
+              <a:buChar char="•"/>
+              <a:defRPr sz="1800" kern="1200">
+                <a:solidFill>
+                  <a:schemeClr val="tx1"/>
+                </a:solidFill>
+                <a:latin typeface="+mn-lt"/>
+                <a:ea typeface="+mn-ea"/>
+                <a:cs typeface="+mn-cs"/>
+              </a:defRPr>
+            </a:lvl5pPr>
+            <a:lvl6pPr marL="2514600" indent="-228600" algn="l" defTabSz="914400" rtl="0" eaLnBrk="1" latinLnBrk="0" hangingPunct="1">
+              <a:lnSpc>
+                <a:spcPct val="90000"/>
+              </a:lnSpc>
+              <a:spcBef>
+                <a:spcPts val="500"/>
+              </a:spcBef>
+              <a:buFont typeface="Arial" panose="020B0604020202020204" pitchFamily="34" charset="0"/>
+              <a:buChar char="•"/>
+              <a:defRPr sz="1800" kern="1200">
+                <a:solidFill>
+                  <a:schemeClr val="tx1"/>
+                </a:solidFill>
+                <a:latin typeface="+mn-lt"/>
+                <a:ea typeface="+mn-ea"/>
+                <a:cs typeface="+mn-cs"/>
+              </a:defRPr>
+            </a:lvl6pPr>
+            <a:lvl7pPr marL="2971800" indent="-228600" algn="l" defTabSz="914400" rtl="0" eaLnBrk="1" latinLnBrk="0" hangingPunct="1">
+              <a:lnSpc>
+                <a:spcPct val="90000"/>
+              </a:lnSpc>
+              <a:spcBef>
+                <a:spcPts val="500"/>
+              </a:spcBef>
+              <a:buFont typeface="Arial" panose="020B0604020202020204" pitchFamily="34" charset="0"/>
+              <a:buChar char="•"/>
+              <a:defRPr sz="1800" kern="1200">
+                <a:solidFill>
+                  <a:schemeClr val="tx1"/>
+                </a:solidFill>
+                <a:latin typeface="+mn-lt"/>
+                <a:ea typeface="+mn-ea"/>
+                <a:cs typeface="+mn-cs"/>
+              </a:defRPr>
+            </a:lvl7pPr>
+            <a:lvl8pPr marL="3429000" indent="-228600" algn="l" defTabSz="914400" rtl="0" eaLnBrk="1" latinLnBrk="0" hangingPunct="1">
+              <a:lnSpc>
+                <a:spcPct val="90000"/>
+              </a:lnSpc>
+              <a:spcBef>
+                <a:spcPts val="500"/>
+              </a:spcBef>
+              <a:buFont typeface="Arial" panose="020B0604020202020204" pitchFamily="34" charset="0"/>
+              <a:buChar char="•"/>
+              <a:defRPr sz="1800" kern="1200">
+                <a:solidFill>
+                  <a:schemeClr val="tx1"/>
+                </a:solidFill>
+                <a:latin typeface="+mn-lt"/>
+                <a:ea typeface="+mn-ea"/>
+                <a:cs typeface="+mn-cs"/>
+              </a:defRPr>
+            </a:lvl8pPr>
+            <a:lvl9pPr marL="3886200" indent="-228600" algn="l" defTabSz="914400" rtl="0" eaLnBrk="1" latinLnBrk="0" hangingPunct="1">
+              <a:lnSpc>
+                <a:spcPct val="90000"/>
+              </a:lnSpc>
+              <a:spcBef>
+                <a:spcPts val="500"/>
+              </a:spcBef>
+              <a:buFont typeface="Arial" panose="020B0604020202020204" pitchFamily="34" charset="0"/>
+              <a:buChar char="•"/>
+              <a:defRPr sz="1800" kern="1200">
+                <a:solidFill>
+                  <a:schemeClr val="tx1"/>
+                </a:solidFill>
+                <a:latin typeface="+mn-lt"/>
+                <a:ea typeface="+mn-ea"/>
+                <a:cs typeface="+mn-cs"/>
+              </a:defRPr>
+            </a:lvl9pPr>
+          </a:lstStyle>
+          <a:p>
+            <a:pPr marL="0" indent="0">
+              <a:buFont typeface="Arial" panose="020B0604020202020204" pitchFamily="34" charset="0"/>
+              <a:buNone/>
+            </a:pPr>
+            <a:r>
+              <a:rPr lang="en-US" sz="3200" dirty="0"/>
+              <a:t>The Python Way:</a:t>
+            </a:r>
+          </a:p>
+        </p:txBody>
+      </p:sp>
+      <p:sp>
+        <p:nvSpPr>
+          <p:cNvPr id="11" name="Rectangle 10">
+            <a:extLst>
+              <a:ext uri="{FF2B5EF4-FFF2-40B4-BE49-F238E27FC236}">
+                <a16:creationId xmlns:a16="http://schemas.microsoft.com/office/drawing/2014/main" id="{4B9D76A6-B805-3D4A-A2C0-449A63350EE4}"/>
+              </a:ext>
+            </a:extLst>
+          </p:cNvPr>
+          <p:cNvSpPr/>
+          <p:nvPr/>
+        </p:nvSpPr>
+        <p:spPr>
+          <a:xfrm>
+            <a:off x="838200" y="1085369"/>
+            <a:ext cx="10166797" cy="2062103"/>
+          </a:xfrm>
+          <a:prstGeom prst="rect">
+            <a:avLst/>
+          </a:prstGeom>
+          <a:solidFill>
+            <a:schemeClr val="bg2">
+              <a:lumMod val="25000"/>
+            </a:schemeClr>
+          </a:solidFill>
+        </p:spPr>
+        <p:txBody>
+          <a:bodyPr wrap="square">
+            <a:spAutoFit/>
+          </a:bodyPr>
+          <a:lstStyle/>
+          <a:p>
+            <a:r>
+              <a:rPr lang="en-US" sz="1600" dirty="0">
+                <a:solidFill>
+                  <a:srgbClr val="6A9A55"/>
+                </a:solidFill>
+                <a:latin typeface="Menlo-Regular"/>
+              </a:rPr>
+              <a:t>// declare a variable</a:t>
+            </a:r>
+          </a:p>
+          <a:p>
+            <a:r>
+              <a:rPr lang="en-US" sz="1600" dirty="0">
+                <a:solidFill>
+                  <a:srgbClr val="569DD7"/>
+                </a:solidFill>
+                <a:latin typeface="Menlo-Regular"/>
+              </a:rPr>
+              <a:t>int </a:t>
+            </a:r>
+            <a:r>
+              <a:rPr lang="en-US" sz="1600" dirty="0">
+                <a:solidFill>
+                  <a:srgbClr val="D5D5D5"/>
+                </a:solidFill>
+                <a:latin typeface="Menlo-Regular"/>
+              </a:rPr>
+              <a:t>age = </a:t>
+            </a:r>
+            <a:r>
+              <a:rPr lang="en-US" sz="1600" dirty="0">
+                <a:solidFill>
+                  <a:srgbClr val="B6CFA9"/>
+                </a:solidFill>
+                <a:latin typeface="Menlo-Regular"/>
+              </a:rPr>
+              <a:t>37</a:t>
+            </a:r>
+            <a:r>
+              <a:rPr lang="en-US" sz="1600" dirty="0">
+                <a:solidFill>
+                  <a:srgbClr val="D5D5D5"/>
+                </a:solidFill>
+                <a:latin typeface="Menlo-Regular"/>
+              </a:rPr>
+              <a:t>;</a:t>
+            </a:r>
+          </a:p>
+          <a:p>
+            <a:r>
+              <a:rPr lang="en-US" sz="1600" dirty="0">
+                <a:solidFill>
+                  <a:srgbClr val="6A9A55"/>
+                </a:solidFill>
+                <a:latin typeface="Menlo-Regular"/>
+              </a:rPr>
+              <a:t>// assign a new value to the variable</a:t>
+            </a:r>
+          </a:p>
+          <a:p>
+            <a:r>
+              <a:rPr lang="en-US" sz="1600" dirty="0">
+                <a:solidFill>
+                  <a:srgbClr val="D5D5D5"/>
+                </a:solidFill>
+                <a:latin typeface="Menlo-Regular"/>
+              </a:rPr>
+              <a:t>age = </a:t>
+            </a:r>
+            <a:r>
+              <a:rPr lang="en-US" sz="1600" dirty="0">
+                <a:solidFill>
+                  <a:srgbClr val="B6CFA9"/>
+                </a:solidFill>
+                <a:latin typeface="Menlo-Regular"/>
+              </a:rPr>
+              <a:t>28</a:t>
+            </a:r>
+            <a:r>
+              <a:rPr lang="en-US" sz="1600" dirty="0">
+                <a:solidFill>
+                  <a:srgbClr val="D5D5D5"/>
+                </a:solidFill>
+                <a:latin typeface="Menlo-Regular"/>
+              </a:rPr>
+              <a:t>;</a:t>
+            </a:r>
+          </a:p>
+          <a:p>
+            <a:r>
+              <a:rPr lang="en-US" sz="1600" dirty="0">
+                <a:solidFill>
+                  <a:srgbClr val="6A9A55"/>
+                </a:solidFill>
+                <a:latin typeface="Menlo-Regular"/>
+              </a:rPr>
+              <a:t>// examples of some simple expressions</a:t>
+            </a:r>
+          </a:p>
+          <a:p>
+            <a:r>
+              <a:rPr lang="en-US" sz="1600" dirty="0">
+                <a:solidFill>
+                  <a:srgbClr val="D5D5D5"/>
+                </a:solidFill>
+                <a:latin typeface="Menlo-Regular"/>
+              </a:rPr>
+              <a:t>age++; </a:t>
+            </a:r>
+            <a:r>
+              <a:rPr lang="en-US" sz="1600" dirty="0">
+                <a:solidFill>
+                  <a:srgbClr val="6A9A55"/>
+                </a:solidFill>
+                <a:latin typeface="Menlo-Regular"/>
+              </a:rPr>
+              <a:t>// age is now 29</a:t>
+            </a:r>
+          </a:p>
+          <a:p>
+            <a:r>
+              <a:rPr lang="en-US" sz="1600" dirty="0">
+                <a:solidFill>
+                  <a:srgbClr val="D5D5D5"/>
+                </a:solidFill>
+                <a:latin typeface="Menlo-Regular"/>
+              </a:rPr>
+              <a:t>age = age * </a:t>
+            </a:r>
+            <a:r>
+              <a:rPr lang="en-US" sz="1600" dirty="0">
+                <a:solidFill>
+                  <a:srgbClr val="B6CFA9"/>
+                </a:solidFill>
+                <a:latin typeface="Menlo-Regular"/>
+              </a:rPr>
+              <a:t>2</a:t>
+            </a:r>
+            <a:r>
+              <a:rPr lang="en-US" sz="1600" dirty="0">
+                <a:solidFill>
+                  <a:srgbClr val="D5D5D5"/>
+                </a:solidFill>
+                <a:latin typeface="Menlo-Regular"/>
+              </a:rPr>
+              <a:t>; </a:t>
+            </a:r>
+            <a:r>
+              <a:rPr lang="en-US" sz="1600" dirty="0">
+                <a:solidFill>
+                  <a:srgbClr val="6A9A55"/>
+                </a:solidFill>
+                <a:latin typeface="Menlo-Regular"/>
+              </a:rPr>
+              <a:t>// age is now 58</a:t>
+            </a:r>
+          </a:p>
+          <a:p>
+            <a:r>
+              <a:rPr lang="en-US" sz="1600" dirty="0">
+                <a:solidFill>
+                  <a:srgbClr val="D5D5D5"/>
+                </a:solidFill>
+                <a:latin typeface="Menlo-Regular"/>
+              </a:rPr>
+              <a:t>age = age - </a:t>
+            </a:r>
+            <a:r>
+              <a:rPr lang="en-US" sz="1600" dirty="0">
+                <a:solidFill>
+                  <a:srgbClr val="B6CFA9"/>
+                </a:solidFill>
+                <a:latin typeface="Menlo-Regular"/>
+              </a:rPr>
+              <a:t>13</a:t>
+            </a:r>
+            <a:r>
+              <a:rPr lang="en-US" sz="1600" dirty="0">
+                <a:solidFill>
+                  <a:srgbClr val="D5D5D5"/>
+                </a:solidFill>
+                <a:latin typeface="Menlo-Regular"/>
+              </a:rPr>
+              <a:t>; </a:t>
+            </a:r>
+            <a:r>
+              <a:rPr lang="en-US" sz="1600" dirty="0">
+                <a:solidFill>
+                  <a:srgbClr val="6A9A55"/>
+                </a:solidFill>
+                <a:latin typeface="Menlo-Regular"/>
+              </a:rPr>
+              <a:t>// age is now 45</a:t>
+            </a:r>
+            <a:endParaRPr lang="en-US" sz="1600" dirty="0">
+              <a:solidFill>
+                <a:srgbClr val="D4D4D4"/>
+              </a:solidFill>
+              <a:latin typeface="Menlo" panose="020B0609030804020204" pitchFamily="49" charset="0"/>
+            </a:endParaRPr>
+          </a:p>
+        </p:txBody>
+      </p:sp>
+      <p:sp>
+        <p:nvSpPr>
+          <p:cNvPr id="12" name="Rectangle 11">
+            <a:extLst>
+              <a:ext uri="{FF2B5EF4-FFF2-40B4-BE49-F238E27FC236}">
+                <a16:creationId xmlns:a16="http://schemas.microsoft.com/office/drawing/2014/main" id="{33BDF2E5-77B7-CA49-86A5-C9D4869BA292}"/>
+              </a:ext>
+            </a:extLst>
+          </p:cNvPr>
+          <p:cNvSpPr/>
+          <p:nvPr/>
+        </p:nvSpPr>
+        <p:spPr>
+          <a:xfrm>
+            <a:off x="838200" y="3985635"/>
+            <a:ext cx="10166797" cy="1815882"/>
+          </a:xfrm>
+          <a:prstGeom prst="rect">
+            <a:avLst/>
+          </a:prstGeom>
+          <a:solidFill>
+            <a:schemeClr val="bg2">
+              <a:lumMod val="25000"/>
+            </a:schemeClr>
+          </a:solidFill>
+        </p:spPr>
+        <p:txBody>
+          <a:bodyPr wrap="square">
+            <a:spAutoFit/>
+          </a:bodyPr>
+          <a:lstStyle/>
+          <a:p>
+            <a:r>
+              <a:rPr lang="en-US" sz="1600" dirty="0">
+                <a:solidFill>
+                  <a:srgbClr val="6A9955"/>
+                </a:solidFill>
+                <a:latin typeface="Consolas" panose="020B0609020204030204" pitchFamily="49" charset="0"/>
+              </a:rPr>
+              <a:t># declare a variable</a:t>
+            </a:r>
+            <a:endParaRPr lang="en-US" sz="1600" dirty="0">
+              <a:solidFill>
+                <a:srgbClr val="D4D4D4"/>
+              </a:solidFill>
+              <a:latin typeface="Consolas" panose="020B0609020204030204" pitchFamily="49" charset="0"/>
+            </a:endParaRPr>
+          </a:p>
+          <a:p>
+            <a:r>
+              <a:rPr lang="en-US" sz="1600" dirty="0">
+                <a:solidFill>
+                  <a:srgbClr val="D4D4D4"/>
+                </a:solidFill>
+                <a:latin typeface="Consolas" panose="020B0609020204030204" pitchFamily="49" charset="0"/>
+              </a:rPr>
+              <a:t>age = </a:t>
+            </a:r>
+            <a:r>
+              <a:rPr lang="en-US" sz="1600" dirty="0">
+                <a:solidFill>
+                  <a:srgbClr val="B5CEA8"/>
+                </a:solidFill>
+                <a:latin typeface="Consolas" panose="020B0609020204030204" pitchFamily="49" charset="0"/>
+              </a:rPr>
+              <a:t>37</a:t>
+            </a:r>
+            <a:endParaRPr lang="en-US" sz="1600" dirty="0">
+              <a:solidFill>
+                <a:srgbClr val="D4D4D4"/>
+              </a:solidFill>
+              <a:latin typeface="Consolas" panose="020B0609020204030204" pitchFamily="49" charset="0"/>
+            </a:endParaRPr>
+          </a:p>
+          <a:p>
+            <a:r>
+              <a:rPr lang="en-US" sz="1600" dirty="0">
+                <a:solidFill>
+                  <a:srgbClr val="6A9955"/>
+                </a:solidFill>
+                <a:latin typeface="Consolas" panose="020B0609020204030204" pitchFamily="49" charset="0"/>
+              </a:rPr>
+              <a:t># assign a new value to the variable</a:t>
+            </a:r>
+            <a:endParaRPr lang="en-US" sz="1600" dirty="0">
+              <a:solidFill>
+                <a:srgbClr val="D4D4D4"/>
+              </a:solidFill>
+              <a:latin typeface="Consolas" panose="020B0609020204030204" pitchFamily="49" charset="0"/>
+            </a:endParaRPr>
+          </a:p>
+          <a:p>
+            <a:r>
+              <a:rPr lang="en-US" sz="1600" dirty="0">
+                <a:solidFill>
+                  <a:srgbClr val="D4D4D4"/>
+                </a:solidFill>
+                <a:latin typeface="Consolas" panose="020B0609020204030204" pitchFamily="49" charset="0"/>
+              </a:rPr>
+              <a:t>age = </a:t>
+            </a:r>
+            <a:r>
+              <a:rPr lang="en-US" sz="1600" dirty="0">
+                <a:solidFill>
+                  <a:srgbClr val="B5CEA8"/>
+                </a:solidFill>
+                <a:latin typeface="Consolas" panose="020B0609020204030204" pitchFamily="49" charset="0"/>
+              </a:rPr>
+              <a:t>28</a:t>
+            </a:r>
+            <a:endParaRPr lang="en-US" sz="1600" dirty="0">
+              <a:solidFill>
+                <a:srgbClr val="D4D4D4"/>
+              </a:solidFill>
+              <a:latin typeface="Consolas" panose="020B0609020204030204" pitchFamily="49" charset="0"/>
+            </a:endParaRPr>
+          </a:p>
+          <a:p>
+            <a:r>
+              <a:rPr lang="en-US" sz="1600" dirty="0">
+                <a:solidFill>
+                  <a:srgbClr val="6A9955"/>
+                </a:solidFill>
+                <a:latin typeface="Consolas" panose="020B0609020204030204" pitchFamily="49" charset="0"/>
+              </a:rPr>
+              <a:t># examples of some simple expressions</a:t>
+            </a:r>
+            <a:endParaRPr lang="en-US" sz="1600" dirty="0">
+              <a:solidFill>
+                <a:srgbClr val="D4D4D4"/>
+              </a:solidFill>
+              <a:latin typeface="Consolas" panose="020B0609020204030204" pitchFamily="49" charset="0"/>
+            </a:endParaRPr>
+          </a:p>
+          <a:p>
+            <a:r>
+              <a:rPr lang="en-US" sz="1600" dirty="0">
+                <a:solidFill>
+                  <a:srgbClr val="D4D4D4"/>
+                </a:solidFill>
+                <a:latin typeface="Consolas" panose="020B0609020204030204" pitchFamily="49" charset="0"/>
+              </a:rPr>
+              <a:t>age = age * </a:t>
+            </a:r>
+            <a:r>
+              <a:rPr lang="en-US" sz="1600" dirty="0">
+                <a:solidFill>
+                  <a:srgbClr val="B5CEA8"/>
+                </a:solidFill>
+                <a:latin typeface="Consolas" panose="020B0609020204030204" pitchFamily="49" charset="0"/>
+              </a:rPr>
+              <a:t>2</a:t>
+            </a:r>
+            <a:r>
+              <a:rPr lang="en-US" sz="1600" dirty="0">
+                <a:solidFill>
+                  <a:srgbClr val="D4D4D4"/>
+                </a:solidFill>
+                <a:latin typeface="Consolas" panose="020B0609020204030204" pitchFamily="49" charset="0"/>
+              </a:rPr>
+              <a:t> </a:t>
+            </a:r>
+            <a:r>
+              <a:rPr lang="en-US" sz="1600" dirty="0">
+                <a:solidFill>
+                  <a:srgbClr val="6A9955"/>
+                </a:solidFill>
+                <a:latin typeface="Consolas" panose="020B0609020204030204" pitchFamily="49" charset="0"/>
+              </a:rPr>
+              <a:t># age is now 56</a:t>
+            </a:r>
+            <a:endParaRPr lang="en-US" sz="1600" dirty="0">
+              <a:solidFill>
+                <a:srgbClr val="D4D4D4"/>
+              </a:solidFill>
+              <a:latin typeface="Consolas" panose="020B0609020204030204" pitchFamily="49" charset="0"/>
+            </a:endParaRPr>
+          </a:p>
+          <a:p>
+            <a:r>
+              <a:rPr lang="en-US" sz="1600" dirty="0">
+                <a:solidFill>
+                  <a:srgbClr val="D4D4D4"/>
+                </a:solidFill>
+                <a:latin typeface="Consolas" panose="020B0609020204030204" pitchFamily="49" charset="0"/>
+              </a:rPr>
+              <a:t>age = age - </a:t>
+            </a:r>
+            <a:r>
+              <a:rPr lang="en-US" sz="1600" dirty="0">
+                <a:solidFill>
+                  <a:srgbClr val="B5CEA8"/>
+                </a:solidFill>
+                <a:latin typeface="Consolas" panose="020B0609020204030204" pitchFamily="49" charset="0"/>
+              </a:rPr>
+              <a:t>13</a:t>
+            </a:r>
+            <a:r>
+              <a:rPr lang="en-US" sz="1600" dirty="0">
+                <a:solidFill>
+                  <a:srgbClr val="D4D4D4"/>
+                </a:solidFill>
+                <a:latin typeface="Consolas" panose="020B0609020204030204" pitchFamily="49" charset="0"/>
+              </a:rPr>
+              <a:t> </a:t>
+            </a:r>
+            <a:r>
+              <a:rPr lang="en-US" sz="1600" dirty="0">
+                <a:solidFill>
+                  <a:srgbClr val="6A9955"/>
+                </a:solidFill>
+                <a:latin typeface="Consolas" panose="020B0609020204030204" pitchFamily="49" charset="0"/>
+              </a:rPr>
+              <a:t># age is now 43</a:t>
+            </a:r>
+            <a:endParaRPr lang="en-US" sz="1600" dirty="0">
+              <a:solidFill>
+                <a:srgbClr val="D4D4D4"/>
+              </a:solidFill>
+              <a:latin typeface="Consolas" panose="020B0609020204030204" pitchFamily="49" charset="0"/>
+            </a:endParaRPr>
+          </a:p>
+        </p:txBody>
+      </p:sp>
+      <p:sp>
+        <p:nvSpPr>
+          <p:cNvPr id="15" name="Content Placeholder 2">
+            <a:extLst>
+              <a:ext uri="{FF2B5EF4-FFF2-40B4-BE49-F238E27FC236}">
+                <a16:creationId xmlns:a16="http://schemas.microsoft.com/office/drawing/2014/main" id="{365CBC1B-1E2F-47AA-AC1E-10EDD33E5716}"/>
+              </a:ext>
+            </a:extLst>
+          </p:cNvPr>
+          <p:cNvSpPr txBox="1">
+            <a:spLocks/>
+          </p:cNvSpPr>
+          <p:nvPr/>
+        </p:nvSpPr>
+        <p:spPr>
+          <a:xfrm>
+            <a:off x="842499" y="6009631"/>
+            <a:ext cx="10166797" cy="510980"/>
+          </a:xfrm>
+          <a:prstGeom prst="rect">
+            <a:avLst/>
+          </a:prstGeom>
+        </p:spPr>
+        <p:txBody>
+          <a:bodyPr vert="horz" lIns="91440" tIns="45720" rIns="91440" bIns="45720" rtlCol="0">
+            <a:normAutofit/>
+          </a:bodyPr>
+          <a:lstStyle>
+            <a:lvl1pPr marL="228600" indent="-228600" algn="l" defTabSz="914400" rtl="0" eaLnBrk="1" latinLnBrk="0" hangingPunct="1">
+              <a:lnSpc>
+                <a:spcPct val="90000"/>
+              </a:lnSpc>
+              <a:spcBef>
+                <a:spcPts val="1000"/>
+              </a:spcBef>
+              <a:buFont typeface="Arial" panose="020B0604020202020204" pitchFamily="34" charset="0"/>
+              <a:buChar char="•"/>
+              <a:defRPr sz="2800" kern="1200">
+                <a:solidFill>
+                  <a:schemeClr val="tx1"/>
+                </a:solidFill>
+                <a:latin typeface="+mn-lt"/>
+                <a:ea typeface="+mn-ea"/>
+                <a:cs typeface="+mn-cs"/>
+              </a:defRPr>
+            </a:lvl1pPr>
+            <a:lvl2pPr marL="685800" indent="-228600" algn="l" defTabSz="914400" rtl="0" eaLnBrk="1" latinLnBrk="0" hangingPunct="1">
+              <a:lnSpc>
+                <a:spcPct val="90000"/>
+              </a:lnSpc>
+              <a:spcBef>
+                <a:spcPts val="500"/>
+              </a:spcBef>
+              <a:buFont typeface="Arial" panose="020B0604020202020204" pitchFamily="34" charset="0"/>
+              <a:buChar char="•"/>
+              <a:defRPr sz="2400" kern="1200">
+                <a:solidFill>
+                  <a:schemeClr val="tx1"/>
+                </a:solidFill>
+                <a:latin typeface="+mn-lt"/>
+                <a:ea typeface="+mn-ea"/>
+                <a:cs typeface="+mn-cs"/>
+              </a:defRPr>
+            </a:lvl2pPr>
+            <a:lvl3pPr marL="1143000" indent="-228600" algn="l" defTabSz="914400" rtl="0" eaLnBrk="1" latinLnBrk="0" hangingPunct="1">
+              <a:lnSpc>
+                <a:spcPct val="90000"/>
+              </a:lnSpc>
+              <a:spcBef>
+                <a:spcPts val="500"/>
+              </a:spcBef>
+              <a:buFont typeface="Arial" panose="020B0604020202020204" pitchFamily="34" charset="0"/>
+              <a:buChar char="•"/>
+              <a:defRPr sz="2000" kern="1200">
+                <a:solidFill>
+                  <a:schemeClr val="tx1"/>
+                </a:solidFill>
+                <a:latin typeface="+mn-lt"/>
+                <a:ea typeface="+mn-ea"/>
+                <a:cs typeface="+mn-cs"/>
+              </a:defRPr>
+            </a:lvl3pPr>
+            <a:lvl4pPr marL="1600200" indent="-228600" algn="l" defTabSz="914400" rtl="0" eaLnBrk="1" latinLnBrk="0" hangingPunct="1">
+              <a:lnSpc>
+                <a:spcPct val="90000"/>
+              </a:lnSpc>
+              <a:spcBef>
+                <a:spcPts val="500"/>
+              </a:spcBef>
+              <a:buFont typeface="Arial" panose="020B0604020202020204" pitchFamily="34" charset="0"/>
+              <a:buChar char="•"/>
+              <a:defRPr sz="1800" kern="1200">
+                <a:solidFill>
+                  <a:schemeClr val="tx1"/>
+                </a:solidFill>
+                <a:latin typeface="+mn-lt"/>
+                <a:ea typeface="+mn-ea"/>
+                <a:cs typeface="+mn-cs"/>
+              </a:defRPr>
+            </a:lvl4pPr>
+            <a:lvl5pPr marL="2057400" indent="-228600" algn="l" defTabSz="914400" rtl="0" eaLnBrk="1" latinLnBrk="0" hangingPunct="1">
+              <a:lnSpc>
+                <a:spcPct val="90000"/>
+              </a:lnSpc>
+              <a:spcBef>
+                <a:spcPts val="500"/>
+              </a:spcBef>
+              <a:buFont typeface="Arial" panose="020B0604020202020204" pitchFamily="34" charset="0"/>
+              <a:buChar char="•"/>
+              <a:defRPr sz="1800" kern="1200">
+                <a:solidFill>
+                  <a:schemeClr val="tx1"/>
+                </a:solidFill>
+                <a:latin typeface="+mn-lt"/>
+                <a:ea typeface="+mn-ea"/>
+                <a:cs typeface="+mn-cs"/>
+              </a:defRPr>
+            </a:lvl5pPr>
+            <a:lvl6pPr marL="2514600" indent="-228600" algn="l" defTabSz="914400" rtl="0" eaLnBrk="1" latinLnBrk="0" hangingPunct="1">
+              <a:lnSpc>
+                <a:spcPct val="90000"/>
+              </a:lnSpc>
+              <a:spcBef>
+                <a:spcPts val="500"/>
+              </a:spcBef>
+              <a:buFont typeface="Arial" panose="020B0604020202020204" pitchFamily="34" charset="0"/>
+              <a:buChar char="•"/>
+              <a:defRPr sz="1800" kern="1200">
+                <a:solidFill>
+                  <a:schemeClr val="tx1"/>
+                </a:solidFill>
+                <a:latin typeface="+mn-lt"/>
+                <a:ea typeface="+mn-ea"/>
+                <a:cs typeface="+mn-cs"/>
+              </a:defRPr>
+            </a:lvl6pPr>
+            <a:lvl7pPr marL="2971800" indent="-228600" algn="l" defTabSz="914400" rtl="0" eaLnBrk="1" latinLnBrk="0" hangingPunct="1">
+              <a:lnSpc>
+                <a:spcPct val="90000"/>
+              </a:lnSpc>
+              <a:spcBef>
+                <a:spcPts val="500"/>
+              </a:spcBef>
+              <a:buFont typeface="Arial" panose="020B0604020202020204" pitchFamily="34" charset="0"/>
+              <a:buChar char="•"/>
+              <a:defRPr sz="1800" kern="1200">
+                <a:solidFill>
+                  <a:schemeClr val="tx1"/>
+                </a:solidFill>
+                <a:latin typeface="+mn-lt"/>
+                <a:ea typeface="+mn-ea"/>
+                <a:cs typeface="+mn-cs"/>
+              </a:defRPr>
+            </a:lvl7pPr>
+            <a:lvl8pPr marL="3429000" indent="-228600" algn="l" defTabSz="914400" rtl="0" eaLnBrk="1" latinLnBrk="0" hangingPunct="1">
+              <a:lnSpc>
+                <a:spcPct val="90000"/>
+              </a:lnSpc>
+              <a:spcBef>
+                <a:spcPts val="500"/>
+              </a:spcBef>
+              <a:buFont typeface="Arial" panose="020B0604020202020204" pitchFamily="34" charset="0"/>
+              <a:buChar char="•"/>
+              <a:defRPr sz="1800" kern="1200">
+                <a:solidFill>
+                  <a:schemeClr val="tx1"/>
+                </a:solidFill>
+                <a:latin typeface="+mn-lt"/>
+                <a:ea typeface="+mn-ea"/>
+                <a:cs typeface="+mn-cs"/>
+              </a:defRPr>
+            </a:lvl8pPr>
+            <a:lvl9pPr marL="3886200" indent="-228600" algn="l" defTabSz="914400" rtl="0" eaLnBrk="1" latinLnBrk="0" hangingPunct="1">
+              <a:lnSpc>
+                <a:spcPct val="90000"/>
+              </a:lnSpc>
+              <a:spcBef>
+                <a:spcPts val="500"/>
+              </a:spcBef>
+              <a:buFont typeface="Arial" panose="020B0604020202020204" pitchFamily="34" charset="0"/>
+              <a:buChar char="•"/>
+              <a:defRPr sz="1800" kern="1200">
+                <a:solidFill>
+                  <a:schemeClr val="tx1"/>
+                </a:solidFill>
+                <a:latin typeface="+mn-lt"/>
+                <a:ea typeface="+mn-ea"/>
+                <a:cs typeface="+mn-cs"/>
+              </a:defRPr>
+            </a:lvl9pPr>
+          </a:lstStyle>
+          <a:p>
+            <a:pPr marL="0" indent="0">
+              <a:buFont typeface="Arial" panose="020B0604020202020204" pitchFamily="34" charset="0"/>
+              <a:buNone/>
+            </a:pPr>
+            <a:r>
+              <a:rPr lang="en-US" sz="2400" dirty="0"/>
+              <a:t>Note: No “++” or “--” operator in Python.</a:t>
+            </a:r>
+          </a:p>
+        </p:txBody>
+      </p:sp>
+    </p:spTree>
+    <p:extLst>
+      <p:ext uri="{BB962C8B-B14F-4D97-AF65-F5344CB8AC3E}">
+        <p14:creationId xmlns:p14="http://schemas.microsoft.com/office/powerpoint/2010/main" val="2350725873"/>
+      </p:ext>
+    </p:extLst>
+  </p:cSld>
+  <p:clrMapOvr>
+    <a:masterClrMapping/>
+  </p:clrMapOvr>
+</p:sld>
+</file>
+
+<file path=ppt/slides/slide3.xml><?xml version="1.0" encoding="utf-8"?>
+<p:sld xmlns:a="http://schemas.openxmlformats.org/drawingml/2006/main" xmlns:r="http://schemas.openxmlformats.org/officeDocument/2006/relationships" xmlns:p="http://schemas.openxmlformats.org/presentationml/2006/main">
+  <p:cSld>
+    <p:spTree>
+      <p:nvGrpSpPr>
+        <p:cNvPr id="1" name=""/>
+        <p:cNvGrpSpPr/>
+        <p:nvPr/>
+      </p:nvGrpSpPr>
+      <p:grpSpPr>
+        <a:xfrm>
+          <a:off x="0" y="0"/>
+          <a:ext cx="0" cy="0"/>
+          <a:chOff x="0" y="0"/>
+          <a:chExt cx="0" cy="0"/>
+        </a:xfrm>
+      </p:grpSpPr>
+      <p:sp>
+        <p:nvSpPr>
+          <p:cNvPr id="2" name="Title 1">
+            <a:extLst>
+              <a:ext uri="{FF2B5EF4-FFF2-40B4-BE49-F238E27FC236}">
+                <a16:creationId xmlns:a16="http://schemas.microsoft.com/office/drawing/2014/main" id="{261C0A93-96AA-44E0-B3D6-FF0275AF9274}"/>
+              </a:ext>
+            </a:extLst>
+          </p:cNvPr>
+          <p:cNvSpPr>
+            <a:spLocks noGrp="1"/>
+          </p:cNvSpPr>
+          <p:nvPr>
+            <p:ph type="ctrTitle"/>
+          </p:nvPr>
+        </p:nvSpPr>
+        <p:spPr/>
+        <p:txBody>
+          <a:bodyPr/>
+          <a:lstStyle/>
+          <a:p>
+            <a:r>
+              <a:rPr lang="en-US" dirty="0"/>
+              <a:t>Conditionals &amp; Branching</a:t>
+            </a:r>
+          </a:p>
+        </p:txBody>
+      </p:sp>
+      <p:sp>
+        <p:nvSpPr>
+          <p:cNvPr id="3" name="Subtitle 2">
+            <a:extLst>
+              <a:ext uri="{FF2B5EF4-FFF2-40B4-BE49-F238E27FC236}">
+                <a16:creationId xmlns:a16="http://schemas.microsoft.com/office/drawing/2014/main" id="{B2892487-6D5E-41D3-98F0-29EC71A8422C}"/>
+              </a:ext>
+            </a:extLst>
+          </p:cNvPr>
+          <p:cNvSpPr>
+            <a:spLocks noGrp="1"/>
+          </p:cNvSpPr>
+          <p:nvPr>
+            <p:ph type="subTitle" idx="1"/>
+          </p:nvPr>
+        </p:nvSpPr>
+        <p:spPr/>
+        <p:txBody>
+          <a:bodyPr/>
+          <a:lstStyle/>
+          <a:p>
+            <a:endParaRPr lang="en-US" dirty="0"/>
+          </a:p>
+        </p:txBody>
+      </p:sp>
+    </p:spTree>
+    <p:extLst>
+      <p:ext uri="{BB962C8B-B14F-4D97-AF65-F5344CB8AC3E}">
+        <p14:creationId xmlns:p14="http://schemas.microsoft.com/office/powerpoint/2010/main" val="1087091554"/>
+      </p:ext>
+    </p:extLst>
+  </p:cSld>
+  <p:clrMapOvr>
+    <a:masterClrMapping/>
+  </p:clrMapOvr>
+</p:sld>
+</file>
+
+<file path=ppt/slides/slide4.xml><?xml version="1.0" encoding="utf-8"?>
+<p:sld xmlns:a="http://schemas.openxmlformats.org/drawingml/2006/main" xmlns:r="http://schemas.openxmlformats.org/officeDocument/2006/relationships" xmlns:p="http://schemas.openxmlformats.org/presentationml/2006/main">
+  <p:cSld>
+    <p:spTree>
+      <p:nvGrpSpPr>
+        <p:cNvPr id="1" name=""/>
+        <p:cNvGrpSpPr/>
+        <p:nvPr/>
+      </p:nvGrpSpPr>
+      <p:grpSpPr>
+        <a:xfrm>
+          <a:off x="0" y="0"/>
+          <a:ext cx="0" cy="0"/>
+          <a:chOff x="0" y="0"/>
+          <a:chExt cx="0" cy="0"/>
+        </a:xfrm>
+      </p:grpSpPr>
+      <p:sp>
+        <p:nvSpPr>
+          <p:cNvPr id="2" name="Title 1">
+            <a:extLst>
+              <a:ext uri="{FF2B5EF4-FFF2-40B4-BE49-F238E27FC236}">
+                <a16:creationId xmlns:a16="http://schemas.microsoft.com/office/drawing/2014/main" id="{8F3C2353-D7C4-4040-916A-0527F43EAEE9}"/>
+              </a:ext>
+            </a:extLst>
+          </p:cNvPr>
+          <p:cNvSpPr>
+            <a:spLocks noGrp="1"/>
+          </p:cNvSpPr>
+          <p:nvPr>
+            <p:ph type="title"/>
+          </p:nvPr>
+        </p:nvSpPr>
+        <p:spPr/>
+        <p:txBody>
+          <a:bodyPr/>
+          <a:lstStyle/>
+          <a:p>
+            <a:r>
+              <a:rPr lang="en-US" dirty="0"/>
+              <a:t>If/Else</a:t>
+            </a:r>
+          </a:p>
+        </p:txBody>
+      </p:sp>
+      <p:sp>
+        <p:nvSpPr>
+          <p:cNvPr id="3" name="Content Placeholder 2">
+            <a:extLst>
+              <a:ext uri="{FF2B5EF4-FFF2-40B4-BE49-F238E27FC236}">
+                <a16:creationId xmlns:a16="http://schemas.microsoft.com/office/drawing/2014/main" id="{5FB0BFB6-8226-4234-821F-8640880C3FCB}"/>
+              </a:ext>
+            </a:extLst>
+          </p:cNvPr>
+          <p:cNvSpPr>
+            <a:spLocks noGrp="1"/>
+          </p:cNvSpPr>
+          <p:nvPr>
+            <p:ph idx="1"/>
+          </p:nvPr>
+        </p:nvSpPr>
+        <p:spPr>
+          <a:xfrm>
+            <a:off x="838200" y="1452148"/>
+            <a:ext cx="10515600" cy="510980"/>
+          </a:xfrm>
+        </p:spPr>
+        <p:txBody>
+          <a:bodyPr>
+            <a:normAutofit lnSpcReduction="10000"/>
+          </a:bodyPr>
+          <a:lstStyle/>
+          <a:p>
+            <a:pPr marL="0" indent="0">
+              <a:buNone/>
+            </a:pPr>
+            <a:r>
+              <a:rPr lang="en-US" sz="3200" dirty="0"/>
+              <a:t>The C++ Way:</a:t>
+            </a:r>
+          </a:p>
+        </p:txBody>
+      </p:sp>
+      <p:sp>
+        <p:nvSpPr>
+          <p:cNvPr id="6" name="Content Placeholder 2">
+            <a:extLst>
+              <a:ext uri="{FF2B5EF4-FFF2-40B4-BE49-F238E27FC236}">
+                <a16:creationId xmlns:a16="http://schemas.microsoft.com/office/drawing/2014/main" id="{B7478F0E-4980-F64C-A6A9-63D4FD84C0E7}"/>
+              </a:ext>
+            </a:extLst>
+          </p:cNvPr>
+          <p:cNvSpPr txBox="1">
+            <a:spLocks/>
+          </p:cNvSpPr>
+          <p:nvPr/>
+        </p:nvSpPr>
+        <p:spPr>
+          <a:xfrm>
+            <a:off x="838200" y="4178853"/>
+            <a:ext cx="10515600" cy="510980"/>
+          </a:xfrm>
+          <a:prstGeom prst="rect">
+            <a:avLst/>
+          </a:prstGeom>
+        </p:spPr>
+        <p:txBody>
+          <a:bodyPr vert="horz" lIns="91440" tIns="45720" rIns="91440" bIns="45720" rtlCol="0">
+            <a:normAutofit lnSpcReduction="10000"/>
+          </a:bodyPr>
+          <a:lstStyle>
+            <a:lvl1pPr marL="228600" indent="-228600" algn="l" defTabSz="914400" rtl="0" eaLnBrk="1" latinLnBrk="0" hangingPunct="1">
+              <a:lnSpc>
+                <a:spcPct val="90000"/>
+              </a:lnSpc>
+              <a:spcBef>
+                <a:spcPts val="1000"/>
+              </a:spcBef>
+              <a:buFont typeface="Arial" panose="020B0604020202020204" pitchFamily="34" charset="0"/>
+              <a:buChar char="•"/>
+              <a:defRPr sz="2800" kern="1200">
+                <a:solidFill>
+                  <a:schemeClr val="tx1"/>
+                </a:solidFill>
+                <a:latin typeface="+mn-lt"/>
+                <a:ea typeface="+mn-ea"/>
+                <a:cs typeface="+mn-cs"/>
+              </a:defRPr>
+            </a:lvl1pPr>
+            <a:lvl2pPr marL="685800" indent="-228600" algn="l" defTabSz="914400" rtl="0" eaLnBrk="1" latinLnBrk="0" hangingPunct="1">
+              <a:lnSpc>
+                <a:spcPct val="90000"/>
+              </a:lnSpc>
+              <a:spcBef>
+                <a:spcPts val="500"/>
+              </a:spcBef>
+              <a:buFont typeface="Arial" panose="020B0604020202020204" pitchFamily="34" charset="0"/>
+              <a:buChar char="•"/>
+              <a:defRPr sz="2400" kern="1200">
+                <a:solidFill>
+                  <a:schemeClr val="tx1"/>
+                </a:solidFill>
+                <a:latin typeface="+mn-lt"/>
+                <a:ea typeface="+mn-ea"/>
+                <a:cs typeface="+mn-cs"/>
+              </a:defRPr>
+            </a:lvl2pPr>
+            <a:lvl3pPr marL="1143000" indent="-228600" algn="l" defTabSz="914400" rtl="0" eaLnBrk="1" latinLnBrk="0" hangingPunct="1">
+              <a:lnSpc>
+                <a:spcPct val="90000"/>
+              </a:lnSpc>
+              <a:spcBef>
+                <a:spcPts val="500"/>
+              </a:spcBef>
+              <a:buFont typeface="Arial" panose="020B0604020202020204" pitchFamily="34" charset="0"/>
+              <a:buChar char="•"/>
+              <a:defRPr sz="2000" kern="1200">
+                <a:solidFill>
+                  <a:schemeClr val="tx1"/>
+                </a:solidFill>
+                <a:latin typeface="+mn-lt"/>
+                <a:ea typeface="+mn-ea"/>
+                <a:cs typeface="+mn-cs"/>
+              </a:defRPr>
+            </a:lvl3pPr>
+            <a:lvl4pPr marL="1600200" indent="-228600" algn="l" defTabSz="914400" rtl="0" eaLnBrk="1" latinLnBrk="0" hangingPunct="1">
+              <a:lnSpc>
+                <a:spcPct val="90000"/>
+              </a:lnSpc>
+              <a:spcBef>
+                <a:spcPts val="500"/>
+              </a:spcBef>
+              <a:buFont typeface="Arial" panose="020B0604020202020204" pitchFamily="34" charset="0"/>
+              <a:buChar char="•"/>
+              <a:defRPr sz="1800" kern="1200">
+                <a:solidFill>
+                  <a:schemeClr val="tx1"/>
+                </a:solidFill>
+                <a:latin typeface="+mn-lt"/>
+                <a:ea typeface="+mn-ea"/>
+                <a:cs typeface="+mn-cs"/>
+              </a:defRPr>
+            </a:lvl4pPr>
+            <a:lvl5pPr marL="2057400" indent="-228600" algn="l" defTabSz="914400" rtl="0" eaLnBrk="1" latinLnBrk="0" hangingPunct="1">
+              <a:lnSpc>
+                <a:spcPct val="90000"/>
+              </a:lnSpc>
+              <a:spcBef>
+                <a:spcPts val="500"/>
+              </a:spcBef>
+              <a:buFont typeface="Arial" panose="020B0604020202020204" pitchFamily="34" charset="0"/>
+              <a:buChar char="•"/>
+              <a:defRPr sz="1800" kern="1200">
+                <a:solidFill>
+                  <a:schemeClr val="tx1"/>
+                </a:solidFill>
+                <a:latin typeface="+mn-lt"/>
+                <a:ea typeface="+mn-ea"/>
+                <a:cs typeface="+mn-cs"/>
+              </a:defRPr>
+            </a:lvl5pPr>
+            <a:lvl6pPr marL="2514600" indent="-228600" algn="l" defTabSz="914400" rtl="0" eaLnBrk="1" latinLnBrk="0" hangingPunct="1">
+              <a:lnSpc>
+                <a:spcPct val="90000"/>
+              </a:lnSpc>
+              <a:spcBef>
+                <a:spcPts val="500"/>
+              </a:spcBef>
+              <a:buFont typeface="Arial" panose="020B0604020202020204" pitchFamily="34" charset="0"/>
+              <a:buChar char="•"/>
+              <a:defRPr sz="1800" kern="1200">
+                <a:solidFill>
+                  <a:schemeClr val="tx1"/>
+                </a:solidFill>
+                <a:latin typeface="+mn-lt"/>
+                <a:ea typeface="+mn-ea"/>
+                <a:cs typeface="+mn-cs"/>
+              </a:defRPr>
+            </a:lvl6pPr>
+            <a:lvl7pPr marL="2971800" indent="-228600" algn="l" defTabSz="914400" rtl="0" eaLnBrk="1" latinLnBrk="0" hangingPunct="1">
+              <a:lnSpc>
+                <a:spcPct val="90000"/>
+              </a:lnSpc>
+              <a:spcBef>
+                <a:spcPts val="500"/>
+              </a:spcBef>
+              <a:buFont typeface="Arial" panose="020B0604020202020204" pitchFamily="34" charset="0"/>
+              <a:buChar char="•"/>
+              <a:defRPr sz="1800" kern="1200">
+                <a:solidFill>
+                  <a:schemeClr val="tx1"/>
+                </a:solidFill>
+                <a:latin typeface="+mn-lt"/>
+                <a:ea typeface="+mn-ea"/>
+                <a:cs typeface="+mn-cs"/>
+              </a:defRPr>
+            </a:lvl7pPr>
+            <a:lvl8pPr marL="3429000" indent="-228600" algn="l" defTabSz="914400" rtl="0" eaLnBrk="1" latinLnBrk="0" hangingPunct="1">
+              <a:lnSpc>
+                <a:spcPct val="90000"/>
+              </a:lnSpc>
+              <a:spcBef>
+                <a:spcPts val="500"/>
+              </a:spcBef>
+              <a:buFont typeface="Arial" panose="020B0604020202020204" pitchFamily="34" charset="0"/>
+              <a:buChar char="•"/>
+              <a:defRPr sz="1800" kern="1200">
+                <a:solidFill>
+                  <a:schemeClr val="tx1"/>
+                </a:solidFill>
+                <a:latin typeface="+mn-lt"/>
+                <a:ea typeface="+mn-ea"/>
+                <a:cs typeface="+mn-cs"/>
+              </a:defRPr>
+            </a:lvl8pPr>
+            <a:lvl9pPr marL="3886200" indent="-228600" algn="l" defTabSz="914400" rtl="0" eaLnBrk="1" latinLnBrk="0" hangingPunct="1">
+              <a:lnSpc>
+                <a:spcPct val="90000"/>
+              </a:lnSpc>
+              <a:spcBef>
+                <a:spcPts val="500"/>
+              </a:spcBef>
+              <a:buFont typeface="Arial" panose="020B0604020202020204" pitchFamily="34" charset="0"/>
+              <a:buChar char="•"/>
+              <a:defRPr sz="1800" kern="1200">
+                <a:solidFill>
+                  <a:schemeClr val="tx1"/>
+                </a:solidFill>
+                <a:latin typeface="+mn-lt"/>
+                <a:ea typeface="+mn-ea"/>
+                <a:cs typeface="+mn-cs"/>
+              </a:defRPr>
+            </a:lvl9pPr>
+          </a:lstStyle>
+          <a:p>
+            <a:pPr marL="0" indent="0">
+              <a:buFont typeface="Arial" panose="020B0604020202020204" pitchFamily="34" charset="0"/>
+              <a:buNone/>
+            </a:pPr>
+            <a:r>
+              <a:rPr lang="en-US" sz="3200" dirty="0"/>
+              <a:t>The Python Way:</a:t>
+            </a:r>
+          </a:p>
+        </p:txBody>
+      </p:sp>
+      <p:sp>
+        <p:nvSpPr>
+          <p:cNvPr id="8" name="Rectangle 7">
+            <a:extLst>
+              <a:ext uri="{FF2B5EF4-FFF2-40B4-BE49-F238E27FC236}">
+                <a16:creationId xmlns:a16="http://schemas.microsoft.com/office/drawing/2014/main" id="{73BB6F64-CFD0-B249-BAC1-2682FF06EB4E}"/>
+              </a:ext>
+            </a:extLst>
+          </p:cNvPr>
+          <p:cNvSpPr/>
+          <p:nvPr/>
+        </p:nvSpPr>
+        <p:spPr>
+          <a:xfrm>
+            <a:off x="838200" y="1963126"/>
+            <a:ext cx="10515600" cy="1815882"/>
+          </a:xfrm>
+          <a:prstGeom prst="rect">
+            <a:avLst/>
+          </a:prstGeom>
+          <a:solidFill>
+            <a:schemeClr val="bg2">
+              <a:lumMod val="25000"/>
+            </a:schemeClr>
+          </a:solidFill>
+        </p:spPr>
+        <p:txBody>
+          <a:bodyPr wrap="square">
+            <a:spAutoFit/>
+          </a:bodyPr>
+          <a:lstStyle/>
+          <a:p>
+            <a:r>
+              <a:rPr lang="en-US" sz="1600" dirty="0">
+                <a:solidFill>
+                  <a:srgbClr val="C687C1"/>
+                </a:solidFill>
+                <a:latin typeface="Menlo-Regular"/>
+              </a:rPr>
+              <a:t>if </a:t>
+            </a:r>
+            <a:r>
+              <a:rPr lang="en-US" sz="1600" dirty="0">
+                <a:solidFill>
+                  <a:srgbClr val="D5D5D5"/>
+                </a:solidFill>
+                <a:latin typeface="Menlo-Regular"/>
+              </a:rPr>
+              <a:t>(age &lt; </a:t>
+            </a:r>
+            <a:r>
+              <a:rPr lang="en-US" sz="1600" dirty="0">
+                <a:solidFill>
+                  <a:srgbClr val="B6CFA9"/>
+                </a:solidFill>
+                <a:latin typeface="Menlo-Regular"/>
+              </a:rPr>
+              <a:t>50</a:t>
+            </a:r>
+            <a:r>
+              <a:rPr lang="en-US" sz="1600" dirty="0">
+                <a:solidFill>
+                  <a:srgbClr val="D5D5D5"/>
+                </a:solidFill>
+                <a:latin typeface="Menlo-Regular"/>
+              </a:rPr>
+              <a:t>) {</a:t>
+            </a:r>
+          </a:p>
+          <a:p>
+            <a:r>
+              <a:rPr lang="en-US" sz="1600" dirty="0">
+                <a:solidFill>
+                  <a:srgbClr val="D5D5D5"/>
+                </a:solidFill>
+                <a:latin typeface="Menlo-Regular"/>
+              </a:rPr>
+              <a:t>	std::</a:t>
+            </a:r>
+            <a:r>
+              <a:rPr lang="en-US" sz="1600" dirty="0" err="1">
+                <a:solidFill>
+                  <a:srgbClr val="D5D5D5"/>
+                </a:solidFill>
+                <a:latin typeface="Menlo-Regular"/>
+              </a:rPr>
+              <a:t>cout</a:t>
+            </a:r>
+            <a:r>
+              <a:rPr lang="en-US" sz="1600" dirty="0">
+                <a:solidFill>
+                  <a:srgbClr val="D5D5D5"/>
+                </a:solidFill>
+                <a:latin typeface="Menlo-Regular"/>
+              </a:rPr>
+              <a:t> &lt;&lt; </a:t>
+            </a:r>
+            <a:r>
+              <a:rPr lang="en-US" sz="1600" dirty="0">
+                <a:solidFill>
+                  <a:srgbClr val="CF9278"/>
+                </a:solidFill>
+                <a:latin typeface="Menlo-Regular"/>
+              </a:rPr>
+              <a:t>"Save now for retirement!" </a:t>
+            </a:r>
+            <a:r>
+              <a:rPr lang="en-US" sz="1600" dirty="0">
+                <a:solidFill>
+                  <a:srgbClr val="D5D5D5"/>
+                </a:solidFill>
+                <a:latin typeface="Menlo-Regular"/>
+              </a:rPr>
+              <a:t>&lt;&lt; std::</a:t>
+            </a:r>
+            <a:r>
+              <a:rPr lang="en-US" sz="1600" dirty="0" err="1">
+                <a:solidFill>
+                  <a:srgbClr val="D5D5D5"/>
+                </a:solidFill>
+                <a:latin typeface="Menlo-Regular"/>
+              </a:rPr>
+              <a:t>endl</a:t>
+            </a:r>
+            <a:r>
+              <a:rPr lang="en-US" sz="1600" dirty="0">
+                <a:solidFill>
+                  <a:srgbClr val="D5D5D5"/>
+                </a:solidFill>
+                <a:latin typeface="Menlo-Regular"/>
+              </a:rPr>
+              <a:t>;</a:t>
+            </a:r>
+          </a:p>
+          <a:p>
+            <a:r>
+              <a:rPr lang="en-US" sz="1600" dirty="0">
+                <a:solidFill>
+                  <a:srgbClr val="D5D5D5"/>
+                </a:solidFill>
+                <a:latin typeface="Menlo-Regular"/>
+              </a:rPr>
+              <a:t>}</a:t>
+            </a:r>
+          </a:p>
+          <a:p>
+            <a:r>
+              <a:rPr lang="en-US" sz="1600" dirty="0">
+                <a:solidFill>
+                  <a:srgbClr val="C687C1"/>
+                </a:solidFill>
+                <a:latin typeface="Menlo-Regular"/>
+              </a:rPr>
+              <a:t>else </a:t>
+            </a:r>
+            <a:r>
+              <a:rPr lang="en-US" sz="1600" dirty="0">
+                <a:solidFill>
+                  <a:srgbClr val="D5D5D5"/>
+                </a:solidFill>
+                <a:latin typeface="Menlo-Regular"/>
+              </a:rPr>
+              <a:t>{</a:t>
+            </a:r>
+          </a:p>
+          <a:p>
+            <a:r>
+              <a:rPr lang="en-US" sz="1600" dirty="0">
+                <a:solidFill>
+                  <a:srgbClr val="D5D5D5"/>
+                </a:solidFill>
+                <a:latin typeface="Menlo-Regular"/>
+              </a:rPr>
+              <a:t>	std::</a:t>
+            </a:r>
+            <a:r>
+              <a:rPr lang="en-US" sz="1600" dirty="0" err="1">
+                <a:solidFill>
+                  <a:srgbClr val="D5D5D5"/>
+                </a:solidFill>
+                <a:latin typeface="Menlo-Regular"/>
+              </a:rPr>
+              <a:t>cout</a:t>
+            </a:r>
+            <a:r>
+              <a:rPr lang="en-US" sz="1600" dirty="0">
+                <a:solidFill>
+                  <a:srgbClr val="D5D5D5"/>
+                </a:solidFill>
+                <a:latin typeface="Menlo-Regular"/>
+              </a:rPr>
+              <a:t> &lt;&lt; </a:t>
+            </a:r>
+            <a:r>
+              <a:rPr lang="en-US" sz="1600" dirty="0">
+                <a:solidFill>
+                  <a:srgbClr val="CF9278"/>
+                </a:solidFill>
+                <a:latin typeface="Menlo-Regular"/>
+              </a:rPr>
+              <a:t>"Your AARP membership is in the mail" </a:t>
+            </a:r>
+            <a:r>
+              <a:rPr lang="en-US" sz="1600" dirty="0">
+                <a:solidFill>
+                  <a:srgbClr val="D5D5D5"/>
+                </a:solidFill>
+                <a:latin typeface="Menlo-Regular"/>
+              </a:rPr>
+              <a:t>&lt;&lt; std::</a:t>
+            </a:r>
+            <a:r>
+              <a:rPr lang="en-US" sz="1600" dirty="0" err="1">
+                <a:solidFill>
+                  <a:srgbClr val="D5D5D5"/>
+                </a:solidFill>
+                <a:latin typeface="Menlo-Regular"/>
+              </a:rPr>
+              <a:t>endl</a:t>
+            </a:r>
+            <a:r>
+              <a:rPr lang="en-US" sz="1600" dirty="0">
+                <a:solidFill>
+                  <a:srgbClr val="D5D5D5"/>
+                </a:solidFill>
+                <a:latin typeface="Menlo-Regular"/>
+              </a:rPr>
+              <a:t>;</a:t>
+            </a:r>
+          </a:p>
+          <a:p>
+            <a:r>
+              <a:rPr lang="en-US" sz="1600" dirty="0">
+                <a:solidFill>
+                  <a:srgbClr val="D5D5D5"/>
+                </a:solidFill>
+                <a:latin typeface="Menlo-Regular"/>
+              </a:rPr>
+              <a:t>}</a:t>
+            </a:r>
+          </a:p>
+          <a:p>
+            <a:endParaRPr lang="en-US" sz="1600" b="0" dirty="0">
+              <a:solidFill>
+                <a:srgbClr val="D4D4D4"/>
+              </a:solidFill>
+              <a:effectLst/>
+              <a:latin typeface="Menlo" panose="020B0609030804020204" pitchFamily="49" charset="0"/>
+            </a:endParaRPr>
+          </a:p>
+        </p:txBody>
+      </p:sp>
+      <p:sp>
+        <p:nvSpPr>
+          <p:cNvPr id="9" name="Rectangle 8">
+            <a:extLst>
+              <a:ext uri="{FF2B5EF4-FFF2-40B4-BE49-F238E27FC236}">
+                <a16:creationId xmlns:a16="http://schemas.microsoft.com/office/drawing/2014/main" id="{5CC2B9E3-0FF1-3047-99DA-39EDF50964B4}"/>
+              </a:ext>
+            </a:extLst>
+          </p:cNvPr>
+          <p:cNvSpPr/>
+          <p:nvPr/>
+        </p:nvSpPr>
+        <p:spPr>
+          <a:xfrm>
+            <a:off x="838200" y="4689833"/>
+            <a:ext cx="10515600" cy="1323439"/>
+          </a:xfrm>
+          <a:prstGeom prst="rect">
+            <a:avLst/>
+          </a:prstGeom>
+          <a:solidFill>
+            <a:schemeClr val="bg2">
+              <a:lumMod val="25000"/>
+            </a:schemeClr>
+          </a:solidFill>
+        </p:spPr>
+        <p:txBody>
+          <a:bodyPr wrap="square">
+            <a:spAutoFit/>
+          </a:bodyPr>
+          <a:lstStyle/>
+          <a:p>
+            <a:r>
+              <a:rPr lang="en-US" sz="1600" dirty="0">
+                <a:solidFill>
+                  <a:srgbClr val="C586C0"/>
+                </a:solidFill>
+                <a:latin typeface="Consolas" panose="020B0609020204030204" pitchFamily="49" charset="0"/>
+              </a:rPr>
+              <a:t>if</a:t>
+            </a:r>
+            <a:r>
+              <a:rPr lang="en-US" sz="1600" dirty="0">
+                <a:solidFill>
+                  <a:srgbClr val="D4D4D4"/>
+                </a:solidFill>
+                <a:latin typeface="Consolas" panose="020B0609020204030204" pitchFamily="49" charset="0"/>
+              </a:rPr>
+              <a:t> (age &lt; </a:t>
+            </a:r>
+            <a:r>
+              <a:rPr lang="en-US" sz="1600" dirty="0">
+                <a:solidFill>
+                  <a:srgbClr val="B5CEA8"/>
+                </a:solidFill>
+                <a:latin typeface="Consolas" panose="020B0609020204030204" pitchFamily="49" charset="0"/>
+              </a:rPr>
+              <a:t>50</a:t>
+            </a:r>
+            <a:r>
+              <a:rPr lang="en-US" sz="1600" dirty="0">
+                <a:solidFill>
+                  <a:srgbClr val="D4D4D4"/>
+                </a:solidFill>
+                <a:latin typeface="Consolas" panose="020B0609020204030204" pitchFamily="49" charset="0"/>
+              </a:rPr>
+              <a:t>): </a:t>
+            </a:r>
+          </a:p>
+          <a:p>
+            <a:r>
+              <a:rPr lang="en-US" sz="1600" dirty="0">
+                <a:solidFill>
+                  <a:srgbClr val="DCDCAA"/>
+                </a:solidFill>
+                <a:latin typeface="Consolas" panose="020B0609020204030204" pitchFamily="49" charset="0"/>
+              </a:rPr>
+              <a:t>	print</a:t>
+            </a:r>
+            <a:r>
+              <a:rPr lang="en-US" sz="1600" dirty="0">
+                <a:solidFill>
+                  <a:srgbClr val="D4D4D4"/>
+                </a:solidFill>
+                <a:latin typeface="Consolas" panose="020B0609020204030204" pitchFamily="49" charset="0"/>
+              </a:rPr>
+              <a:t>(</a:t>
+            </a:r>
+            <a:r>
+              <a:rPr lang="en-US" sz="1600" dirty="0">
+                <a:solidFill>
+                  <a:srgbClr val="CE9178"/>
+                </a:solidFill>
+                <a:latin typeface="Consolas" panose="020B0609020204030204" pitchFamily="49" charset="0"/>
+              </a:rPr>
+              <a:t>"Save now for retirement!"</a:t>
+            </a:r>
+            <a:r>
+              <a:rPr lang="en-US" sz="1600" dirty="0">
+                <a:solidFill>
+                  <a:srgbClr val="D4D4D4"/>
+                </a:solidFill>
+                <a:latin typeface="Consolas" panose="020B0609020204030204" pitchFamily="49" charset="0"/>
+              </a:rPr>
+              <a:t>)</a:t>
+            </a:r>
+          </a:p>
+          <a:p>
+            <a:r>
+              <a:rPr lang="en-US" sz="1600" dirty="0">
+                <a:solidFill>
+                  <a:srgbClr val="C586C0"/>
+                </a:solidFill>
+                <a:latin typeface="Consolas" panose="020B0609020204030204" pitchFamily="49" charset="0"/>
+              </a:rPr>
+              <a:t>else</a:t>
+            </a:r>
+            <a:r>
+              <a:rPr lang="en-US" sz="1600" dirty="0">
+                <a:solidFill>
+                  <a:srgbClr val="D4D4D4"/>
+                </a:solidFill>
+                <a:latin typeface="Consolas" panose="020B0609020204030204" pitchFamily="49" charset="0"/>
+              </a:rPr>
+              <a:t>:</a:t>
+            </a:r>
+          </a:p>
+          <a:p>
+            <a:r>
+              <a:rPr lang="en-US" sz="1600" dirty="0">
+                <a:solidFill>
+                  <a:srgbClr val="DCDCAA"/>
+                </a:solidFill>
+                <a:latin typeface="Consolas" panose="020B0609020204030204" pitchFamily="49" charset="0"/>
+              </a:rPr>
+              <a:t>	print</a:t>
+            </a:r>
+            <a:r>
+              <a:rPr lang="en-US" sz="1600" dirty="0">
+                <a:solidFill>
+                  <a:srgbClr val="D4D4D4"/>
+                </a:solidFill>
+                <a:latin typeface="Consolas" panose="020B0609020204030204" pitchFamily="49" charset="0"/>
+              </a:rPr>
+              <a:t>(</a:t>
+            </a:r>
+            <a:r>
+              <a:rPr lang="en-US" sz="1600" dirty="0">
+                <a:solidFill>
+                  <a:srgbClr val="CE9178"/>
+                </a:solidFill>
+                <a:latin typeface="Consolas" panose="020B0609020204030204" pitchFamily="49" charset="0"/>
+              </a:rPr>
+              <a:t>"Your AARP membership is in the mail"</a:t>
+            </a:r>
+            <a:r>
+              <a:rPr lang="en-US" sz="1600" dirty="0">
+                <a:solidFill>
+                  <a:srgbClr val="D4D4D4"/>
+                </a:solidFill>
+                <a:latin typeface="Consolas" panose="020B0609020204030204" pitchFamily="49" charset="0"/>
+              </a:rPr>
+              <a:t>)</a:t>
+            </a:r>
+          </a:p>
+          <a:p>
+            <a:endParaRPr lang="en-US" sz="1600" dirty="0">
+              <a:solidFill>
+                <a:srgbClr val="D4D4D4"/>
+              </a:solidFill>
+              <a:latin typeface="Menlo" panose="020B0609030804020204" pitchFamily="49" charset="0"/>
+            </a:endParaRPr>
+          </a:p>
+        </p:txBody>
+      </p:sp>
+    </p:spTree>
+    <p:extLst>
+      <p:ext uri="{BB962C8B-B14F-4D97-AF65-F5344CB8AC3E}">
+        <p14:creationId xmlns:p14="http://schemas.microsoft.com/office/powerpoint/2010/main" val="4222260773"/>
+      </p:ext>
+    </p:extLst>
+  </p:cSld>
+  <p:clrMapOvr>
+    <a:masterClrMapping/>
+  </p:clrMapOvr>
+</p:sld>
+</file>
+
+<file path=ppt/slides/slide5.xml><?xml version="1.0" encoding="utf-8"?>
+<p:sld xmlns:a="http://schemas.openxmlformats.org/drawingml/2006/main" xmlns:r="http://schemas.openxmlformats.org/officeDocument/2006/relationships" xmlns:p="http://schemas.openxmlformats.org/presentationml/2006/main">
+  <p:cSld>
+    <p:spTree>
+      <p:nvGrpSpPr>
+        <p:cNvPr id="1" name=""/>
+        <p:cNvGrpSpPr/>
+        <p:nvPr/>
+      </p:nvGrpSpPr>
+      <p:grpSpPr>
+        <a:xfrm>
+          <a:off x="0" y="0"/>
+          <a:ext cx="0" cy="0"/>
+          <a:chOff x="0" y="0"/>
+          <a:chExt cx="0" cy="0"/>
+        </a:xfrm>
+      </p:grpSpPr>
+      <p:sp>
+        <p:nvSpPr>
+          <p:cNvPr id="11" name="Title 10">
+            <a:extLst>
+              <a:ext uri="{FF2B5EF4-FFF2-40B4-BE49-F238E27FC236}">
+                <a16:creationId xmlns:a16="http://schemas.microsoft.com/office/drawing/2014/main" id="{7CC886A9-F2B7-4A8B-89F0-5DA89880D6EA}"/>
+              </a:ext>
+            </a:extLst>
+          </p:cNvPr>
+          <p:cNvSpPr>
+            <a:spLocks noGrp="1"/>
+          </p:cNvSpPr>
+          <p:nvPr>
+            <p:ph type="title"/>
+          </p:nvPr>
+        </p:nvSpPr>
+        <p:spPr/>
+        <p:txBody>
+          <a:bodyPr/>
+          <a:lstStyle/>
+          <a:p>
+            <a:r>
+              <a:rPr lang="en-US" dirty="0"/>
+              <a:t>Indentation is Important!</a:t>
+            </a:r>
+          </a:p>
+        </p:txBody>
+      </p:sp>
+      <p:sp>
+        <p:nvSpPr>
+          <p:cNvPr id="12" name="Rectangle 11">
+            <a:extLst>
+              <a:ext uri="{FF2B5EF4-FFF2-40B4-BE49-F238E27FC236}">
+                <a16:creationId xmlns:a16="http://schemas.microsoft.com/office/drawing/2014/main" id="{6659978A-6B1B-48AC-A383-949845F8946E}"/>
+              </a:ext>
+            </a:extLst>
+          </p:cNvPr>
+          <p:cNvSpPr/>
+          <p:nvPr/>
+        </p:nvSpPr>
+        <p:spPr>
+          <a:xfrm>
+            <a:off x="851075" y="1605343"/>
+            <a:ext cx="10515600" cy="1569660"/>
+          </a:xfrm>
+          <a:prstGeom prst="rect">
+            <a:avLst/>
+          </a:prstGeom>
+          <a:solidFill>
+            <a:schemeClr val="bg2">
+              <a:lumMod val="25000"/>
+            </a:schemeClr>
+          </a:solidFill>
+        </p:spPr>
+        <p:txBody>
+          <a:bodyPr wrap="square">
+            <a:spAutoFit/>
+          </a:bodyPr>
+          <a:lstStyle/>
+          <a:p>
+            <a:r>
+              <a:rPr lang="en-US" sz="1600" dirty="0">
+                <a:solidFill>
+                  <a:srgbClr val="C586C0"/>
+                </a:solidFill>
+                <a:latin typeface="Consolas" panose="020B0609020204030204" pitchFamily="49" charset="0"/>
+              </a:rPr>
+              <a:t>if</a:t>
+            </a:r>
+            <a:r>
+              <a:rPr lang="en-US" sz="1600" dirty="0">
+                <a:solidFill>
+                  <a:srgbClr val="D4D4D4"/>
+                </a:solidFill>
+                <a:latin typeface="Consolas" panose="020B0609020204030204" pitchFamily="49" charset="0"/>
+              </a:rPr>
+              <a:t> (age &lt; </a:t>
+            </a:r>
+            <a:r>
+              <a:rPr lang="en-US" sz="1600" dirty="0">
+                <a:solidFill>
+                  <a:srgbClr val="B5CEA8"/>
+                </a:solidFill>
+                <a:latin typeface="Consolas" panose="020B0609020204030204" pitchFamily="49" charset="0"/>
+              </a:rPr>
+              <a:t>50</a:t>
+            </a:r>
+            <a:r>
+              <a:rPr lang="en-US" sz="1600" dirty="0">
+                <a:solidFill>
+                  <a:srgbClr val="D4D4D4"/>
+                </a:solidFill>
+                <a:latin typeface="Consolas" panose="020B0609020204030204" pitchFamily="49" charset="0"/>
+              </a:rPr>
+              <a:t>): </a:t>
+            </a:r>
+          </a:p>
+          <a:p>
+            <a:r>
+              <a:rPr lang="en-US" sz="1600" dirty="0">
+                <a:solidFill>
+                  <a:srgbClr val="DCDCAA"/>
+                </a:solidFill>
+                <a:latin typeface="Consolas" panose="020B0609020204030204" pitchFamily="49" charset="0"/>
+              </a:rPr>
+              <a:t>	print</a:t>
+            </a:r>
+            <a:r>
+              <a:rPr lang="en-US" sz="1600" dirty="0">
+                <a:solidFill>
+                  <a:srgbClr val="D4D4D4"/>
+                </a:solidFill>
+                <a:latin typeface="Consolas" panose="020B0609020204030204" pitchFamily="49" charset="0"/>
+              </a:rPr>
+              <a:t>(</a:t>
+            </a:r>
+            <a:r>
+              <a:rPr lang="en-US" sz="1600" dirty="0">
+                <a:solidFill>
+                  <a:srgbClr val="CE9178"/>
+                </a:solidFill>
+                <a:latin typeface="Consolas" panose="020B0609020204030204" pitchFamily="49" charset="0"/>
+              </a:rPr>
+              <a:t>"Save now for retirement!"</a:t>
+            </a:r>
+            <a:r>
+              <a:rPr lang="en-US" sz="1600" dirty="0">
+                <a:solidFill>
+                  <a:srgbClr val="D4D4D4"/>
+                </a:solidFill>
+                <a:latin typeface="Consolas" panose="020B0609020204030204" pitchFamily="49" charset="0"/>
+              </a:rPr>
+              <a:t>)</a:t>
+            </a:r>
+          </a:p>
+          <a:p>
+            <a:r>
+              <a:rPr lang="en-US" sz="1600" dirty="0">
+                <a:solidFill>
+                  <a:srgbClr val="C586C0"/>
+                </a:solidFill>
+                <a:latin typeface="Consolas" panose="020B0609020204030204" pitchFamily="49" charset="0"/>
+              </a:rPr>
+              <a:t>else</a:t>
+            </a:r>
+            <a:r>
+              <a:rPr lang="en-US" sz="1600" dirty="0">
+                <a:solidFill>
+                  <a:srgbClr val="D4D4D4"/>
+                </a:solidFill>
+                <a:latin typeface="Consolas" panose="020B0609020204030204" pitchFamily="49" charset="0"/>
+              </a:rPr>
+              <a:t>:</a:t>
+            </a:r>
+          </a:p>
+          <a:p>
+            <a:r>
+              <a:rPr lang="en-US" sz="1600" dirty="0">
+                <a:solidFill>
+                  <a:srgbClr val="DCDCAA"/>
+                </a:solidFill>
+                <a:latin typeface="Consolas" panose="020B0609020204030204" pitchFamily="49" charset="0"/>
+              </a:rPr>
+              <a:t>	print</a:t>
+            </a:r>
+            <a:r>
+              <a:rPr lang="en-US" sz="1600" dirty="0">
+                <a:solidFill>
+                  <a:srgbClr val="D4D4D4"/>
+                </a:solidFill>
+                <a:latin typeface="Consolas" panose="020B0609020204030204" pitchFamily="49" charset="0"/>
+              </a:rPr>
+              <a:t>(</a:t>
+            </a:r>
+            <a:r>
+              <a:rPr lang="en-US" sz="1600" dirty="0">
+                <a:solidFill>
+                  <a:srgbClr val="CE9178"/>
+                </a:solidFill>
+                <a:latin typeface="Consolas" panose="020B0609020204030204" pitchFamily="49" charset="0"/>
+              </a:rPr>
+              <a:t>"Your AARP membership is in the mail"</a:t>
+            </a:r>
+            <a:r>
+              <a:rPr lang="en-US" sz="1600" dirty="0">
+                <a:solidFill>
+                  <a:srgbClr val="D4D4D4"/>
+                </a:solidFill>
+                <a:latin typeface="Consolas" panose="020B0609020204030204" pitchFamily="49" charset="0"/>
+              </a:rPr>
+              <a:t>)</a:t>
+            </a:r>
+          </a:p>
+          <a:p>
+            <a:r>
+              <a:rPr lang="en-US" sz="1600" dirty="0">
+                <a:solidFill>
+                  <a:srgbClr val="DCDCAA"/>
+                </a:solidFill>
+                <a:latin typeface="Consolas" panose="020B0609020204030204" pitchFamily="49" charset="0"/>
+              </a:rPr>
+              <a:t>	print</a:t>
+            </a:r>
+            <a:r>
+              <a:rPr lang="en-US" sz="1600" dirty="0">
+                <a:solidFill>
+                  <a:srgbClr val="D4D4D4"/>
+                </a:solidFill>
+                <a:latin typeface="Consolas" panose="020B0609020204030204" pitchFamily="49" charset="0"/>
+              </a:rPr>
+              <a:t>(</a:t>
+            </a:r>
+            <a:r>
+              <a:rPr lang="en-US" sz="1600" dirty="0">
+                <a:solidFill>
+                  <a:srgbClr val="CE9178"/>
+                </a:solidFill>
+                <a:latin typeface="Consolas" panose="020B0609020204030204" pitchFamily="49" charset="0"/>
+              </a:rPr>
+              <a:t>"Please look carefully"</a:t>
+            </a:r>
+            <a:r>
+              <a:rPr lang="en-US" sz="1600" dirty="0">
+                <a:solidFill>
+                  <a:srgbClr val="D4D4D4"/>
+                </a:solidFill>
+                <a:latin typeface="Consolas" panose="020B0609020204030204" pitchFamily="49" charset="0"/>
+              </a:rPr>
+              <a:t>)</a:t>
+            </a:r>
+          </a:p>
+          <a:p>
+            <a:endParaRPr lang="en-US" sz="1600" dirty="0">
+              <a:solidFill>
+                <a:srgbClr val="D4D4D4"/>
+              </a:solidFill>
+              <a:latin typeface="Menlo" panose="020B0609030804020204" pitchFamily="49" charset="0"/>
+            </a:endParaRPr>
+          </a:p>
+        </p:txBody>
+      </p:sp>
+      <p:sp>
+        <p:nvSpPr>
+          <p:cNvPr id="13" name="Rectangle 12">
+            <a:extLst>
+              <a:ext uri="{FF2B5EF4-FFF2-40B4-BE49-F238E27FC236}">
+                <a16:creationId xmlns:a16="http://schemas.microsoft.com/office/drawing/2014/main" id="{415028AB-BDC6-40FA-93DE-C388E6206953}"/>
+              </a:ext>
+            </a:extLst>
+          </p:cNvPr>
+          <p:cNvSpPr/>
+          <p:nvPr/>
+        </p:nvSpPr>
+        <p:spPr>
+          <a:xfrm>
+            <a:off x="838200" y="3768993"/>
+            <a:ext cx="10515600" cy="1569660"/>
+          </a:xfrm>
+          <a:prstGeom prst="rect">
+            <a:avLst/>
+          </a:prstGeom>
+          <a:solidFill>
+            <a:schemeClr val="bg2">
+              <a:lumMod val="25000"/>
+            </a:schemeClr>
+          </a:solidFill>
+        </p:spPr>
+        <p:txBody>
+          <a:bodyPr wrap="square">
+            <a:spAutoFit/>
+          </a:bodyPr>
+          <a:lstStyle/>
+          <a:p>
+            <a:r>
+              <a:rPr lang="en-US" sz="1600" dirty="0">
+                <a:solidFill>
+                  <a:srgbClr val="C586C0"/>
+                </a:solidFill>
+                <a:latin typeface="Consolas" panose="020B0609020204030204" pitchFamily="49" charset="0"/>
+              </a:rPr>
+              <a:t>if</a:t>
+            </a:r>
+            <a:r>
+              <a:rPr lang="en-US" sz="1600" dirty="0">
+                <a:solidFill>
+                  <a:srgbClr val="D4D4D4"/>
+                </a:solidFill>
+                <a:latin typeface="Consolas" panose="020B0609020204030204" pitchFamily="49" charset="0"/>
+              </a:rPr>
+              <a:t> (age &lt; </a:t>
+            </a:r>
+            <a:r>
+              <a:rPr lang="en-US" sz="1600" dirty="0">
+                <a:solidFill>
+                  <a:srgbClr val="B5CEA8"/>
+                </a:solidFill>
+                <a:latin typeface="Consolas" panose="020B0609020204030204" pitchFamily="49" charset="0"/>
+              </a:rPr>
+              <a:t>50</a:t>
+            </a:r>
+            <a:r>
+              <a:rPr lang="en-US" sz="1600" dirty="0">
+                <a:solidFill>
+                  <a:srgbClr val="D4D4D4"/>
+                </a:solidFill>
+                <a:latin typeface="Consolas" panose="020B0609020204030204" pitchFamily="49" charset="0"/>
+              </a:rPr>
+              <a:t>): </a:t>
+            </a:r>
+          </a:p>
+          <a:p>
+            <a:r>
+              <a:rPr lang="en-US" sz="1600" dirty="0">
+                <a:solidFill>
+                  <a:srgbClr val="DCDCAA"/>
+                </a:solidFill>
+                <a:latin typeface="Consolas" panose="020B0609020204030204" pitchFamily="49" charset="0"/>
+              </a:rPr>
+              <a:t>	print</a:t>
+            </a:r>
+            <a:r>
+              <a:rPr lang="en-US" sz="1600" dirty="0">
+                <a:solidFill>
+                  <a:srgbClr val="D4D4D4"/>
+                </a:solidFill>
+                <a:latin typeface="Consolas" panose="020B0609020204030204" pitchFamily="49" charset="0"/>
+              </a:rPr>
+              <a:t>(</a:t>
+            </a:r>
+            <a:r>
+              <a:rPr lang="en-US" sz="1600" dirty="0">
+                <a:solidFill>
+                  <a:srgbClr val="CE9178"/>
+                </a:solidFill>
+                <a:latin typeface="Consolas" panose="020B0609020204030204" pitchFamily="49" charset="0"/>
+              </a:rPr>
+              <a:t>"Save now for retirement!"</a:t>
+            </a:r>
+            <a:r>
+              <a:rPr lang="en-US" sz="1600" dirty="0">
+                <a:solidFill>
+                  <a:srgbClr val="D4D4D4"/>
+                </a:solidFill>
+                <a:latin typeface="Consolas" panose="020B0609020204030204" pitchFamily="49" charset="0"/>
+              </a:rPr>
+              <a:t>)</a:t>
+            </a:r>
+          </a:p>
+          <a:p>
+            <a:r>
+              <a:rPr lang="en-US" sz="1600" dirty="0">
+                <a:solidFill>
+                  <a:srgbClr val="C586C0"/>
+                </a:solidFill>
+                <a:latin typeface="Consolas" panose="020B0609020204030204" pitchFamily="49" charset="0"/>
+              </a:rPr>
+              <a:t>else</a:t>
+            </a:r>
+            <a:r>
+              <a:rPr lang="en-US" sz="1600" dirty="0">
+                <a:solidFill>
+                  <a:srgbClr val="D4D4D4"/>
+                </a:solidFill>
+                <a:latin typeface="Consolas" panose="020B0609020204030204" pitchFamily="49" charset="0"/>
+              </a:rPr>
+              <a:t>:</a:t>
+            </a:r>
+          </a:p>
+          <a:p>
+            <a:r>
+              <a:rPr lang="en-US" sz="1600" dirty="0">
+                <a:solidFill>
+                  <a:srgbClr val="DCDCAA"/>
+                </a:solidFill>
+                <a:latin typeface="Consolas" panose="020B0609020204030204" pitchFamily="49" charset="0"/>
+              </a:rPr>
+              <a:t>	print</a:t>
+            </a:r>
+            <a:r>
+              <a:rPr lang="en-US" sz="1600" dirty="0">
+                <a:solidFill>
+                  <a:srgbClr val="D4D4D4"/>
+                </a:solidFill>
+                <a:latin typeface="Consolas" panose="020B0609020204030204" pitchFamily="49" charset="0"/>
+              </a:rPr>
+              <a:t>(</a:t>
+            </a:r>
+            <a:r>
+              <a:rPr lang="en-US" sz="1600" dirty="0">
+                <a:solidFill>
+                  <a:srgbClr val="CE9178"/>
+                </a:solidFill>
+                <a:latin typeface="Consolas" panose="020B0609020204030204" pitchFamily="49" charset="0"/>
+              </a:rPr>
+              <a:t>"Your AARP membership is in the mail"</a:t>
+            </a:r>
+            <a:r>
+              <a:rPr lang="en-US" sz="1600" dirty="0">
+                <a:solidFill>
+                  <a:srgbClr val="D4D4D4"/>
+                </a:solidFill>
+                <a:latin typeface="Consolas" panose="020B0609020204030204" pitchFamily="49" charset="0"/>
+              </a:rPr>
+              <a:t>)</a:t>
+            </a:r>
+          </a:p>
+          <a:p>
+            <a:r>
+              <a:rPr lang="en-US" sz="1600" dirty="0">
+                <a:solidFill>
+                  <a:srgbClr val="DCDCAA"/>
+                </a:solidFill>
+                <a:latin typeface="Consolas" panose="020B0609020204030204" pitchFamily="49" charset="0"/>
+              </a:rPr>
+              <a:t>print</a:t>
+            </a:r>
+            <a:r>
+              <a:rPr lang="en-US" sz="1600" dirty="0">
+                <a:solidFill>
+                  <a:srgbClr val="D4D4D4"/>
+                </a:solidFill>
+                <a:latin typeface="Consolas" panose="020B0609020204030204" pitchFamily="49" charset="0"/>
+              </a:rPr>
+              <a:t>(</a:t>
+            </a:r>
+            <a:r>
+              <a:rPr lang="en-US" sz="1600" dirty="0">
+                <a:solidFill>
+                  <a:srgbClr val="CE9178"/>
+                </a:solidFill>
+                <a:latin typeface="Consolas" panose="020B0609020204030204" pitchFamily="49" charset="0"/>
+              </a:rPr>
+              <a:t>"Please look carefully"</a:t>
+            </a:r>
+            <a:r>
+              <a:rPr lang="en-US" sz="1600" dirty="0">
+                <a:solidFill>
+                  <a:srgbClr val="D4D4D4"/>
+                </a:solidFill>
+                <a:latin typeface="Consolas" panose="020B0609020204030204" pitchFamily="49" charset="0"/>
+              </a:rPr>
+              <a:t>)</a:t>
+            </a:r>
+          </a:p>
+          <a:p>
+            <a:endParaRPr lang="en-US" sz="1600" dirty="0">
+              <a:solidFill>
+                <a:srgbClr val="D4D4D4"/>
+              </a:solidFill>
+              <a:latin typeface="Menlo" panose="020B0609030804020204" pitchFamily="49" charset="0"/>
+            </a:endParaRPr>
+          </a:p>
+        </p:txBody>
+      </p:sp>
+      <p:sp>
+        <p:nvSpPr>
+          <p:cNvPr id="14" name="Content Placeholder 2">
+            <a:extLst>
+              <a:ext uri="{FF2B5EF4-FFF2-40B4-BE49-F238E27FC236}">
+                <a16:creationId xmlns:a16="http://schemas.microsoft.com/office/drawing/2014/main" id="{7A94E864-2504-44AA-A407-5E0CB06D842E}"/>
+              </a:ext>
+            </a:extLst>
+          </p:cNvPr>
+          <p:cNvSpPr txBox="1">
+            <a:spLocks/>
+          </p:cNvSpPr>
+          <p:nvPr/>
+        </p:nvSpPr>
+        <p:spPr>
+          <a:xfrm>
+            <a:off x="838200" y="3242843"/>
+            <a:ext cx="10515600" cy="510980"/>
+          </a:xfrm>
+          <a:prstGeom prst="rect">
+            <a:avLst/>
+          </a:prstGeom>
+        </p:spPr>
+        <p:txBody>
+          <a:bodyPr vert="horz" lIns="91440" tIns="45720" rIns="91440" bIns="45720" rtlCol="0">
+            <a:normAutofit lnSpcReduction="10000"/>
+          </a:bodyPr>
+          <a:lstStyle>
+            <a:lvl1pPr marL="228600" indent="-228600" algn="l" defTabSz="914400" rtl="0" eaLnBrk="1" latinLnBrk="0" hangingPunct="1">
+              <a:lnSpc>
+                <a:spcPct val="90000"/>
+              </a:lnSpc>
+              <a:spcBef>
+                <a:spcPts val="1000"/>
+              </a:spcBef>
+              <a:buFont typeface="Arial" panose="020B0604020202020204" pitchFamily="34" charset="0"/>
+              <a:buChar char="•"/>
+              <a:defRPr sz="2800" kern="1200">
+                <a:solidFill>
+                  <a:schemeClr val="tx1"/>
+                </a:solidFill>
+                <a:latin typeface="+mn-lt"/>
+                <a:ea typeface="+mn-ea"/>
+                <a:cs typeface="+mn-cs"/>
+              </a:defRPr>
+            </a:lvl1pPr>
+            <a:lvl2pPr marL="685800" indent="-228600" algn="l" defTabSz="914400" rtl="0" eaLnBrk="1" latinLnBrk="0" hangingPunct="1">
+              <a:lnSpc>
+                <a:spcPct val="90000"/>
+              </a:lnSpc>
+              <a:spcBef>
+                <a:spcPts val="500"/>
+              </a:spcBef>
+              <a:buFont typeface="Arial" panose="020B0604020202020204" pitchFamily="34" charset="0"/>
+              <a:buChar char="•"/>
+              <a:defRPr sz="2400" kern="1200">
+                <a:solidFill>
+                  <a:schemeClr val="tx1"/>
+                </a:solidFill>
+                <a:latin typeface="+mn-lt"/>
+                <a:ea typeface="+mn-ea"/>
+                <a:cs typeface="+mn-cs"/>
+              </a:defRPr>
+            </a:lvl2pPr>
+            <a:lvl3pPr marL="1143000" indent="-228600" algn="l" defTabSz="914400" rtl="0" eaLnBrk="1" latinLnBrk="0" hangingPunct="1">
+              <a:lnSpc>
+                <a:spcPct val="90000"/>
+              </a:lnSpc>
+              <a:spcBef>
+                <a:spcPts val="500"/>
+              </a:spcBef>
+              <a:buFont typeface="Arial" panose="020B0604020202020204" pitchFamily="34" charset="0"/>
+              <a:buChar char="•"/>
+              <a:defRPr sz="2000" kern="1200">
+                <a:solidFill>
+                  <a:schemeClr val="tx1"/>
+                </a:solidFill>
+                <a:latin typeface="+mn-lt"/>
+                <a:ea typeface="+mn-ea"/>
+                <a:cs typeface="+mn-cs"/>
+              </a:defRPr>
+            </a:lvl3pPr>
+            <a:lvl4pPr marL="1600200" indent="-228600" algn="l" defTabSz="914400" rtl="0" eaLnBrk="1" latinLnBrk="0" hangingPunct="1">
+              <a:lnSpc>
+                <a:spcPct val="90000"/>
+              </a:lnSpc>
+              <a:spcBef>
+                <a:spcPts val="500"/>
+              </a:spcBef>
+              <a:buFont typeface="Arial" panose="020B0604020202020204" pitchFamily="34" charset="0"/>
+              <a:buChar char="•"/>
+              <a:defRPr sz="1800" kern="1200">
+                <a:solidFill>
+                  <a:schemeClr val="tx1"/>
+                </a:solidFill>
+                <a:latin typeface="+mn-lt"/>
+                <a:ea typeface="+mn-ea"/>
+                <a:cs typeface="+mn-cs"/>
+              </a:defRPr>
+            </a:lvl4pPr>
+            <a:lvl5pPr marL="2057400" indent="-228600" algn="l" defTabSz="914400" rtl="0" eaLnBrk="1" latinLnBrk="0" hangingPunct="1">
+              <a:lnSpc>
+                <a:spcPct val="90000"/>
+              </a:lnSpc>
+              <a:spcBef>
+                <a:spcPts val="500"/>
+              </a:spcBef>
+              <a:buFont typeface="Arial" panose="020B0604020202020204" pitchFamily="34" charset="0"/>
+              <a:buChar char="•"/>
+              <a:defRPr sz="1800" kern="1200">
+                <a:solidFill>
+                  <a:schemeClr val="tx1"/>
+                </a:solidFill>
+                <a:latin typeface="+mn-lt"/>
+                <a:ea typeface="+mn-ea"/>
+                <a:cs typeface="+mn-cs"/>
+              </a:defRPr>
+            </a:lvl5pPr>
+            <a:lvl6pPr marL="2514600" indent="-228600" algn="l" defTabSz="914400" rtl="0" eaLnBrk="1" latinLnBrk="0" hangingPunct="1">
+              <a:lnSpc>
+                <a:spcPct val="90000"/>
+              </a:lnSpc>
+              <a:spcBef>
+                <a:spcPts val="500"/>
+              </a:spcBef>
+              <a:buFont typeface="Arial" panose="020B0604020202020204" pitchFamily="34" charset="0"/>
+              <a:buChar char="•"/>
+              <a:defRPr sz="1800" kern="1200">
+                <a:solidFill>
+                  <a:schemeClr val="tx1"/>
+                </a:solidFill>
+                <a:latin typeface="+mn-lt"/>
+                <a:ea typeface="+mn-ea"/>
+                <a:cs typeface="+mn-cs"/>
+              </a:defRPr>
+            </a:lvl6pPr>
+            <a:lvl7pPr marL="2971800" indent="-228600" algn="l" defTabSz="914400" rtl="0" eaLnBrk="1" latinLnBrk="0" hangingPunct="1">
+              <a:lnSpc>
+                <a:spcPct val="90000"/>
+              </a:lnSpc>
+              <a:spcBef>
+                <a:spcPts val="500"/>
+              </a:spcBef>
+              <a:buFont typeface="Arial" panose="020B0604020202020204" pitchFamily="34" charset="0"/>
+              <a:buChar char="•"/>
+              <a:defRPr sz="1800" kern="1200">
+                <a:solidFill>
+                  <a:schemeClr val="tx1"/>
+                </a:solidFill>
+                <a:latin typeface="+mn-lt"/>
+                <a:ea typeface="+mn-ea"/>
+                <a:cs typeface="+mn-cs"/>
+              </a:defRPr>
+            </a:lvl7pPr>
+            <a:lvl8pPr marL="3429000" indent="-228600" algn="l" defTabSz="914400" rtl="0" eaLnBrk="1" latinLnBrk="0" hangingPunct="1">
+              <a:lnSpc>
+                <a:spcPct val="90000"/>
+              </a:lnSpc>
+              <a:spcBef>
+                <a:spcPts val="500"/>
+              </a:spcBef>
+              <a:buFont typeface="Arial" panose="020B0604020202020204" pitchFamily="34" charset="0"/>
+              <a:buChar char="•"/>
+              <a:defRPr sz="1800" kern="1200">
+                <a:solidFill>
+                  <a:schemeClr val="tx1"/>
+                </a:solidFill>
+                <a:latin typeface="+mn-lt"/>
+                <a:ea typeface="+mn-ea"/>
+                <a:cs typeface="+mn-cs"/>
+              </a:defRPr>
+            </a:lvl8pPr>
+            <a:lvl9pPr marL="3886200" indent="-228600" algn="l" defTabSz="914400" rtl="0" eaLnBrk="1" latinLnBrk="0" hangingPunct="1">
+              <a:lnSpc>
+                <a:spcPct val="90000"/>
+              </a:lnSpc>
+              <a:spcBef>
+                <a:spcPts val="500"/>
+              </a:spcBef>
+              <a:buFont typeface="Arial" panose="020B0604020202020204" pitchFamily="34" charset="0"/>
+              <a:buChar char="•"/>
+              <a:defRPr sz="1800" kern="1200">
+                <a:solidFill>
+                  <a:schemeClr val="tx1"/>
+                </a:solidFill>
+                <a:latin typeface="+mn-lt"/>
+                <a:ea typeface="+mn-ea"/>
+                <a:cs typeface="+mn-cs"/>
+              </a:defRPr>
+            </a:lvl9pPr>
+          </a:lstStyle>
+          <a:p>
+            <a:pPr marL="0" indent="0">
+              <a:buFont typeface="Arial" panose="020B0604020202020204" pitchFamily="34" charset="0"/>
+              <a:buNone/>
+            </a:pPr>
+            <a:r>
+              <a:rPr lang="en-US" sz="3200" dirty="0"/>
+              <a:t>Is not the same as</a:t>
+            </a:r>
+          </a:p>
+        </p:txBody>
+      </p:sp>
+      <p:sp>
+        <p:nvSpPr>
+          <p:cNvPr id="16" name="Content Placeholder 2">
+            <a:extLst>
+              <a:ext uri="{FF2B5EF4-FFF2-40B4-BE49-F238E27FC236}">
+                <a16:creationId xmlns:a16="http://schemas.microsoft.com/office/drawing/2014/main" id="{AEFDCC31-19A9-4EF4-8F56-D732EDE914FA}"/>
+              </a:ext>
+            </a:extLst>
+          </p:cNvPr>
+          <p:cNvSpPr txBox="1">
+            <a:spLocks/>
+          </p:cNvSpPr>
+          <p:nvPr/>
+        </p:nvSpPr>
+        <p:spPr>
+          <a:xfrm>
+            <a:off x="836052" y="5372135"/>
+            <a:ext cx="10515600" cy="510980"/>
+          </a:xfrm>
+          <a:prstGeom prst="rect">
+            <a:avLst/>
+          </a:prstGeom>
+        </p:spPr>
+        <p:txBody>
+          <a:bodyPr vert="horz" lIns="91440" tIns="45720" rIns="91440" bIns="45720" rtlCol="0">
+            <a:normAutofit lnSpcReduction="10000"/>
+          </a:bodyPr>
+          <a:lstStyle>
+            <a:lvl1pPr marL="228600" indent="-228600" algn="l" defTabSz="914400" rtl="0" eaLnBrk="1" latinLnBrk="0" hangingPunct="1">
+              <a:lnSpc>
+                <a:spcPct val="90000"/>
+              </a:lnSpc>
+              <a:spcBef>
+                <a:spcPts val="1000"/>
+              </a:spcBef>
+              <a:buFont typeface="Arial" panose="020B0604020202020204" pitchFamily="34" charset="0"/>
+              <a:buChar char="•"/>
+              <a:defRPr sz="2800" kern="1200">
+                <a:solidFill>
+                  <a:schemeClr val="tx1"/>
+                </a:solidFill>
+                <a:latin typeface="+mn-lt"/>
+                <a:ea typeface="+mn-ea"/>
+                <a:cs typeface="+mn-cs"/>
+              </a:defRPr>
+            </a:lvl1pPr>
+            <a:lvl2pPr marL="685800" indent="-228600" algn="l" defTabSz="914400" rtl="0" eaLnBrk="1" latinLnBrk="0" hangingPunct="1">
+              <a:lnSpc>
+                <a:spcPct val="90000"/>
+              </a:lnSpc>
+              <a:spcBef>
+                <a:spcPts val="500"/>
+              </a:spcBef>
+              <a:buFont typeface="Arial" panose="020B0604020202020204" pitchFamily="34" charset="0"/>
+              <a:buChar char="•"/>
+              <a:defRPr sz="2400" kern="1200">
+                <a:solidFill>
+                  <a:schemeClr val="tx1"/>
+                </a:solidFill>
+                <a:latin typeface="+mn-lt"/>
+                <a:ea typeface="+mn-ea"/>
+                <a:cs typeface="+mn-cs"/>
+              </a:defRPr>
+            </a:lvl2pPr>
+            <a:lvl3pPr marL="1143000" indent="-228600" algn="l" defTabSz="914400" rtl="0" eaLnBrk="1" latinLnBrk="0" hangingPunct="1">
+              <a:lnSpc>
+                <a:spcPct val="90000"/>
+              </a:lnSpc>
+              <a:spcBef>
+                <a:spcPts val="500"/>
+              </a:spcBef>
+              <a:buFont typeface="Arial" panose="020B0604020202020204" pitchFamily="34" charset="0"/>
+              <a:buChar char="•"/>
+              <a:defRPr sz="2000" kern="1200">
+                <a:solidFill>
+                  <a:schemeClr val="tx1"/>
+                </a:solidFill>
+                <a:latin typeface="+mn-lt"/>
+                <a:ea typeface="+mn-ea"/>
+                <a:cs typeface="+mn-cs"/>
+              </a:defRPr>
+            </a:lvl3pPr>
+            <a:lvl4pPr marL="1600200" indent="-228600" algn="l" defTabSz="914400" rtl="0" eaLnBrk="1" latinLnBrk="0" hangingPunct="1">
+              <a:lnSpc>
+                <a:spcPct val="90000"/>
+              </a:lnSpc>
+              <a:spcBef>
+                <a:spcPts val="500"/>
+              </a:spcBef>
+              <a:buFont typeface="Arial" panose="020B0604020202020204" pitchFamily="34" charset="0"/>
+              <a:buChar char="•"/>
+              <a:defRPr sz="1800" kern="1200">
+                <a:solidFill>
+                  <a:schemeClr val="tx1"/>
+                </a:solidFill>
+                <a:latin typeface="+mn-lt"/>
+                <a:ea typeface="+mn-ea"/>
+                <a:cs typeface="+mn-cs"/>
+              </a:defRPr>
+            </a:lvl4pPr>
+            <a:lvl5pPr marL="2057400" indent="-228600" algn="l" defTabSz="914400" rtl="0" eaLnBrk="1" latinLnBrk="0" hangingPunct="1">
+              <a:lnSpc>
+                <a:spcPct val="90000"/>
+              </a:lnSpc>
+              <a:spcBef>
+                <a:spcPts val="500"/>
+              </a:spcBef>
+              <a:buFont typeface="Arial" panose="020B0604020202020204" pitchFamily="34" charset="0"/>
+              <a:buChar char="•"/>
+              <a:defRPr sz="1800" kern="1200">
+                <a:solidFill>
+                  <a:schemeClr val="tx1"/>
+                </a:solidFill>
+                <a:latin typeface="+mn-lt"/>
+                <a:ea typeface="+mn-ea"/>
+                <a:cs typeface="+mn-cs"/>
+              </a:defRPr>
+            </a:lvl5pPr>
+            <a:lvl6pPr marL="2514600" indent="-228600" algn="l" defTabSz="914400" rtl="0" eaLnBrk="1" latinLnBrk="0" hangingPunct="1">
+              <a:lnSpc>
+                <a:spcPct val="90000"/>
+              </a:lnSpc>
+              <a:spcBef>
+                <a:spcPts val="500"/>
+              </a:spcBef>
+              <a:buFont typeface="Arial" panose="020B0604020202020204" pitchFamily="34" charset="0"/>
+              <a:buChar char="•"/>
+              <a:defRPr sz="1800" kern="1200">
+                <a:solidFill>
+                  <a:schemeClr val="tx1"/>
+                </a:solidFill>
+                <a:latin typeface="+mn-lt"/>
+                <a:ea typeface="+mn-ea"/>
+                <a:cs typeface="+mn-cs"/>
+              </a:defRPr>
+            </a:lvl6pPr>
+            <a:lvl7pPr marL="2971800" indent="-228600" algn="l" defTabSz="914400" rtl="0" eaLnBrk="1" latinLnBrk="0" hangingPunct="1">
+              <a:lnSpc>
+                <a:spcPct val="90000"/>
+              </a:lnSpc>
+              <a:spcBef>
+                <a:spcPts val="500"/>
+              </a:spcBef>
+              <a:buFont typeface="Arial" panose="020B0604020202020204" pitchFamily="34" charset="0"/>
+              <a:buChar char="•"/>
+              <a:defRPr sz="1800" kern="1200">
+                <a:solidFill>
+                  <a:schemeClr val="tx1"/>
+                </a:solidFill>
+                <a:latin typeface="+mn-lt"/>
+                <a:ea typeface="+mn-ea"/>
+                <a:cs typeface="+mn-cs"/>
+              </a:defRPr>
+            </a:lvl7pPr>
+            <a:lvl8pPr marL="3429000" indent="-228600" algn="l" defTabSz="914400" rtl="0" eaLnBrk="1" latinLnBrk="0" hangingPunct="1">
+              <a:lnSpc>
+                <a:spcPct val="90000"/>
+              </a:lnSpc>
+              <a:spcBef>
+                <a:spcPts val="500"/>
+              </a:spcBef>
+              <a:buFont typeface="Arial" panose="020B0604020202020204" pitchFamily="34" charset="0"/>
+              <a:buChar char="•"/>
+              <a:defRPr sz="1800" kern="1200">
+                <a:solidFill>
+                  <a:schemeClr val="tx1"/>
+                </a:solidFill>
+                <a:latin typeface="+mn-lt"/>
+                <a:ea typeface="+mn-ea"/>
+                <a:cs typeface="+mn-cs"/>
+              </a:defRPr>
+            </a:lvl8pPr>
+            <a:lvl9pPr marL="3886200" indent="-228600" algn="l" defTabSz="914400" rtl="0" eaLnBrk="1" latinLnBrk="0" hangingPunct="1">
+              <a:lnSpc>
+                <a:spcPct val="90000"/>
+              </a:lnSpc>
+              <a:spcBef>
+                <a:spcPts val="500"/>
+              </a:spcBef>
+              <a:buFont typeface="Arial" panose="020B0604020202020204" pitchFamily="34" charset="0"/>
+              <a:buChar char="•"/>
+              <a:defRPr sz="1800" kern="1200">
+                <a:solidFill>
+                  <a:schemeClr val="tx1"/>
+                </a:solidFill>
+                <a:latin typeface="+mn-lt"/>
+                <a:ea typeface="+mn-ea"/>
+                <a:cs typeface="+mn-cs"/>
+              </a:defRPr>
+            </a:lvl9pPr>
+          </a:lstStyle>
+          <a:p>
+            <a:pPr marL="0" indent="0">
+              <a:buFont typeface="Arial" panose="020B0604020202020204" pitchFamily="34" charset="0"/>
+              <a:buNone/>
+            </a:pPr>
+            <a:r>
+              <a:rPr lang="en-US" sz="3200" dirty="0"/>
+              <a:t>Whitespace serves the same function as C++’s { }</a:t>
+            </a:r>
+          </a:p>
+        </p:txBody>
+      </p:sp>
+    </p:spTree>
+    <p:extLst>
+      <p:ext uri="{BB962C8B-B14F-4D97-AF65-F5344CB8AC3E}">
+        <p14:creationId xmlns:p14="http://schemas.microsoft.com/office/powerpoint/2010/main" val="425368058"/>
+      </p:ext>
+    </p:extLst>
+  </p:cSld>
+  <p:clrMapOvr>
+    <a:masterClrMapping/>
+  </p:clrMapOvr>
+</p:sld>
+</file>
+
+<file path=ppt/slides/slide6.xml><?xml version="1.0" encoding="utf-8"?>
 <p:sld xmlns:a="http://schemas.openxmlformats.org/drawingml/2006/main" xmlns:r="http://schemas.openxmlformats.org/officeDocument/2006/relationships" xmlns:p="http://schemas.openxmlformats.org/presentationml/2006/main">
   <p:cSld>
     <p:spTree>
@@ -6652,2901 +9280,6 @@
 </p:sld>
 </file>
 
-<file path=ppt/slides/slide11.xml><?xml version="1.0" encoding="utf-8"?>
-<p:sld xmlns:a="http://schemas.openxmlformats.org/drawingml/2006/main" xmlns:r="http://schemas.openxmlformats.org/officeDocument/2006/relationships" xmlns:p="http://schemas.openxmlformats.org/presentationml/2006/main">
-  <p:cSld>
-    <p:spTree>
-      <p:nvGrpSpPr>
-        <p:cNvPr id="1" name=""/>
-        <p:cNvGrpSpPr/>
-        <p:nvPr/>
-      </p:nvGrpSpPr>
-      <p:grpSpPr>
-        <a:xfrm>
-          <a:off x="0" y="0"/>
-          <a:ext cx="0" cy="0"/>
-          <a:chOff x="0" y="0"/>
-          <a:chExt cx="0" cy="0"/>
-        </a:xfrm>
-      </p:grpSpPr>
-      <p:sp>
-        <p:nvSpPr>
-          <p:cNvPr id="2" name="Title 1">
-            <a:extLst>
-              <a:ext uri="{FF2B5EF4-FFF2-40B4-BE49-F238E27FC236}">
-                <a16:creationId xmlns:a16="http://schemas.microsoft.com/office/drawing/2014/main" id="{8F3C2353-D7C4-4040-916A-0527F43EAEE9}"/>
-              </a:ext>
-            </a:extLst>
-          </p:cNvPr>
-          <p:cNvSpPr>
-            <a:spLocks noGrp="1"/>
-          </p:cNvSpPr>
-          <p:nvPr>
-            <p:ph type="title"/>
-          </p:nvPr>
-        </p:nvSpPr>
-        <p:spPr/>
-        <p:txBody>
-          <a:bodyPr/>
-          <a:lstStyle/>
-          <a:p>
-            <a:r>
-              <a:rPr lang="en-US" dirty="0"/>
-              <a:t>No Switch Statement in Python</a:t>
-            </a:r>
-          </a:p>
-        </p:txBody>
-      </p:sp>
-      <p:sp>
-        <p:nvSpPr>
-          <p:cNvPr id="5" name="Content Placeholder 4">
-            <a:extLst>
-              <a:ext uri="{FF2B5EF4-FFF2-40B4-BE49-F238E27FC236}">
-                <a16:creationId xmlns:a16="http://schemas.microsoft.com/office/drawing/2014/main" id="{0BC82886-0BC4-42D8-B845-F75E02BB5576}"/>
-              </a:ext>
-            </a:extLst>
-          </p:cNvPr>
-          <p:cNvSpPr>
-            <a:spLocks noGrp="1"/>
-          </p:cNvSpPr>
-          <p:nvPr>
-            <p:ph idx="1"/>
-          </p:nvPr>
-        </p:nvSpPr>
-        <p:spPr/>
-        <p:txBody>
-          <a:bodyPr/>
-          <a:lstStyle/>
-          <a:p>
-            <a:r>
-              <a:rPr lang="en-US" dirty="0"/>
-              <a:t>There is a way to implement the same functionality.</a:t>
-            </a:r>
-          </a:p>
-          <a:p>
-            <a:pPr lvl="1"/>
-            <a:r>
-              <a:rPr lang="en-US" dirty="0"/>
-              <a:t>Look it up if you desire.</a:t>
-            </a:r>
-          </a:p>
-        </p:txBody>
-      </p:sp>
-    </p:spTree>
-    <p:extLst>
-      <p:ext uri="{BB962C8B-B14F-4D97-AF65-F5344CB8AC3E}">
-        <p14:creationId xmlns:p14="http://schemas.microsoft.com/office/powerpoint/2010/main" val="3648479693"/>
-      </p:ext>
-    </p:extLst>
-  </p:cSld>
-  <p:clrMapOvr>
-    <a:masterClrMapping/>
-  </p:clrMapOvr>
-</p:sld>
-</file>
-
-<file path=ppt/slides/slide12.xml><?xml version="1.0" encoding="utf-8"?>
-<p:sld xmlns:a="http://schemas.openxmlformats.org/drawingml/2006/main" xmlns:r="http://schemas.openxmlformats.org/officeDocument/2006/relationships" xmlns:p="http://schemas.openxmlformats.org/presentationml/2006/main">
-  <p:cSld>
-    <p:spTree>
-      <p:nvGrpSpPr>
-        <p:cNvPr id="1" name=""/>
-        <p:cNvGrpSpPr/>
-        <p:nvPr/>
-      </p:nvGrpSpPr>
-      <p:grpSpPr>
-        <a:xfrm>
-          <a:off x="0" y="0"/>
-          <a:ext cx="0" cy="0"/>
-          <a:chOff x="0" y="0"/>
-          <a:chExt cx="0" cy="0"/>
-        </a:xfrm>
-      </p:grpSpPr>
-      <p:sp>
-        <p:nvSpPr>
-          <p:cNvPr id="2" name="Title 1">
-            <a:extLst>
-              <a:ext uri="{FF2B5EF4-FFF2-40B4-BE49-F238E27FC236}">
-                <a16:creationId xmlns:a16="http://schemas.microsoft.com/office/drawing/2014/main" id="{8F3C2353-D7C4-4040-916A-0527F43EAEE9}"/>
-              </a:ext>
-            </a:extLst>
-          </p:cNvPr>
-          <p:cNvSpPr>
-            <a:spLocks noGrp="1"/>
-          </p:cNvSpPr>
-          <p:nvPr>
-            <p:ph type="title"/>
-          </p:nvPr>
-        </p:nvSpPr>
-        <p:spPr/>
-        <p:txBody>
-          <a:bodyPr/>
-          <a:lstStyle/>
-          <a:p>
-            <a:r>
-              <a:rPr lang="en-US" dirty="0"/>
-              <a:t>No </a:t>
-            </a:r>
-            <a:r>
-              <a:rPr lang="en-US"/>
-              <a:t>Constant Expressions</a:t>
-            </a:r>
-            <a:endParaRPr lang="en-US" dirty="0"/>
-          </a:p>
-        </p:txBody>
-      </p:sp>
-      <p:sp>
-        <p:nvSpPr>
-          <p:cNvPr id="5" name="Content Placeholder 4">
-            <a:extLst>
-              <a:ext uri="{FF2B5EF4-FFF2-40B4-BE49-F238E27FC236}">
-                <a16:creationId xmlns:a16="http://schemas.microsoft.com/office/drawing/2014/main" id="{0BC82886-0BC4-42D8-B845-F75E02BB5576}"/>
-              </a:ext>
-            </a:extLst>
-          </p:cNvPr>
-          <p:cNvSpPr>
-            <a:spLocks noGrp="1"/>
-          </p:cNvSpPr>
-          <p:nvPr>
-            <p:ph idx="1"/>
-          </p:nvPr>
-        </p:nvSpPr>
-        <p:spPr/>
-        <p:txBody>
-          <a:bodyPr/>
-          <a:lstStyle/>
-          <a:p>
-            <a:r>
-              <a:rPr lang="en-US" dirty="0"/>
-              <a:t>There is a way to implement the same functionality.</a:t>
-            </a:r>
-          </a:p>
-          <a:p>
-            <a:pPr lvl="1"/>
-            <a:r>
-              <a:rPr lang="en-US" dirty="0"/>
-              <a:t>Look it up if you desire.</a:t>
-            </a:r>
-          </a:p>
-        </p:txBody>
-      </p:sp>
-    </p:spTree>
-    <p:extLst>
-      <p:ext uri="{BB962C8B-B14F-4D97-AF65-F5344CB8AC3E}">
-        <p14:creationId xmlns:p14="http://schemas.microsoft.com/office/powerpoint/2010/main" val="4196313714"/>
-      </p:ext>
-    </p:extLst>
-  </p:cSld>
-  <p:clrMapOvr>
-    <a:masterClrMapping/>
-  </p:clrMapOvr>
-</p:sld>
-</file>
-
-<file path=ppt/slides/slide2.xml><?xml version="1.0" encoding="utf-8"?>
-<p:sld xmlns:a="http://schemas.openxmlformats.org/drawingml/2006/main" xmlns:r="http://schemas.openxmlformats.org/officeDocument/2006/relationships" xmlns:p="http://schemas.openxmlformats.org/presentationml/2006/main">
-  <p:cSld>
-    <p:spTree>
-      <p:nvGrpSpPr>
-        <p:cNvPr id="1" name=""/>
-        <p:cNvGrpSpPr/>
-        <p:nvPr/>
-      </p:nvGrpSpPr>
-      <p:grpSpPr>
-        <a:xfrm>
-          <a:off x="0" y="0"/>
-          <a:ext cx="0" cy="0"/>
-          <a:chOff x="0" y="0"/>
-          <a:chExt cx="0" cy="0"/>
-        </a:xfrm>
-      </p:grpSpPr>
-      <p:sp>
-        <p:nvSpPr>
-          <p:cNvPr id="2" name="Title 1">
-            <a:extLst>
-              <a:ext uri="{FF2B5EF4-FFF2-40B4-BE49-F238E27FC236}">
-                <a16:creationId xmlns:a16="http://schemas.microsoft.com/office/drawing/2014/main" id="{8F3C2353-D7C4-4040-916A-0527F43EAEE9}"/>
-              </a:ext>
-            </a:extLst>
-          </p:cNvPr>
-          <p:cNvSpPr>
-            <a:spLocks noGrp="1"/>
-          </p:cNvSpPr>
-          <p:nvPr>
-            <p:ph type="title"/>
-          </p:nvPr>
-        </p:nvSpPr>
-        <p:spPr/>
-        <p:txBody>
-          <a:bodyPr/>
-          <a:lstStyle/>
-          <a:p>
-            <a:r>
-              <a:rPr lang="en-US" dirty="0"/>
-              <a:t>Operators</a:t>
-            </a:r>
-          </a:p>
-        </p:txBody>
-      </p:sp>
-      <p:sp>
-        <p:nvSpPr>
-          <p:cNvPr id="8" name="Content Placeholder 2">
-            <a:extLst>
-              <a:ext uri="{FF2B5EF4-FFF2-40B4-BE49-F238E27FC236}">
-                <a16:creationId xmlns:a16="http://schemas.microsoft.com/office/drawing/2014/main" id="{2CC98C95-EF5B-5647-93AC-77122809140D}"/>
-              </a:ext>
-            </a:extLst>
-          </p:cNvPr>
-          <p:cNvSpPr>
-            <a:spLocks noGrp="1"/>
-          </p:cNvSpPr>
-          <p:nvPr>
-            <p:ph idx="1"/>
-          </p:nvPr>
-        </p:nvSpPr>
-        <p:spPr>
-          <a:xfrm>
-            <a:off x="838200" y="1830068"/>
-            <a:ext cx="10515600" cy="510980"/>
-          </a:xfrm>
-        </p:spPr>
-        <p:txBody>
-          <a:bodyPr>
-            <a:normAutofit lnSpcReduction="10000"/>
-          </a:bodyPr>
-          <a:lstStyle/>
-          <a:p>
-            <a:pPr marL="0" indent="0">
-              <a:buNone/>
-            </a:pPr>
-            <a:r>
-              <a:rPr lang="en-US" sz="3200" dirty="0"/>
-              <a:t>Operators only work on same types:</a:t>
-            </a:r>
-          </a:p>
-        </p:txBody>
-      </p:sp>
-      <p:sp>
-        <p:nvSpPr>
-          <p:cNvPr id="9" name="Content Placeholder 2">
-            <a:extLst>
-              <a:ext uri="{FF2B5EF4-FFF2-40B4-BE49-F238E27FC236}">
-                <a16:creationId xmlns:a16="http://schemas.microsoft.com/office/drawing/2014/main" id="{1C1B0CE5-0394-B648-A4DE-D2ED92908194}"/>
-              </a:ext>
-            </a:extLst>
-          </p:cNvPr>
-          <p:cNvSpPr txBox="1">
-            <a:spLocks/>
-          </p:cNvSpPr>
-          <p:nvPr/>
-        </p:nvSpPr>
-        <p:spPr>
-          <a:xfrm>
-            <a:off x="838200" y="4517837"/>
-            <a:ext cx="10515600" cy="510980"/>
-          </a:xfrm>
-          <a:prstGeom prst="rect">
-            <a:avLst/>
-          </a:prstGeom>
-        </p:spPr>
-        <p:txBody>
-          <a:bodyPr vert="horz" lIns="91440" tIns="45720" rIns="91440" bIns="45720" rtlCol="0">
-            <a:normAutofit lnSpcReduction="10000"/>
-          </a:bodyPr>
-          <a:lstStyle>
-            <a:lvl1pPr marL="228600" indent="-228600" algn="l" defTabSz="914400" rtl="0" eaLnBrk="1" latinLnBrk="0" hangingPunct="1">
-              <a:lnSpc>
-                <a:spcPct val="90000"/>
-              </a:lnSpc>
-              <a:spcBef>
-                <a:spcPts val="1000"/>
-              </a:spcBef>
-              <a:buFont typeface="Arial" panose="020B0604020202020204" pitchFamily="34" charset="0"/>
-              <a:buChar char="•"/>
-              <a:defRPr sz="2800" kern="1200">
-                <a:solidFill>
-                  <a:schemeClr val="tx1"/>
-                </a:solidFill>
-                <a:latin typeface="+mn-lt"/>
-                <a:ea typeface="+mn-ea"/>
-                <a:cs typeface="+mn-cs"/>
-              </a:defRPr>
-            </a:lvl1pPr>
-            <a:lvl2pPr marL="685800" indent="-228600" algn="l" defTabSz="914400" rtl="0" eaLnBrk="1" latinLnBrk="0" hangingPunct="1">
-              <a:lnSpc>
-                <a:spcPct val="90000"/>
-              </a:lnSpc>
-              <a:spcBef>
-                <a:spcPts val="500"/>
-              </a:spcBef>
-              <a:buFont typeface="Arial" panose="020B0604020202020204" pitchFamily="34" charset="0"/>
-              <a:buChar char="•"/>
-              <a:defRPr sz="2400" kern="1200">
-                <a:solidFill>
-                  <a:schemeClr val="tx1"/>
-                </a:solidFill>
-                <a:latin typeface="+mn-lt"/>
-                <a:ea typeface="+mn-ea"/>
-                <a:cs typeface="+mn-cs"/>
-              </a:defRPr>
-            </a:lvl2pPr>
-            <a:lvl3pPr marL="1143000" indent="-228600" algn="l" defTabSz="914400" rtl="0" eaLnBrk="1" latinLnBrk="0" hangingPunct="1">
-              <a:lnSpc>
-                <a:spcPct val="90000"/>
-              </a:lnSpc>
-              <a:spcBef>
-                <a:spcPts val="500"/>
-              </a:spcBef>
-              <a:buFont typeface="Arial" panose="020B0604020202020204" pitchFamily="34" charset="0"/>
-              <a:buChar char="•"/>
-              <a:defRPr sz="2000" kern="1200">
-                <a:solidFill>
-                  <a:schemeClr val="tx1"/>
-                </a:solidFill>
-                <a:latin typeface="+mn-lt"/>
-                <a:ea typeface="+mn-ea"/>
-                <a:cs typeface="+mn-cs"/>
-              </a:defRPr>
-            </a:lvl3pPr>
-            <a:lvl4pPr marL="1600200" indent="-228600" algn="l" defTabSz="914400" rtl="0" eaLnBrk="1" latinLnBrk="0" hangingPunct="1">
-              <a:lnSpc>
-                <a:spcPct val="90000"/>
-              </a:lnSpc>
-              <a:spcBef>
-                <a:spcPts val="500"/>
-              </a:spcBef>
-              <a:buFont typeface="Arial" panose="020B0604020202020204" pitchFamily="34" charset="0"/>
-              <a:buChar char="•"/>
-              <a:defRPr sz="1800" kern="1200">
-                <a:solidFill>
-                  <a:schemeClr val="tx1"/>
-                </a:solidFill>
-                <a:latin typeface="+mn-lt"/>
-                <a:ea typeface="+mn-ea"/>
-                <a:cs typeface="+mn-cs"/>
-              </a:defRPr>
-            </a:lvl4pPr>
-            <a:lvl5pPr marL="2057400" indent="-228600" algn="l" defTabSz="914400" rtl="0" eaLnBrk="1" latinLnBrk="0" hangingPunct="1">
-              <a:lnSpc>
-                <a:spcPct val="90000"/>
-              </a:lnSpc>
-              <a:spcBef>
-                <a:spcPts val="500"/>
-              </a:spcBef>
-              <a:buFont typeface="Arial" panose="020B0604020202020204" pitchFamily="34" charset="0"/>
-              <a:buChar char="•"/>
-              <a:defRPr sz="1800" kern="1200">
-                <a:solidFill>
-                  <a:schemeClr val="tx1"/>
-                </a:solidFill>
-                <a:latin typeface="+mn-lt"/>
-                <a:ea typeface="+mn-ea"/>
-                <a:cs typeface="+mn-cs"/>
-              </a:defRPr>
-            </a:lvl5pPr>
-            <a:lvl6pPr marL="2514600" indent="-228600" algn="l" defTabSz="914400" rtl="0" eaLnBrk="1" latinLnBrk="0" hangingPunct="1">
-              <a:lnSpc>
-                <a:spcPct val="90000"/>
-              </a:lnSpc>
-              <a:spcBef>
-                <a:spcPts val="500"/>
-              </a:spcBef>
-              <a:buFont typeface="Arial" panose="020B0604020202020204" pitchFamily="34" charset="0"/>
-              <a:buChar char="•"/>
-              <a:defRPr sz="1800" kern="1200">
-                <a:solidFill>
-                  <a:schemeClr val="tx1"/>
-                </a:solidFill>
-                <a:latin typeface="+mn-lt"/>
-                <a:ea typeface="+mn-ea"/>
-                <a:cs typeface="+mn-cs"/>
-              </a:defRPr>
-            </a:lvl6pPr>
-            <a:lvl7pPr marL="2971800" indent="-228600" algn="l" defTabSz="914400" rtl="0" eaLnBrk="1" latinLnBrk="0" hangingPunct="1">
-              <a:lnSpc>
-                <a:spcPct val="90000"/>
-              </a:lnSpc>
-              <a:spcBef>
-                <a:spcPts val="500"/>
-              </a:spcBef>
-              <a:buFont typeface="Arial" panose="020B0604020202020204" pitchFamily="34" charset="0"/>
-              <a:buChar char="•"/>
-              <a:defRPr sz="1800" kern="1200">
-                <a:solidFill>
-                  <a:schemeClr val="tx1"/>
-                </a:solidFill>
-                <a:latin typeface="+mn-lt"/>
-                <a:ea typeface="+mn-ea"/>
-                <a:cs typeface="+mn-cs"/>
-              </a:defRPr>
-            </a:lvl7pPr>
-            <a:lvl8pPr marL="3429000" indent="-228600" algn="l" defTabSz="914400" rtl="0" eaLnBrk="1" latinLnBrk="0" hangingPunct="1">
-              <a:lnSpc>
-                <a:spcPct val="90000"/>
-              </a:lnSpc>
-              <a:spcBef>
-                <a:spcPts val="500"/>
-              </a:spcBef>
-              <a:buFont typeface="Arial" panose="020B0604020202020204" pitchFamily="34" charset="0"/>
-              <a:buChar char="•"/>
-              <a:defRPr sz="1800" kern="1200">
-                <a:solidFill>
-                  <a:schemeClr val="tx1"/>
-                </a:solidFill>
-                <a:latin typeface="+mn-lt"/>
-                <a:ea typeface="+mn-ea"/>
-                <a:cs typeface="+mn-cs"/>
-              </a:defRPr>
-            </a:lvl8pPr>
-            <a:lvl9pPr marL="3886200" indent="-228600" algn="l" defTabSz="914400" rtl="0" eaLnBrk="1" latinLnBrk="0" hangingPunct="1">
-              <a:lnSpc>
-                <a:spcPct val="90000"/>
-              </a:lnSpc>
-              <a:spcBef>
-                <a:spcPts val="500"/>
-              </a:spcBef>
-              <a:buFont typeface="Arial" panose="020B0604020202020204" pitchFamily="34" charset="0"/>
-              <a:buChar char="•"/>
-              <a:defRPr sz="1800" kern="1200">
-                <a:solidFill>
-                  <a:schemeClr val="tx1"/>
-                </a:solidFill>
-                <a:latin typeface="+mn-lt"/>
-                <a:ea typeface="+mn-ea"/>
-                <a:cs typeface="+mn-cs"/>
-              </a:defRPr>
-            </a:lvl9pPr>
-          </a:lstStyle>
-          <a:p>
-            <a:pPr marL="0" indent="0">
-              <a:buFont typeface="Arial" panose="020B0604020202020204" pitchFamily="34" charset="0"/>
-              <a:buNone/>
-            </a:pPr>
-            <a:r>
-              <a:rPr lang="en-US" sz="3200" dirty="0"/>
-              <a:t>Error:</a:t>
-            </a:r>
-          </a:p>
-        </p:txBody>
-      </p:sp>
-      <p:sp>
-        <p:nvSpPr>
-          <p:cNvPr id="11" name="Rectangle 10">
-            <a:extLst>
-              <a:ext uri="{FF2B5EF4-FFF2-40B4-BE49-F238E27FC236}">
-                <a16:creationId xmlns:a16="http://schemas.microsoft.com/office/drawing/2014/main" id="{4B9D76A6-B805-3D4A-A2C0-449A63350EE4}"/>
-              </a:ext>
-            </a:extLst>
-          </p:cNvPr>
-          <p:cNvSpPr/>
-          <p:nvPr/>
-        </p:nvSpPr>
-        <p:spPr>
-          <a:xfrm>
-            <a:off x="838200" y="2341048"/>
-            <a:ext cx="10515600" cy="1815882"/>
-          </a:xfrm>
-          <a:prstGeom prst="rect">
-            <a:avLst/>
-          </a:prstGeom>
-          <a:solidFill>
-            <a:schemeClr val="bg2">
-              <a:lumMod val="25000"/>
-            </a:schemeClr>
-          </a:solidFill>
-        </p:spPr>
-        <p:txBody>
-          <a:bodyPr wrap="square">
-            <a:spAutoFit/>
-          </a:bodyPr>
-          <a:lstStyle/>
-          <a:p>
-            <a:r>
-              <a:rPr lang="en-US" sz="1600" dirty="0">
-                <a:solidFill>
-                  <a:srgbClr val="D4D4D4"/>
-                </a:solidFill>
-                <a:latin typeface="Consolas" panose="020B0609020204030204" pitchFamily="49" charset="0"/>
-              </a:rPr>
-              <a:t>length = </a:t>
-            </a:r>
-            <a:r>
-              <a:rPr lang="en-US" sz="1600" dirty="0">
-                <a:solidFill>
-                  <a:srgbClr val="B5CEA8"/>
-                </a:solidFill>
-                <a:latin typeface="Consolas" panose="020B0609020204030204" pitchFamily="49" charset="0"/>
-              </a:rPr>
-              <a:t>20</a:t>
-            </a:r>
-            <a:endParaRPr lang="en-US" sz="1600" dirty="0">
-              <a:solidFill>
-                <a:srgbClr val="D4D4D4"/>
-              </a:solidFill>
-              <a:latin typeface="Consolas" panose="020B0609020204030204" pitchFamily="49" charset="0"/>
-            </a:endParaRPr>
-          </a:p>
-          <a:p>
-            <a:r>
-              <a:rPr lang="en-US" sz="1600" dirty="0">
-                <a:solidFill>
-                  <a:srgbClr val="D4D4D4"/>
-                </a:solidFill>
-                <a:latin typeface="Consolas" panose="020B0609020204030204" pitchFamily="49" charset="0"/>
-              </a:rPr>
-              <a:t>width = </a:t>
-            </a:r>
-            <a:r>
-              <a:rPr lang="en-US" sz="1600" dirty="0">
-                <a:solidFill>
-                  <a:srgbClr val="B5CEA8"/>
-                </a:solidFill>
-                <a:latin typeface="Consolas" panose="020B0609020204030204" pitchFamily="49" charset="0"/>
-              </a:rPr>
-              <a:t>40</a:t>
-            </a:r>
-            <a:endParaRPr lang="en-US" sz="1600" dirty="0">
-              <a:solidFill>
-                <a:srgbClr val="D4D4D4"/>
-              </a:solidFill>
-              <a:latin typeface="Consolas" panose="020B0609020204030204" pitchFamily="49" charset="0"/>
-            </a:endParaRPr>
-          </a:p>
-          <a:p>
-            <a:r>
-              <a:rPr lang="en-US" sz="1600" dirty="0">
-                <a:solidFill>
-                  <a:srgbClr val="D4D4D4"/>
-                </a:solidFill>
-                <a:latin typeface="Consolas" panose="020B0609020204030204" pitchFamily="49" charset="0"/>
-              </a:rPr>
-              <a:t>area = length * width</a:t>
-            </a:r>
-          </a:p>
-          <a:p>
-            <a:br>
-              <a:rPr lang="en-US" sz="1600" dirty="0">
-                <a:solidFill>
-                  <a:srgbClr val="D4D4D4"/>
-                </a:solidFill>
-                <a:latin typeface="Consolas" panose="020B0609020204030204" pitchFamily="49" charset="0"/>
-              </a:rPr>
-            </a:br>
-            <a:r>
-              <a:rPr lang="en-US" sz="1600" dirty="0" err="1">
-                <a:solidFill>
-                  <a:srgbClr val="D4D4D4"/>
-                </a:solidFill>
-                <a:latin typeface="Consolas" panose="020B0609020204030204" pitchFamily="49" charset="0"/>
-              </a:rPr>
-              <a:t>first_name</a:t>
-            </a:r>
-            <a:r>
-              <a:rPr lang="en-US" sz="1600" dirty="0">
-                <a:solidFill>
-                  <a:srgbClr val="D4D4D4"/>
-                </a:solidFill>
-                <a:latin typeface="Consolas" panose="020B0609020204030204" pitchFamily="49" charset="0"/>
-              </a:rPr>
-              <a:t> = </a:t>
-            </a:r>
-            <a:r>
-              <a:rPr lang="en-US" sz="1600" dirty="0">
-                <a:solidFill>
-                  <a:srgbClr val="CE9178"/>
-                </a:solidFill>
-                <a:latin typeface="Consolas" panose="020B0609020204030204" pitchFamily="49" charset="0"/>
-              </a:rPr>
-              <a:t>"Lindsay"</a:t>
-            </a:r>
-            <a:endParaRPr lang="en-US" sz="1600" dirty="0">
-              <a:solidFill>
-                <a:srgbClr val="D4D4D4"/>
-              </a:solidFill>
-              <a:latin typeface="Consolas" panose="020B0609020204030204" pitchFamily="49" charset="0"/>
-            </a:endParaRPr>
-          </a:p>
-          <a:p>
-            <a:r>
-              <a:rPr lang="en-US" sz="1600" dirty="0">
-                <a:solidFill>
-                  <a:srgbClr val="D4D4D4"/>
-                </a:solidFill>
-                <a:latin typeface="Consolas" panose="020B0609020204030204" pitchFamily="49" charset="0"/>
-              </a:rPr>
-              <a:t>welcome = </a:t>
-            </a:r>
-            <a:r>
-              <a:rPr lang="en-US" sz="1600" dirty="0">
-                <a:solidFill>
-                  <a:srgbClr val="CE9178"/>
-                </a:solidFill>
-                <a:latin typeface="Consolas" panose="020B0609020204030204" pitchFamily="49" charset="0"/>
-              </a:rPr>
-              <a:t>"Hello, "</a:t>
-            </a:r>
-            <a:r>
-              <a:rPr lang="en-US" sz="1600" dirty="0">
-                <a:solidFill>
-                  <a:srgbClr val="D4D4D4"/>
-                </a:solidFill>
-                <a:latin typeface="Consolas" panose="020B0609020204030204" pitchFamily="49" charset="0"/>
-              </a:rPr>
-              <a:t> + </a:t>
-            </a:r>
-            <a:r>
-              <a:rPr lang="en-US" sz="1600" dirty="0" err="1">
-                <a:solidFill>
-                  <a:srgbClr val="D4D4D4"/>
-                </a:solidFill>
-                <a:latin typeface="Consolas" panose="020B0609020204030204" pitchFamily="49" charset="0"/>
-              </a:rPr>
-              <a:t>first_name</a:t>
-            </a:r>
-            <a:r>
-              <a:rPr lang="en-US" sz="1600" dirty="0">
-                <a:solidFill>
-                  <a:srgbClr val="D4D4D4"/>
-                </a:solidFill>
-                <a:latin typeface="Consolas" panose="020B0609020204030204" pitchFamily="49" charset="0"/>
-              </a:rPr>
-              <a:t> + </a:t>
-            </a:r>
-            <a:r>
-              <a:rPr lang="en-US" sz="1600" dirty="0">
-                <a:solidFill>
-                  <a:srgbClr val="CE9178"/>
-                </a:solidFill>
-                <a:latin typeface="Consolas" panose="020B0609020204030204" pitchFamily="49" charset="0"/>
-              </a:rPr>
-              <a:t>"!"</a:t>
-            </a:r>
-            <a:endParaRPr lang="en-US" sz="1600" dirty="0">
-              <a:solidFill>
-                <a:srgbClr val="D4D4D4"/>
-              </a:solidFill>
-              <a:latin typeface="Consolas" panose="020B0609020204030204" pitchFamily="49" charset="0"/>
-            </a:endParaRPr>
-          </a:p>
-          <a:p>
-            <a:r>
-              <a:rPr lang="en-US" sz="1600" dirty="0">
-                <a:solidFill>
-                  <a:srgbClr val="DCDCAA"/>
-                </a:solidFill>
-                <a:latin typeface="Consolas" panose="020B0609020204030204" pitchFamily="49" charset="0"/>
-              </a:rPr>
-              <a:t>print</a:t>
-            </a:r>
-            <a:r>
-              <a:rPr lang="en-US" sz="1600" dirty="0">
-                <a:solidFill>
-                  <a:srgbClr val="D4D4D4"/>
-                </a:solidFill>
-                <a:latin typeface="Consolas" panose="020B0609020204030204" pitchFamily="49" charset="0"/>
-              </a:rPr>
-              <a:t>(welcome)</a:t>
-            </a:r>
-          </a:p>
-        </p:txBody>
-      </p:sp>
-      <p:sp>
-        <p:nvSpPr>
-          <p:cNvPr id="12" name="Rectangle 11">
-            <a:extLst>
-              <a:ext uri="{FF2B5EF4-FFF2-40B4-BE49-F238E27FC236}">
-                <a16:creationId xmlns:a16="http://schemas.microsoft.com/office/drawing/2014/main" id="{33BDF2E5-77B7-CA49-86A5-C9D4869BA292}"/>
-              </a:ext>
-            </a:extLst>
-          </p:cNvPr>
-          <p:cNvSpPr/>
-          <p:nvPr/>
-        </p:nvSpPr>
-        <p:spPr>
-          <a:xfrm>
-            <a:off x="838200" y="5028816"/>
-            <a:ext cx="10515600" cy="1323439"/>
-          </a:xfrm>
-          <a:prstGeom prst="rect">
-            <a:avLst/>
-          </a:prstGeom>
-          <a:solidFill>
-            <a:schemeClr val="bg2">
-              <a:lumMod val="25000"/>
-            </a:schemeClr>
-          </a:solidFill>
-        </p:spPr>
-        <p:txBody>
-          <a:bodyPr wrap="square">
-            <a:spAutoFit/>
-          </a:bodyPr>
-          <a:lstStyle/>
-          <a:p>
-            <a:r>
-              <a:rPr lang="en-US" sz="1600" dirty="0">
-                <a:solidFill>
-                  <a:srgbClr val="D4D4D4"/>
-                </a:solidFill>
-                <a:latin typeface="Consolas" panose="020B0609020204030204" pitchFamily="49" charset="0"/>
-              </a:rPr>
-              <a:t>length = </a:t>
-            </a:r>
-            <a:r>
-              <a:rPr lang="en-US" sz="1600" dirty="0">
-                <a:solidFill>
-                  <a:srgbClr val="B5CEA8"/>
-                </a:solidFill>
-                <a:latin typeface="Consolas" panose="020B0609020204030204" pitchFamily="49" charset="0"/>
-              </a:rPr>
-              <a:t>20</a:t>
-            </a:r>
-            <a:endParaRPr lang="en-US" sz="1600" dirty="0">
-              <a:solidFill>
-                <a:srgbClr val="D4D4D4"/>
-              </a:solidFill>
-              <a:latin typeface="Consolas" panose="020B0609020204030204" pitchFamily="49" charset="0"/>
-            </a:endParaRPr>
-          </a:p>
-          <a:p>
-            <a:r>
-              <a:rPr lang="en-US" sz="1600" dirty="0">
-                <a:solidFill>
-                  <a:srgbClr val="D4D4D4"/>
-                </a:solidFill>
-                <a:latin typeface="Consolas" panose="020B0609020204030204" pitchFamily="49" charset="0"/>
-              </a:rPr>
-              <a:t>width = </a:t>
-            </a:r>
-            <a:r>
-              <a:rPr lang="en-US" sz="1600" dirty="0">
-                <a:solidFill>
-                  <a:srgbClr val="B5CEA8"/>
-                </a:solidFill>
-                <a:latin typeface="Consolas" panose="020B0609020204030204" pitchFamily="49" charset="0"/>
-              </a:rPr>
-              <a:t>40</a:t>
-            </a:r>
-            <a:endParaRPr lang="en-US" sz="1600" dirty="0">
-              <a:solidFill>
-                <a:srgbClr val="D4D4D4"/>
-              </a:solidFill>
-              <a:latin typeface="Consolas" panose="020B0609020204030204" pitchFamily="49" charset="0"/>
-            </a:endParaRPr>
-          </a:p>
-          <a:p>
-            <a:r>
-              <a:rPr lang="en-US" sz="1600" dirty="0">
-                <a:solidFill>
-                  <a:srgbClr val="D4D4D4"/>
-                </a:solidFill>
-                <a:latin typeface="Consolas" panose="020B0609020204030204" pitchFamily="49" charset="0"/>
-              </a:rPr>
-              <a:t>area = length * width</a:t>
-            </a:r>
-          </a:p>
-          <a:p>
-            <a:r>
-              <a:rPr lang="en-US" sz="1600" dirty="0">
-                <a:solidFill>
-                  <a:srgbClr val="D4D4D4"/>
-                </a:solidFill>
-                <a:latin typeface="Consolas" panose="020B0609020204030204" pitchFamily="49" charset="0"/>
-              </a:rPr>
-              <a:t>statement = </a:t>
-            </a:r>
-            <a:r>
-              <a:rPr lang="en-US" sz="1600" dirty="0">
-                <a:solidFill>
-                  <a:srgbClr val="CE9178"/>
-                </a:solidFill>
-                <a:latin typeface="Consolas" panose="020B0609020204030204" pitchFamily="49" charset="0"/>
-              </a:rPr>
-              <a:t>"The area is "</a:t>
-            </a:r>
-            <a:r>
-              <a:rPr lang="en-US" sz="1600" dirty="0">
-                <a:solidFill>
-                  <a:srgbClr val="D4D4D4"/>
-                </a:solidFill>
-                <a:latin typeface="Consolas" panose="020B0609020204030204" pitchFamily="49" charset="0"/>
-              </a:rPr>
-              <a:t> + area + </a:t>
-            </a:r>
-            <a:r>
-              <a:rPr lang="en-US" sz="1600" dirty="0">
-                <a:solidFill>
-                  <a:srgbClr val="CE9178"/>
-                </a:solidFill>
-                <a:latin typeface="Consolas" panose="020B0609020204030204" pitchFamily="49" charset="0"/>
-              </a:rPr>
-              <a:t>"."</a:t>
-            </a:r>
-            <a:endParaRPr lang="en-US" sz="1600" dirty="0">
-              <a:solidFill>
-                <a:srgbClr val="D4D4D4"/>
-              </a:solidFill>
-              <a:latin typeface="Consolas" panose="020B0609020204030204" pitchFamily="49" charset="0"/>
-            </a:endParaRPr>
-          </a:p>
-          <a:p>
-            <a:r>
-              <a:rPr lang="en-US" sz="1600" dirty="0">
-                <a:solidFill>
-                  <a:srgbClr val="DCDCAA"/>
-                </a:solidFill>
-                <a:latin typeface="Consolas" panose="020B0609020204030204" pitchFamily="49" charset="0"/>
-              </a:rPr>
-              <a:t>print</a:t>
-            </a:r>
-            <a:r>
-              <a:rPr lang="en-US" sz="1600" dirty="0">
-                <a:solidFill>
-                  <a:srgbClr val="D4D4D4"/>
-                </a:solidFill>
-                <a:latin typeface="Consolas" panose="020B0609020204030204" pitchFamily="49" charset="0"/>
-              </a:rPr>
-              <a:t>(statement)</a:t>
-            </a:r>
-          </a:p>
-        </p:txBody>
-      </p:sp>
-    </p:spTree>
-    <p:extLst>
-      <p:ext uri="{BB962C8B-B14F-4D97-AF65-F5344CB8AC3E}">
-        <p14:creationId xmlns:p14="http://schemas.microsoft.com/office/powerpoint/2010/main" val="3720080873"/>
-      </p:ext>
-    </p:extLst>
-  </p:cSld>
-  <p:clrMapOvr>
-    <a:masterClrMapping/>
-  </p:clrMapOvr>
-</p:sld>
-</file>
-
-<file path=ppt/slides/slide3.xml><?xml version="1.0" encoding="utf-8"?>
-<p:sld xmlns:a="http://schemas.openxmlformats.org/drawingml/2006/main" xmlns:r="http://schemas.openxmlformats.org/officeDocument/2006/relationships" xmlns:p="http://schemas.openxmlformats.org/presentationml/2006/main">
-  <p:cSld>
-    <p:spTree>
-      <p:nvGrpSpPr>
-        <p:cNvPr id="1" name=""/>
-        <p:cNvGrpSpPr/>
-        <p:nvPr/>
-      </p:nvGrpSpPr>
-      <p:grpSpPr>
-        <a:xfrm>
-          <a:off x="0" y="0"/>
-          <a:ext cx="0" cy="0"/>
-          <a:chOff x="0" y="0"/>
-          <a:chExt cx="0" cy="0"/>
-        </a:xfrm>
-      </p:grpSpPr>
-      <p:sp>
-        <p:nvSpPr>
-          <p:cNvPr id="2" name="Title 1">
-            <a:extLst>
-              <a:ext uri="{FF2B5EF4-FFF2-40B4-BE49-F238E27FC236}">
-                <a16:creationId xmlns:a16="http://schemas.microsoft.com/office/drawing/2014/main" id="{8F3C2353-D7C4-4040-916A-0527F43EAEE9}"/>
-              </a:ext>
-            </a:extLst>
-          </p:cNvPr>
-          <p:cNvSpPr>
-            <a:spLocks noGrp="1"/>
-          </p:cNvSpPr>
-          <p:nvPr>
-            <p:ph type="title"/>
-          </p:nvPr>
-        </p:nvSpPr>
-        <p:spPr/>
-        <p:txBody>
-          <a:bodyPr/>
-          <a:lstStyle/>
-          <a:p>
-            <a:r>
-              <a:rPr lang="en-US" dirty="0"/>
-              <a:t>The Fix: Conversion Methods</a:t>
-            </a:r>
-          </a:p>
-        </p:txBody>
-      </p:sp>
-      <p:sp>
-        <p:nvSpPr>
-          <p:cNvPr id="8" name="Content Placeholder 2">
-            <a:extLst>
-              <a:ext uri="{FF2B5EF4-FFF2-40B4-BE49-F238E27FC236}">
-                <a16:creationId xmlns:a16="http://schemas.microsoft.com/office/drawing/2014/main" id="{2CC98C95-EF5B-5647-93AC-77122809140D}"/>
-              </a:ext>
-            </a:extLst>
-          </p:cNvPr>
-          <p:cNvSpPr>
-            <a:spLocks noGrp="1"/>
-          </p:cNvSpPr>
-          <p:nvPr>
-            <p:ph idx="1"/>
-          </p:nvPr>
-        </p:nvSpPr>
-        <p:spPr>
-          <a:xfrm>
-            <a:off x="838200" y="1830068"/>
-            <a:ext cx="10515600" cy="510980"/>
-          </a:xfrm>
-        </p:spPr>
-        <p:txBody>
-          <a:bodyPr>
-            <a:normAutofit lnSpcReduction="10000"/>
-          </a:bodyPr>
-          <a:lstStyle/>
-          <a:p>
-            <a:pPr marL="0" indent="0">
-              <a:buNone/>
-            </a:pPr>
-            <a:r>
-              <a:rPr lang="en-US" sz="3200" dirty="0"/>
-              <a:t>Number to string, use str():</a:t>
-            </a:r>
-          </a:p>
-        </p:txBody>
-      </p:sp>
-      <p:sp>
-        <p:nvSpPr>
-          <p:cNvPr id="9" name="Content Placeholder 2">
-            <a:extLst>
-              <a:ext uri="{FF2B5EF4-FFF2-40B4-BE49-F238E27FC236}">
-                <a16:creationId xmlns:a16="http://schemas.microsoft.com/office/drawing/2014/main" id="{1C1B0CE5-0394-B648-A4DE-D2ED92908194}"/>
-              </a:ext>
-            </a:extLst>
-          </p:cNvPr>
-          <p:cNvSpPr txBox="1">
-            <a:spLocks/>
-          </p:cNvSpPr>
-          <p:nvPr/>
-        </p:nvSpPr>
-        <p:spPr>
-          <a:xfrm>
-            <a:off x="838200" y="4009123"/>
-            <a:ext cx="10515600" cy="510980"/>
-          </a:xfrm>
-          <a:prstGeom prst="rect">
-            <a:avLst/>
-          </a:prstGeom>
-        </p:spPr>
-        <p:txBody>
-          <a:bodyPr vert="horz" lIns="91440" tIns="45720" rIns="91440" bIns="45720" rtlCol="0">
-            <a:normAutofit lnSpcReduction="10000"/>
-          </a:bodyPr>
-          <a:lstStyle>
-            <a:lvl1pPr marL="228600" indent="-228600" algn="l" defTabSz="914400" rtl="0" eaLnBrk="1" latinLnBrk="0" hangingPunct="1">
-              <a:lnSpc>
-                <a:spcPct val="90000"/>
-              </a:lnSpc>
-              <a:spcBef>
-                <a:spcPts val="1000"/>
-              </a:spcBef>
-              <a:buFont typeface="Arial" panose="020B0604020202020204" pitchFamily="34" charset="0"/>
-              <a:buChar char="•"/>
-              <a:defRPr sz="2800" kern="1200">
-                <a:solidFill>
-                  <a:schemeClr val="tx1"/>
-                </a:solidFill>
-                <a:latin typeface="+mn-lt"/>
-                <a:ea typeface="+mn-ea"/>
-                <a:cs typeface="+mn-cs"/>
-              </a:defRPr>
-            </a:lvl1pPr>
-            <a:lvl2pPr marL="685800" indent="-228600" algn="l" defTabSz="914400" rtl="0" eaLnBrk="1" latinLnBrk="0" hangingPunct="1">
-              <a:lnSpc>
-                <a:spcPct val="90000"/>
-              </a:lnSpc>
-              <a:spcBef>
-                <a:spcPts val="500"/>
-              </a:spcBef>
-              <a:buFont typeface="Arial" panose="020B0604020202020204" pitchFamily="34" charset="0"/>
-              <a:buChar char="•"/>
-              <a:defRPr sz="2400" kern="1200">
-                <a:solidFill>
-                  <a:schemeClr val="tx1"/>
-                </a:solidFill>
-                <a:latin typeface="+mn-lt"/>
-                <a:ea typeface="+mn-ea"/>
-                <a:cs typeface="+mn-cs"/>
-              </a:defRPr>
-            </a:lvl2pPr>
-            <a:lvl3pPr marL="1143000" indent="-228600" algn="l" defTabSz="914400" rtl="0" eaLnBrk="1" latinLnBrk="0" hangingPunct="1">
-              <a:lnSpc>
-                <a:spcPct val="90000"/>
-              </a:lnSpc>
-              <a:spcBef>
-                <a:spcPts val="500"/>
-              </a:spcBef>
-              <a:buFont typeface="Arial" panose="020B0604020202020204" pitchFamily="34" charset="0"/>
-              <a:buChar char="•"/>
-              <a:defRPr sz="2000" kern="1200">
-                <a:solidFill>
-                  <a:schemeClr val="tx1"/>
-                </a:solidFill>
-                <a:latin typeface="+mn-lt"/>
-                <a:ea typeface="+mn-ea"/>
-                <a:cs typeface="+mn-cs"/>
-              </a:defRPr>
-            </a:lvl3pPr>
-            <a:lvl4pPr marL="1600200" indent="-228600" algn="l" defTabSz="914400" rtl="0" eaLnBrk="1" latinLnBrk="0" hangingPunct="1">
-              <a:lnSpc>
-                <a:spcPct val="90000"/>
-              </a:lnSpc>
-              <a:spcBef>
-                <a:spcPts val="500"/>
-              </a:spcBef>
-              <a:buFont typeface="Arial" panose="020B0604020202020204" pitchFamily="34" charset="0"/>
-              <a:buChar char="•"/>
-              <a:defRPr sz="1800" kern="1200">
-                <a:solidFill>
-                  <a:schemeClr val="tx1"/>
-                </a:solidFill>
-                <a:latin typeface="+mn-lt"/>
-                <a:ea typeface="+mn-ea"/>
-                <a:cs typeface="+mn-cs"/>
-              </a:defRPr>
-            </a:lvl4pPr>
-            <a:lvl5pPr marL="2057400" indent="-228600" algn="l" defTabSz="914400" rtl="0" eaLnBrk="1" latinLnBrk="0" hangingPunct="1">
-              <a:lnSpc>
-                <a:spcPct val="90000"/>
-              </a:lnSpc>
-              <a:spcBef>
-                <a:spcPts val="500"/>
-              </a:spcBef>
-              <a:buFont typeface="Arial" panose="020B0604020202020204" pitchFamily="34" charset="0"/>
-              <a:buChar char="•"/>
-              <a:defRPr sz="1800" kern="1200">
-                <a:solidFill>
-                  <a:schemeClr val="tx1"/>
-                </a:solidFill>
-                <a:latin typeface="+mn-lt"/>
-                <a:ea typeface="+mn-ea"/>
-                <a:cs typeface="+mn-cs"/>
-              </a:defRPr>
-            </a:lvl5pPr>
-            <a:lvl6pPr marL="2514600" indent="-228600" algn="l" defTabSz="914400" rtl="0" eaLnBrk="1" latinLnBrk="0" hangingPunct="1">
-              <a:lnSpc>
-                <a:spcPct val="90000"/>
-              </a:lnSpc>
-              <a:spcBef>
-                <a:spcPts val="500"/>
-              </a:spcBef>
-              <a:buFont typeface="Arial" panose="020B0604020202020204" pitchFamily="34" charset="0"/>
-              <a:buChar char="•"/>
-              <a:defRPr sz="1800" kern="1200">
-                <a:solidFill>
-                  <a:schemeClr val="tx1"/>
-                </a:solidFill>
-                <a:latin typeface="+mn-lt"/>
-                <a:ea typeface="+mn-ea"/>
-                <a:cs typeface="+mn-cs"/>
-              </a:defRPr>
-            </a:lvl6pPr>
-            <a:lvl7pPr marL="2971800" indent="-228600" algn="l" defTabSz="914400" rtl="0" eaLnBrk="1" latinLnBrk="0" hangingPunct="1">
-              <a:lnSpc>
-                <a:spcPct val="90000"/>
-              </a:lnSpc>
-              <a:spcBef>
-                <a:spcPts val="500"/>
-              </a:spcBef>
-              <a:buFont typeface="Arial" panose="020B0604020202020204" pitchFamily="34" charset="0"/>
-              <a:buChar char="•"/>
-              <a:defRPr sz="1800" kern="1200">
-                <a:solidFill>
-                  <a:schemeClr val="tx1"/>
-                </a:solidFill>
-                <a:latin typeface="+mn-lt"/>
-                <a:ea typeface="+mn-ea"/>
-                <a:cs typeface="+mn-cs"/>
-              </a:defRPr>
-            </a:lvl7pPr>
-            <a:lvl8pPr marL="3429000" indent="-228600" algn="l" defTabSz="914400" rtl="0" eaLnBrk="1" latinLnBrk="0" hangingPunct="1">
-              <a:lnSpc>
-                <a:spcPct val="90000"/>
-              </a:lnSpc>
-              <a:spcBef>
-                <a:spcPts val="500"/>
-              </a:spcBef>
-              <a:buFont typeface="Arial" panose="020B0604020202020204" pitchFamily="34" charset="0"/>
-              <a:buChar char="•"/>
-              <a:defRPr sz="1800" kern="1200">
-                <a:solidFill>
-                  <a:schemeClr val="tx1"/>
-                </a:solidFill>
-                <a:latin typeface="+mn-lt"/>
-                <a:ea typeface="+mn-ea"/>
-                <a:cs typeface="+mn-cs"/>
-              </a:defRPr>
-            </a:lvl8pPr>
-            <a:lvl9pPr marL="3886200" indent="-228600" algn="l" defTabSz="914400" rtl="0" eaLnBrk="1" latinLnBrk="0" hangingPunct="1">
-              <a:lnSpc>
-                <a:spcPct val="90000"/>
-              </a:lnSpc>
-              <a:spcBef>
-                <a:spcPts val="500"/>
-              </a:spcBef>
-              <a:buFont typeface="Arial" panose="020B0604020202020204" pitchFamily="34" charset="0"/>
-              <a:buChar char="•"/>
-              <a:defRPr sz="1800" kern="1200">
-                <a:solidFill>
-                  <a:schemeClr val="tx1"/>
-                </a:solidFill>
-                <a:latin typeface="+mn-lt"/>
-                <a:ea typeface="+mn-ea"/>
-                <a:cs typeface="+mn-cs"/>
-              </a:defRPr>
-            </a:lvl9pPr>
-          </a:lstStyle>
-          <a:p>
-            <a:pPr marL="0" indent="0">
-              <a:buFont typeface="Arial" panose="020B0604020202020204" pitchFamily="34" charset="0"/>
-              <a:buNone/>
-            </a:pPr>
-            <a:r>
-              <a:rPr lang="en-US" sz="3200" dirty="0"/>
-              <a:t>String to number, use int() or float():</a:t>
-            </a:r>
-          </a:p>
-        </p:txBody>
-      </p:sp>
-      <p:sp>
-        <p:nvSpPr>
-          <p:cNvPr id="11" name="Rectangle 10">
-            <a:extLst>
-              <a:ext uri="{FF2B5EF4-FFF2-40B4-BE49-F238E27FC236}">
-                <a16:creationId xmlns:a16="http://schemas.microsoft.com/office/drawing/2014/main" id="{4B9D76A6-B805-3D4A-A2C0-449A63350EE4}"/>
-              </a:ext>
-            </a:extLst>
-          </p:cNvPr>
-          <p:cNvSpPr/>
-          <p:nvPr/>
-        </p:nvSpPr>
-        <p:spPr>
-          <a:xfrm>
-            <a:off x="838200" y="2341048"/>
-            <a:ext cx="10515600" cy="1323439"/>
-          </a:xfrm>
-          <a:prstGeom prst="rect">
-            <a:avLst/>
-          </a:prstGeom>
-          <a:solidFill>
-            <a:schemeClr val="bg2">
-              <a:lumMod val="25000"/>
-            </a:schemeClr>
-          </a:solidFill>
-        </p:spPr>
-        <p:txBody>
-          <a:bodyPr wrap="square">
-            <a:spAutoFit/>
-          </a:bodyPr>
-          <a:lstStyle/>
-          <a:p>
-            <a:r>
-              <a:rPr lang="en-US" sz="1600" dirty="0">
-                <a:solidFill>
-                  <a:srgbClr val="D4D4D4"/>
-                </a:solidFill>
-                <a:latin typeface="Consolas" panose="020B0609020204030204" pitchFamily="49" charset="0"/>
-              </a:rPr>
-              <a:t>length = </a:t>
-            </a:r>
-            <a:r>
-              <a:rPr lang="en-US" sz="1600" dirty="0">
-                <a:solidFill>
-                  <a:srgbClr val="B5CEA8"/>
-                </a:solidFill>
-                <a:latin typeface="Consolas" panose="020B0609020204030204" pitchFamily="49" charset="0"/>
-              </a:rPr>
-              <a:t>20</a:t>
-            </a:r>
-            <a:endParaRPr lang="en-US" sz="1600" dirty="0">
-              <a:solidFill>
-                <a:srgbClr val="D4D4D4"/>
-              </a:solidFill>
-              <a:latin typeface="Consolas" panose="020B0609020204030204" pitchFamily="49" charset="0"/>
-            </a:endParaRPr>
-          </a:p>
-          <a:p>
-            <a:r>
-              <a:rPr lang="en-US" sz="1600" dirty="0">
-                <a:solidFill>
-                  <a:srgbClr val="D4D4D4"/>
-                </a:solidFill>
-                <a:latin typeface="Consolas" panose="020B0609020204030204" pitchFamily="49" charset="0"/>
-              </a:rPr>
-              <a:t>width = </a:t>
-            </a:r>
-            <a:r>
-              <a:rPr lang="en-US" sz="1600" dirty="0">
-                <a:solidFill>
-                  <a:srgbClr val="B5CEA8"/>
-                </a:solidFill>
-                <a:latin typeface="Consolas" panose="020B0609020204030204" pitchFamily="49" charset="0"/>
-              </a:rPr>
-              <a:t>40</a:t>
-            </a:r>
-            <a:endParaRPr lang="en-US" sz="1600" dirty="0">
-              <a:solidFill>
-                <a:srgbClr val="D4D4D4"/>
-              </a:solidFill>
-              <a:latin typeface="Consolas" panose="020B0609020204030204" pitchFamily="49" charset="0"/>
-            </a:endParaRPr>
-          </a:p>
-          <a:p>
-            <a:r>
-              <a:rPr lang="en-US" sz="1600" dirty="0">
-                <a:solidFill>
-                  <a:srgbClr val="D4D4D4"/>
-                </a:solidFill>
-                <a:latin typeface="Consolas" panose="020B0609020204030204" pitchFamily="49" charset="0"/>
-              </a:rPr>
-              <a:t>area = length * width</a:t>
-            </a:r>
-          </a:p>
-          <a:p>
-            <a:r>
-              <a:rPr lang="en-US" sz="1600" dirty="0">
-                <a:solidFill>
-                  <a:srgbClr val="D4D4D4"/>
-                </a:solidFill>
-                <a:latin typeface="Consolas" panose="020B0609020204030204" pitchFamily="49" charset="0"/>
-              </a:rPr>
-              <a:t>statement = </a:t>
-            </a:r>
-            <a:r>
-              <a:rPr lang="en-US" sz="1600" dirty="0">
-                <a:solidFill>
-                  <a:srgbClr val="CE9178"/>
-                </a:solidFill>
-                <a:latin typeface="Consolas" panose="020B0609020204030204" pitchFamily="49" charset="0"/>
-              </a:rPr>
-              <a:t>"The area is "</a:t>
-            </a:r>
-            <a:r>
-              <a:rPr lang="en-US" sz="1600" dirty="0">
-                <a:solidFill>
-                  <a:srgbClr val="D4D4D4"/>
-                </a:solidFill>
-                <a:latin typeface="Consolas" panose="020B0609020204030204" pitchFamily="49" charset="0"/>
-              </a:rPr>
-              <a:t> + </a:t>
-            </a:r>
-            <a:r>
-              <a:rPr lang="en-US" sz="1600" dirty="0">
-                <a:solidFill>
-                  <a:srgbClr val="4EC9B0"/>
-                </a:solidFill>
-                <a:latin typeface="Consolas" panose="020B0609020204030204" pitchFamily="49" charset="0"/>
-              </a:rPr>
-              <a:t>str</a:t>
-            </a:r>
-            <a:r>
-              <a:rPr lang="en-US" sz="1600" dirty="0">
-                <a:solidFill>
-                  <a:srgbClr val="D4D4D4"/>
-                </a:solidFill>
-                <a:latin typeface="Consolas" panose="020B0609020204030204" pitchFamily="49" charset="0"/>
-              </a:rPr>
-              <a:t>(area) + </a:t>
-            </a:r>
-            <a:r>
-              <a:rPr lang="en-US" sz="1600" dirty="0">
-                <a:solidFill>
-                  <a:srgbClr val="CE9178"/>
-                </a:solidFill>
-                <a:latin typeface="Consolas" panose="020B0609020204030204" pitchFamily="49" charset="0"/>
-              </a:rPr>
-              <a:t>"."</a:t>
-            </a:r>
-            <a:endParaRPr lang="en-US" sz="1600" dirty="0">
-              <a:solidFill>
-                <a:srgbClr val="D4D4D4"/>
-              </a:solidFill>
-              <a:latin typeface="Consolas" panose="020B0609020204030204" pitchFamily="49" charset="0"/>
-            </a:endParaRPr>
-          </a:p>
-          <a:p>
-            <a:r>
-              <a:rPr lang="en-US" sz="1600" dirty="0">
-                <a:solidFill>
-                  <a:srgbClr val="DCDCAA"/>
-                </a:solidFill>
-                <a:latin typeface="Consolas" panose="020B0609020204030204" pitchFamily="49" charset="0"/>
-              </a:rPr>
-              <a:t>print</a:t>
-            </a:r>
-            <a:r>
-              <a:rPr lang="en-US" sz="1600" dirty="0">
-                <a:solidFill>
-                  <a:srgbClr val="D4D4D4"/>
-                </a:solidFill>
-                <a:latin typeface="Consolas" panose="020B0609020204030204" pitchFamily="49" charset="0"/>
-              </a:rPr>
-              <a:t>(statement)</a:t>
-            </a:r>
-          </a:p>
-        </p:txBody>
-      </p:sp>
-      <p:sp>
-        <p:nvSpPr>
-          <p:cNvPr id="12" name="Rectangle 11">
-            <a:extLst>
-              <a:ext uri="{FF2B5EF4-FFF2-40B4-BE49-F238E27FC236}">
-                <a16:creationId xmlns:a16="http://schemas.microsoft.com/office/drawing/2014/main" id="{33BDF2E5-77B7-CA49-86A5-C9D4869BA292}"/>
-              </a:ext>
-            </a:extLst>
-          </p:cNvPr>
-          <p:cNvSpPr/>
-          <p:nvPr/>
-        </p:nvSpPr>
-        <p:spPr>
-          <a:xfrm>
-            <a:off x="838200" y="4520102"/>
-            <a:ext cx="10515600" cy="1077218"/>
-          </a:xfrm>
-          <a:prstGeom prst="rect">
-            <a:avLst/>
-          </a:prstGeom>
-          <a:solidFill>
-            <a:schemeClr val="bg2">
-              <a:lumMod val="25000"/>
-            </a:schemeClr>
-          </a:solidFill>
-        </p:spPr>
-        <p:txBody>
-          <a:bodyPr wrap="square">
-            <a:spAutoFit/>
-          </a:bodyPr>
-          <a:lstStyle/>
-          <a:p>
-            <a:r>
-              <a:rPr lang="en-US" sz="1600" dirty="0">
-                <a:solidFill>
-                  <a:srgbClr val="D4D4D4"/>
-                </a:solidFill>
-                <a:latin typeface="Consolas" panose="020B0609020204030204" pitchFamily="49" charset="0"/>
-              </a:rPr>
-              <a:t>age = </a:t>
-            </a:r>
-            <a:r>
-              <a:rPr lang="en-US" sz="1600" dirty="0">
-                <a:solidFill>
-                  <a:srgbClr val="4EC9B0"/>
-                </a:solidFill>
-                <a:latin typeface="Consolas" panose="020B0609020204030204" pitchFamily="49" charset="0"/>
-              </a:rPr>
-              <a:t>int</a:t>
-            </a:r>
-            <a:r>
-              <a:rPr lang="en-US" sz="1600" dirty="0">
-                <a:solidFill>
-                  <a:srgbClr val="D4D4D4"/>
-                </a:solidFill>
-                <a:latin typeface="Consolas" panose="020B0609020204030204" pitchFamily="49" charset="0"/>
-              </a:rPr>
-              <a:t>(</a:t>
-            </a:r>
-            <a:r>
-              <a:rPr lang="en-US" sz="1600" dirty="0">
-                <a:solidFill>
-                  <a:srgbClr val="DCDCAA"/>
-                </a:solidFill>
-                <a:latin typeface="Consolas" panose="020B0609020204030204" pitchFamily="49" charset="0"/>
-              </a:rPr>
-              <a:t>input</a:t>
-            </a:r>
-            <a:r>
-              <a:rPr lang="en-US" sz="1600" dirty="0">
-                <a:solidFill>
-                  <a:srgbClr val="D4D4D4"/>
-                </a:solidFill>
-                <a:latin typeface="Consolas" panose="020B0609020204030204" pitchFamily="49" charset="0"/>
-              </a:rPr>
-              <a:t>(</a:t>
-            </a:r>
-            <a:r>
-              <a:rPr lang="en-US" sz="1600" dirty="0">
-                <a:solidFill>
-                  <a:srgbClr val="CE9178"/>
-                </a:solidFill>
-                <a:latin typeface="Consolas" panose="020B0609020204030204" pitchFamily="49" charset="0"/>
-              </a:rPr>
-              <a:t>"What is your age? "</a:t>
-            </a:r>
-            <a:r>
-              <a:rPr lang="en-US" sz="1600" dirty="0">
-                <a:solidFill>
-                  <a:srgbClr val="D4D4D4"/>
-                </a:solidFill>
-                <a:latin typeface="Consolas" panose="020B0609020204030204" pitchFamily="49" charset="0"/>
-              </a:rPr>
-              <a:t>))</a:t>
-            </a:r>
-          </a:p>
-          <a:p>
-            <a:r>
-              <a:rPr lang="en-US" sz="1600" dirty="0" err="1">
-                <a:solidFill>
-                  <a:srgbClr val="D4D4D4"/>
-                </a:solidFill>
-                <a:latin typeface="Consolas" panose="020B0609020204030204" pitchFamily="49" charset="0"/>
-              </a:rPr>
-              <a:t>dog_years</a:t>
-            </a:r>
-            <a:r>
-              <a:rPr lang="en-US" sz="1600" dirty="0">
-                <a:solidFill>
-                  <a:srgbClr val="D4D4D4"/>
-                </a:solidFill>
-                <a:latin typeface="Consolas" panose="020B0609020204030204" pitchFamily="49" charset="0"/>
-              </a:rPr>
-              <a:t> = age * </a:t>
-            </a:r>
-            <a:r>
-              <a:rPr lang="en-US" sz="1600" dirty="0">
-                <a:solidFill>
-                  <a:srgbClr val="B5CEA8"/>
-                </a:solidFill>
-                <a:latin typeface="Consolas" panose="020B0609020204030204" pitchFamily="49" charset="0"/>
-              </a:rPr>
-              <a:t>7</a:t>
-            </a:r>
-            <a:endParaRPr lang="en-US" sz="1600" dirty="0">
-              <a:solidFill>
-                <a:srgbClr val="D4D4D4"/>
-              </a:solidFill>
-              <a:latin typeface="Consolas" panose="020B0609020204030204" pitchFamily="49" charset="0"/>
-            </a:endParaRPr>
-          </a:p>
-          <a:p>
-            <a:r>
-              <a:rPr lang="en-US" sz="1600" dirty="0">
-                <a:solidFill>
-                  <a:srgbClr val="D4D4D4"/>
-                </a:solidFill>
-                <a:latin typeface="Consolas" panose="020B0609020204030204" pitchFamily="49" charset="0"/>
-              </a:rPr>
-              <a:t>statement = </a:t>
-            </a:r>
-            <a:r>
-              <a:rPr lang="en-US" sz="1600" dirty="0">
-                <a:solidFill>
-                  <a:srgbClr val="CE9178"/>
-                </a:solidFill>
-                <a:latin typeface="Consolas" panose="020B0609020204030204" pitchFamily="49" charset="0"/>
-              </a:rPr>
-              <a:t>"You are "</a:t>
-            </a:r>
-            <a:r>
-              <a:rPr lang="en-US" sz="1600" dirty="0">
-                <a:solidFill>
-                  <a:srgbClr val="D4D4D4"/>
-                </a:solidFill>
-                <a:latin typeface="Consolas" panose="020B0609020204030204" pitchFamily="49" charset="0"/>
-              </a:rPr>
-              <a:t> + </a:t>
-            </a:r>
-            <a:r>
-              <a:rPr lang="en-US" sz="1600" dirty="0">
-                <a:solidFill>
-                  <a:srgbClr val="4EC9B0"/>
-                </a:solidFill>
-                <a:latin typeface="Consolas" panose="020B0609020204030204" pitchFamily="49" charset="0"/>
-              </a:rPr>
-              <a:t>str</a:t>
-            </a:r>
-            <a:r>
-              <a:rPr lang="en-US" sz="1600" dirty="0">
-                <a:solidFill>
-                  <a:srgbClr val="D4D4D4"/>
-                </a:solidFill>
-                <a:latin typeface="Consolas" panose="020B0609020204030204" pitchFamily="49" charset="0"/>
-              </a:rPr>
-              <a:t>(</a:t>
-            </a:r>
-            <a:r>
-              <a:rPr lang="en-US" sz="1600" dirty="0" err="1">
-                <a:solidFill>
-                  <a:srgbClr val="D4D4D4"/>
-                </a:solidFill>
-                <a:latin typeface="Consolas" panose="020B0609020204030204" pitchFamily="49" charset="0"/>
-              </a:rPr>
-              <a:t>dog_years</a:t>
-            </a:r>
-            <a:r>
-              <a:rPr lang="en-US" sz="1600" dirty="0">
-                <a:solidFill>
-                  <a:srgbClr val="D4D4D4"/>
-                </a:solidFill>
-                <a:latin typeface="Consolas" panose="020B0609020204030204" pitchFamily="49" charset="0"/>
-              </a:rPr>
-              <a:t>) + </a:t>
-            </a:r>
-            <a:r>
-              <a:rPr lang="en-US" sz="1600" dirty="0">
-                <a:solidFill>
-                  <a:srgbClr val="CE9178"/>
-                </a:solidFill>
-                <a:latin typeface="Consolas" panose="020B0609020204030204" pitchFamily="49" charset="0"/>
-              </a:rPr>
-              <a:t>" years old in dog years."</a:t>
-            </a:r>
-            <a:endParaRPr lang="en-US" sz="1600" dirty="0">
-              <a:solidFill>
-                <a:srgbClr val="D4D4D4"/>
-              </a:solidFill>
-              <a:latin typeface="Consolas" panose="020B0609020204030204" pitchFamily="49" charset="0"/>
-            </a:endParaRPr>
-          </a:p>
-          <a:p>
-            <a:r>
-              <a:rPr lang="en-US" sz="1600" dirty="0">
-                <a:solidFill>
-                  <a:srgbClr val="DCDCAA"/>
-                </a:solidFill>
-                <a:latin typeface="Consolas" panose="020B0609020204030204" pitchFamily="49" charset="0"/>
-              </a:rPr>
-              <a:t>print</a:t>
-            </a:r>
-            <a:r>
-              <a:rPr lang="en-US" sz="1600" dirty="0">
-                <a:solidFill>
-                  <a:srgbClr val="D4D4D4"/>
-                </a:solidFill>
-                <a:latin typeface="Consolas" panose="020B0609020204030204" pitchFamily="49" charset="0"/>
-              </a:rPr>
-              <a:t>(statement)</a:t>
-            </a:r>
-            <a:endParaRPr lang="en-US" sz="1600" b="0" dirty="0">
-              <a:solidFill>
-                <a:srgbClr val="D4D4D4"/>
-              </a:solidFill>
-              <a:effectLst/>
-              <a:latin typeface="Menlo" panose="020B0609030804020204" pitchFamily="49" charset="0"/>
-            </a:endParaRPr>
-          </a:p>
-        </p:txBody>
-      </p:sp>
-    </p:spTree>
-    <p:extLst>
-      <p:ext uri="{BB962C8B-B14F-4D97-AF65-F5344CB8AC3E}">
-        <p14:creationId xmlns:p14="http://schemas.microsoft.com/office/powerpoint/2010/main" val="967415028"/>
-      </p:ext>
-    </p:extLst>
-  </p:cSld>
-  <p:clrMapOvr>
-    <a:masterClrMapping/>
-  </p:clrMapOvr>
-</p:sld>
-</file>
-
-<file path=ppt/slides/slide4.xml><?xml version="1.0" encoding="utf-8"?>
-<p:sld xmlns:a="http://schemas.openxmlformats.org/drawingml/2006/main" xmlns:r="http://schemas.openxmlformats.org/officeDocument/2006/relationships" xmlns:p="http://schemas.openxmlformats.org/presentationml/2006/main">
-  <p:cSld>
-    <p:spTree>
-      <p:nvGrpSpPr>
-        <p:cNvPr id="1" name=""/>
-        <p:cNvGrpSpPr/>
-        <p:nvPr/>
-      </p:nvGrpSpPr>
-      <p:grpSpPr>
-        <a:xfrm>
-          <a:off x="0" y="0"/>
-          <a:ext cx="0" cy="0"/>
-          <a:chOff x="0" y="0"/>
-          <a:chExt cx="0" cy="0"/>
-        </a:xfrm>
-      </p:grpSpPr>
-      <p:sp>
-        <p:nvSpPr>
-          <p:cNvPr id="2" name="Title 1">
-            <a:extLst>
-              <a:ext uri="{FF2B5EF4-FFF2-40B4-BE49-F238E27FC236}">
-                <a16:creationId xmlns:a16="http://schemas.microsoft.com/office/drawing/2014/main" id="{8F3C2353-D7C4-4040-916A-0527F43EAEE9}"/>
-              </a:ext>
-            </a:extLst>
-          </p:cNvPr>
-          <p:cNvSpPr>
-            <a:spLocks noGrp="1"/>
-          </p:cNvSpPr>
-          <p:nvPr>
-            <p:ph type="title"/>
-          </p:nvPr>
-        </p:nvSpPr>
-        <p:spPr/>
-        <p:txBody>
-          <a:bodyPr/>
-          <a:lstStyle/>
-          <a:p>
-            <a:r>
-              <a:rPr lang="en-US" dirty="0"/>
-              <a:t>Comments</a:t>
-            </a:r>
-          </a:p>
-        </p:txBody>
-      </p:sp>
-      <p:sp>
-        <p:nvSpPr>
-          <p:cNvPr id="8" name="Content Placeholder 2">
-            <a:extLst>
-              <a:ext uri="{FF2B5EF4-FFF2-40B4-BE49-F238E27FC236}">
-                <a16:creationId xmlns:a16="http://schemas.microsoft.com/office/drawing/2014/main" id="{2CC98C95-EF5B-5647-93AC-77122809140D}"/>
-              </a:ext>
-            </a:extLst>
-          </p:cNvPr>
-          <p:cNvSpPr>
-            <a:spLocks noGrp="1"/>
-          </p:cNvSpPr>
-          <p:nvPr>
-            <p:ph idx="1"/>
-          </p:nvPr>
-        </p:nvSpPr>
-        <p:spPr>
-          <a:xfrm>
-            <a:off x="838200" y="1830068"/>
-            <a:ext cx="10515600" cy="510980"/>
-          </a:xfrm>
-        </p:spPr>
-        <p:txBody>
-          <a:bodyPr>
-            <a:normAutofit lnSpcReduction="10000"/>
-          </a:bodyPr>
-          <a:lstStyle/>
-          <a:p>
-            <a:pPr marL="0" indent="0">
-              <a:buNone/>
-            </a:pPr>
-            <a:r>
-              <a:rPr lang="en-US" sz="3200" dirty="0"/>
-              <a:t>Use “#” to input lines the computer won’t read</a:t>
-            </a:r>
-          </a:p>
-        </p:txBody>
-      </p:sp>
-      <p:sp>
-        <p:nvSpPr>
-          <p:cNvPr id="11" name="Rectangle 10">
-            <a:extLst>
-              <a:ext uri="{FF2B5EF4-FFF2-40B4-BE49-F238E27FC236}">
-                <a16:creationId xmlns:a16="http://schemas.microsoft.com/office/drawing/2014/main" id="{4B9D76A6-B805-3D4A-A2C0-449A63350EE4}"/>
-              </a:ext>
-            </a:extLst>
-          </p:cNvPr>
-          <p:cNvSpPr/>
-          <p:nvPr/>
-        </p:nvSpPr>
-        <p:spPr>
-          <a:xfrm>
-            <a:off x="838200" y="2341048"/>
-            <a:ext cx="10515600" cy="1600438"/>
-          </a:xfrm>
-          <a:prstGeom prst="rect">
-            <a:avLst/>
-          </a:prstGeom>
-          <a:solidFill>
-            <a:schemeClr val="bg2">
-              <a:lumMod val="25000"/>
-            </a:schemeClr>
-          </a:solidFill>
-        </p:spPr>
-        <p:txBody>
-          <a:bodyPr wrap="square">
-            <a:spAutoFit/>
-          </a:bodyPr>
-          <a:lstStyle/>
-          <a:p>
-            <a:r>
-              <a:rPr lang="en-US" sz="1600" dirty="0">
-                <a:solidFill>
-                  <a:srgbClr val="6A9955"/>
-                </a:solidFill>
-                <a:latin typeface="Consolas" panose="020B0609020204030204" pitchFamily="49" charset="0"/>
-              </a:rPr>
-              <a:t># Calculate the area</a:t>
-            </a:r>
-            <a:endParaRPr lang="en-US" sz="1600" dirty="0">
-              <a:solidFill>
-                <a:srgbClr val="D4D4D4"/>
-              </a:solidFill>
-              <a:latin typeface="Consolas" panose="020B0609020204030204" pitchFamily="49" charset="0"/>
-            </a:endParaRPr>
-          </a:p>
-          <a:p>
-            <a:r>
-              <a:rPr lang="en-US" sz="1600" dirty="0">
-                <a:solidFill>
-                  <a:srgbClr val="D4D4D4"/>
-                </a:solidFill>
-                <a:latin typeface="Consolas" panose="020B0609020204030204" pitchFamily="49" charset="0"/>
-              </a:rPr>
-              <a:t>length = </a:t>
-            </a:r>
-            <a:r>
-              <a:rPr lang="en-US" sz="1600" dirty="0">
-                <a:solidFill>
-                  <a:srgbClr val="B5CEA8"/>
-                </a:solidFill>
-                <a:latin typeface="Consolas" panose="020B0609020204030204" pitchFamily="49" charset="0"/>
-              </a:rPr>
-              <a:t>20</a:t>
-            </a:r>
-            <a:endParaRPr lang="en-US" sz="1600" dirty="0">
-              <a:solidFill>
-                <a:srgbClr val="D4D4D4"/>
-              </a:solidFill>
-              <a:latin typeface="Consolas" panose="020B0609020204030204" pitchFamily="49" charset="0"/>
-            </a:endParaRPr>
-          </a:p>
-          <a:p>
-            <a:r>
-              <a:rPr lang="en-US" sz="1600" dirty="0">
-                <a:solidFill>
-                  <a:srgbClr val="D4D4D4"/>
-                </a:solidFill>
-                <a:latin typeface="Consolas" panose="020B0609020204030204" pitchFamily="49" charset="0"/>
-              </a:rPr>
-              <a:t>width = </a:t>
-            </a:r>
-            <a:r>
-              <a:rPr lang="en-US" sz="1600" dirty="0">
-                <a:solidFill>
-                  <a:srgbClr val="B5CEA8"/>
-                </a:solidFill>
-                <a:latin typeface="Consolas" panose="020B0609020204030204" pitchFamily="49" charset="0"/>
-              </a:rPr>
-              <a:t>40</a:t>
-            </a:r>
-            <a:endParaRPr lang="en-US" sz="1600" dirty="0">
-              <a:solidFill>
-                <a:srgbClr val="D4D4D4"/>
-              </a:solidFill>
-              <a:latin typeface="Consolas" panose="020B0609020204030204" pitchFamily="49" charset="0"/>
-            </a:endParaRPr>
-          </a:p>
-          <a:p>
-            <a:r>
-              <a:rPr lang="en-US" sz="1600" dirty="0">
-                <a:solidFill>
-                  <a:srgbClr val="D4D4D4"/>
-                </a:solidFill>
-                <a:latin typeface="Consolas" panose="020B0609020204030204" pitchFamily="49" charset="0"/>
-              </a:rPr>
-              <a:t>area = length * width</a:t>
-            </a:r>
-          </a:p>
-          <a:p>
-            <a:r>
-              <a:rPr lang="en-US" sz="1600" dirty="0">
-                <a:solidFill>
-                  <a:srgbClr val="D4D4D4"/>
-                </a:solidFill>
-                <a:latin typeface="Consolas" panose="020B0609020204030204" pitchFamily="49" charset="0"/>
-              </a:rPr>
-              <a:t>statement = </a:t>
-            </a:r>
-            <a:r>
-              <a:rPr lang="en-US" sz="1600" dirty="0">
-                <a:solidFill>
-                  <a:srgbClr val="CE9178"/>
-                </a:solidFill>
-                <a:latin typeface="Consolas" panose="020B0609020204030204" pitchFamily="49" charset="0"/>
-              </a:rPr>
-              <a:t>"The area is "</a:t>
-            </a:r>
-            <a:r>
-              <a:rPr lang="en-US" sz="1600" dirty="0">
-                <a:solidFill>
-                  <a:srgbClr val="D4D4D4"/>
-                </a:solidFill>
-                <a:latin typeface="Consolas" panose="020B0609020204030204" pitchFamily="49" charset="0"/>
-              </a:rPr>
-              <a:t> + </a:t>
-            </a:r>
-            <a:r>
-              <a:rPr lang="en-US" sz="1600" dirty="0">
-                <a:solidFill>
-                  <a:srgbClr val="4EC9B0"/>
-                </a:solidFill>
-                <a:latin typeface="Consolas" panose="020B0609020204030204" pitchFamily="49" charset="0"/>
-              </a:rPr>
-              <a:t>str</a:t>
-            </a:r>
-            <a:r>
-              <a:rPr lang="en-US" sz="1600" dirty="0">
-                <a:solidFill>
-                  <a:srgbClr val="D4D4D4"/>
-                </a:solidFill>
-                <a:latin typeface="Consolas" panose="020B0609020204030204" pitchFamily="49" charset="0"/>
-              </a:rPr>
-              <a:t>(area) + </a:t>
-            </a:r>
-            <a:r>
-              <a:rPr lang="en-US" sz="1600" dirty="0">
-                <a:solidFill>
-                  <a:srgbClr val="CE9178"/>
-                </a:solidFill>
-                <a:latin typeface="Consolas" panose="020B0609020204030204" pitchFamily="49" charset="0"/>
-              </a:rPr>
-              <a:t>"."</a:t>
-            </a:r>
-            <a:endParaRPr lang="en-US" sz="1600" dirty="0">
-              <a:solidFill>
-                <a:srgbClr val="D4D4D4"/>
-              </a:solidFill>
-              <a:latin typeface="Consolas" panose="020B0609020204030204" pitchFamily="49" charset="0"/>
-            </a:endParaRPr>
-          </a:p>
-          <a:p>
-            <a:r>
-              <a:rPr lang="en-US" sz="1600" dirty="0">
-                <a:solidFill>
-                  <a:srgbClr val="DCDCAA"/>
-                </a:solidFill>
-                <a:latin typeface="Consolas" panose="020B0609020204030204" pitchFamily="49" charset="0"/>
-              </a:rPr>
-              <a:t>print</a:t>
-            </a:r>
-            <a:r>
-              <a:rPr lang="en-US" sz="1600" dirty="0">
-                <a:solidFill>
-                  <a:srgbClr val="D4D4D4"/>
-                </a:solidFill>
-                <a:latin typeface="Consolas" panose="020B0609020204030204" pitchFamily="49" charset="0"/>
-              </a:rPr>
-              <a:t>(statement)</a:t>
-            </a:r>
-          </a:p>
-        </p:txBody>
-      </p:sp>
-    </p:spTree>
-    <p:extLst>
-      <p:ext uri="{BB962C8B-B14F-4D97-AF65-F5344CB8AC3E}">
-        <p14:creationId xmlns:p14="http://schemas.microsoft.com/office/powerpoint/2010/main" val="2465564785"/>
-      </p:ext>
-    </p:extLst>
-  </p:cSld>
-  <p:clrMapOvr>
-    <a:masterClrMapping/>
-  </p:clrMapOvr>
-</p:sld>
-</file>
-
-<file path=ppt/slides/slide5.xml><?xml version="1.0" encoding="utf-8"?>
-<p:sld xmlns:a="http://schemas.openxmlformats.org/drawingml/2006/main" xmlns:r="http://schemas.openxmlformats.org/officeDocument/2006/relationships" xmlns:p="http://schemas.openxmlformats.org/presentationml/2006/main">
-  <p:cSld>
-    <p:spTree>
-      <p:nvGrpSpPr>
-        <p:cNvPr id="1" name=""/>
-        <p:cNvGrpSpPr/>
-        <p:nvPr/>
-      </p:nvGrpSpPr>
-      <p:grpSpPr>
-        <a:xfrm>
-          <a:off x="0" y="0"/>
-          <a:ext cx="0" cy="0"/>
-          <a:chOff x="0" y="0"/>
-          <a:chExt cx="0" cy="0"/>
-        </a:xfrm>
-      </p:grpSpPr>
-      <p:sp>
-        <p:nvSpPr>
-          <p:cNvPr id="2" name="Title 1">
-            <a:extLst>
-              <a:ext uri="{FF2B5EF4-FFF2-40B4-BE49-F238E27FC236}">
-                <a16:creationId xmlns:a16="http://schemas.microsoft.com/office/drawing/2014/main" id="{261C0A93-96AA-44E0-B3D6-FF0275AF9274}"/>
-              </a:ext>
-            </a:extLst>
-          </p:cNvPr>
-          <p:cNvSpPr>
-            <a:spLocks noGrp="1"/>
-          </p:cNvSpPr>
-          <p:nvPr>
-            <p:ph type="ctrTitle"/>
-          </p:nvPr>
-        </p:nvSpPr>
-        <p:spPr/>
-        <p:txBody>
-          <a:bodyPr/>
-          <a:lstStyle/>
-          <a:p>
-            <a:r>
-              <a:rPr lang="en-US" dirty="0"/>
-              <a:t>Expressions</a:t>
-            </a:r>
-          </a:p>
-        </p:txBody>
-      </p:sp>
-      <p:sp>
-        <p:nvSpPr>
-          <p:cNvPr id="3" name="Subtitle 2">
-            <a:extLst>
-              <a:ext uri="{FF2B5EF4-FFF2-40B4-BE49-F238E27FC236}">
-                <a16:creationId xmlns:a16="http://schemas.microsoft.com/office/drawing/2014/main" id="{B2892487-6D5E-41D3-98F0-29EC71A8422C}"/>
-              </a:ext>
-            </a:extLst>
-          </p:cNvPr>
-          <p:cNvSpPr>
-            <a:spLocks noGrp="1"/>
-          </p:cNvSpPr>
-          <p:nvPr>
-            <p:ph type="subTitle" idx="1"/>
-          </p:nvPr>
-        </p:nvSpPr>
-        <p:spPr/>
-        <p:txBody>
-          <a:bodyPr/>
-          <a:lstStyle/>
-          <a:p>
-            <a:endParaRPr lang="en-US" dirty="0"/>
-          </a:p>
-        </p:txBody>
-      </p:sp>
-    </p:spTree>
-    <p:extLst>
-      <p:ext uri="{BB962C8B-B14F-4D97-AF65-F5344CB8AC3E}">
-        <p14:creationId xmlns:p14="http://schemas.microsoft.com/office/powerpoint/2010/main" val="669704281"/>
-      </p:ext>
-    </p:extLst>
-  </p:cSld>
-  <p:clrMapOvr>
-    <a:masterClrMapping/>
-  </p:clrMapOvr>
-</p:sld>
-</file>
-
-<file path=ppt/slides/slide6.xml><?xml version="1.0" encoding="utf-8"?>
-<p:sld xmlns:a="http://schemas.openxmlformats.org/drawingml/2006/main" xmlns:r="http://schemas.openxmlformats.org/officeDocument/2006/relationships" xmlns:p="http://schemas.openxmlformats.org/presentationml/2006/main">
-  <p:cSld>
-    <p:spTree>
-      <p:nvGrpSpPr>
-        <p:cNvPr id="1" name=""/>
-        <p:cNvGrpSpPr/>
-        <p:nvPr/>
-      </p:nvGrpSpPr>
-      <p:grpSpPr>
-        <a:xfrm>
-          <a:off x="0" y="0"/>
-          <a:ext cx="0" cy="0"/>
-          <a:chOff x="0" y="0"/>
-          <a:chExt cx="0" cy="0"/>
-        </a:xfrm>
-      </p:grpSpPr>
-      <p:sp>
-        <p:nvSpPr>
-          <p:cNvPr id="8" name="Content Placeholder 2">
-            <a:extLst>
-              <a:ext uri="{FF2B5EF4-FFF2-40B4-BE49-F238E27FC236}">
-                <a16:creationId xmlns:a16="http://schemas.microsoft.com/office/drawing/2014/main" id="{2CC98C95-EF5B-5647-93AC-77122809140D}"/>
-              </a:ext>
-            </a:extLst>
-          </p:cNvPr>
-          <p:cNvSpPr>
-            <a:spLocks noGrp="1"/>
-          </p:cNvSpPr>
-          <p:nvPr>
-            <p:ph idx="1"/>
-          </p:nvPr>
-        </p:nvSpPr>
-        <p:spPr>
-          <a:xfrm>
-            <a:off x="838200" y="574389"/>
-            <a:ext cx="10166797" cy="510980"/>
-          </a:xfrm>
-        </p:spPr>
-        <p:txBody>
-          <a:bodyPr>
-            <a:normAutofit lnSpcReduction="10000"/>
-          </a:bodyPr>
-          <a:lstStyle/>
-          <a:p>
-            <a:pPr marL="0" indent="0">
-              <a:buNone/>
-            </a:pPr>
-            <a:r>
-              <a:rPr lang="en-US" sz="3200" dirty="0"/>
-              <a:t>The C++ Way:</a:t>
-            </a:r>
-          </a:p>
-        </p:txBody>
-      </p:sp>
-      <p:sp>
-        <p:nvSpPr>
-          <p:cNvPr id="9" name="Content Placeholder 2">
-            <a:extLst>
-              <a:ext uri="{FF2B5EF4-FFF2-40B4-BE49-F238E27FC236}">
-                <a16:creationId xmlns:a16="http://schemas.microsoft.com/office/drawing/2014/main" id="{1C1B0CE5-0394-B648-A4DE-D2ED92908194}"/>
-              </a:ext>
-            </a:extLst>
-          </p:cNvPr>
-          <p:cNvSpPr txBox="1">
-            <a:spLocks/>
-          </p:cNvSpPr>
-          <p:nvPr/>
-        </p:nvSpPr>
-        <p:spPr>
-          <a:xfrm>
-            <a:off x="838200" y="3474656"/>
-            <a:ext cx="10166797" cy="510980"/>
-          </a:xfrm>
-          <a:prstGeom prst="rect">
-            <a:avLst/>
-          </a:prstGeom>
-        </p:spPr>
-        <p:txBody>
-          <a:bodyPr vert="horz" lIns="91440" tIns="45720" rIns="91440" bIns="45720" rtlCol="0">
-            <a:normAutofit lnSpcReduction="10000"/>
-          </a:bodyPr>
-          <a:lstStyle>
-            <a:lvl1pPr marL="228600" indent="-228600" algn="l" defTabSz="914400" rtl="0" eaLnBrk="1" latinLnBrk="0" hangingPunct="1">
-              <a:lnSpc>
-                <a:spcPct val="90000"/>
-              </a:lnSpc>
-              <a:spcBef>
-                <a:spcPts val="1000"/>
-              </a:spcBef>
-              <a:buFont typeface="Arial" panose="020B0604020202020204" pitchFamily="34" charset="0"/>
-              <a:buChar char="•"/>
-              <a:defRPr sz="2800" kern="1200">
-                <a:solidFill>
-                  <a:schemeClr val="tx1"/>
-                </a:solidFill>
-                <a:latin typeface="+mn-lt"/>
-                <a:ea typeface="+mn-ea"/>
-                <a:cs typeface="+mn-cs"/>
-              </a:defRPr>
-            </a:lvl1pPr>
-            <a:lvl2pPr marL="685800" indent="-228600" algn="l" defTabSz="914400" rtl="0" eaLnBrk="1" latinLnBrk="0" hangingPunct="1">
-              <a:lnSpc>
-                <a:spcPct val="90000"/>
-              </a:lnSpc>
-              <a:spcBef>
-                <a:spcPts val="500"/>
-              </a:spcBef>
-              <a:buFont typeface="Arial" panose="020B0604020202020204" pitchFamily="34" charset="0"/>
-              <a:buChar char="•"/>
-              <a:defRPr sz="2400" kern="1200">
-                <a:solidFill>
-                  <a:schemeClr val="tx1"/>
-                </a:solidFill>
-                <a:latin typeface="+mn-lt"/>
-                <a:ea typeface="+mn-ea"/>
-                <a:cs typeface="+mn-cs"/>
-              </a:defRPr>
-            </a:lvl2pPr>
-            <a:lvl3pPr marL="1143000" indent="-228600" algn="l" defTabSz="914400" rtl="0" eaLnBrk="1" latinLnBrk="0" hangingPunct="1">
-              <a:lnSpc>
-                <a:spcPct val="90000"/>
-              </a:lnSpc>
-              <a:spcBef>
-                <a:spcPts val="500"/>
-              </a:spcBef>
-              <a:buFont typeface="Arial" panose="020B0604020202020204" pitchFamily="34" charset="0"/>
-              <a:buChar char="•"/>
-              <a:defRPr sz="2000" kern="1200">
-                <a:solidFill>
-                  <a:schemeClr val="tx1"/>
-                </a:solidFill>
-                <a:latin typeface="+mn-lt"/>
-                <a:ea typeface="+mn-ea"/>
-                <a:cs typeface="+mn-cs"/>
-              </a:defRPr>
-            </a:lvl3pPr>
-            <a:lvl4pPr marL="1600200" indent="-228600" algn="l" defTabSz="914400" rtl="0" eaLnBrk="1" latinLnBrk="0" hangingPunct="1">
-              <a:lnSpc>
-                <a:spcPct val="90000"/>
-              </a:lnSpc>
-              <a:spcBef>
-                <a:spcPts val="500"/>
-              </a:spcBef>
-              <a:buFont typeface="Arial" panose="020B0604020202020204" pitchFamily="34" charset="0"/>
-              <a:buChar char="•"/>
-              <a:defRPr sz="1800" kern="1200">
-                <a:solidFill>
-                  <a:schemeClr val="tx1"/>
-                </a:solidFill>
-                <a:latin typeface="+mn-lt"/>
-                <a:ea typeface="+mn-ea"/>
-                <a:cs typeface="+mn-cs"/>
-              </a:defRPr>
-            </a:lvl4pPr>
-            <a:lvl5pPr marL="2057400" indent="-228600" algn="l" defTabSz="914400" rtl="0" eaLnBrk="1" latinLnBrk="0" hangingPunct="1">
-              <a:lnSpc>
-                <a:spcPct val="90000"/>
-              </a:lnSpc>
-              <a:spcBef>
-                <a:spcPts val="500"/>
-              </a:spcBef>
-              <a:buFont typeface="Arial" panose="020B0604020202020204" pitchFamily="34" charset="0"/>
-              <a:buChar char="•"/>
-              <a:defRPr sz="1800" kern="1200">
-                <a:solidFill>
-                  <a:schemeClr val="tx1"/>
-                </a:solidFill>
-                <a:latin typeface="+mn-lt"/>
-                <a:ea typeface="+mn-ea"/>
-                <a:cs typeface="+mn-cs"/>
-              </a:defRPr>
-            </a:lvl5pPr>
-            <a:lvl6pPr marL="2514600" indent="-228600" algn="l" defTabSz="914400" rtl="0" eaLnBrk="1" latinLnBrk="0" hangingPunct="1">
-              <a:lnSpc>
-                <a:spcPct val="90000"/>
-              </a:lnSpc>
-              <a:spcBef>
-                <a:spcPts val="500"/>
-              </a:spcBef>
-              <a:buFont typeface="Arial" panose="020B0604020202020204" pitchFamily="34" charset="0"/>
-              <a:buChar char="•"/>
-              <a:defRPr sz="1800" kern="1200">
-                <a:solidFill>
-                  <a:schemeClr val="tx1"/>
-                </a:solidFill>
-                <a:latin typeface="+mn-lt"/>
-                <a:ea typeface="+mn-ea"/>
-                <a:cs typeface="+mn-cs"/>
-              </a:defRPr>
-            </a:lvl6pPr>
-            <a:lvl7pPr marL="2971800" indent="-228600" algn="l" defTabSz="914400" rtl="0" eaLnBrk="1" latinLnBrk="0" hangingPunct="1">
-              <a:lnSpc>
-                <a:spcPct val="90000"/>
-              </a:lnSpc>
-              <a:spcBef>
-                <a:spcPts val="500"/>
-              </a:spcBef>
-              <a:buFont typeface="Arial" panose="020B0604020202020204" pitchFamily="34" charset="0"/>
-              <a:buChar char="•"/>
-              <a:defRPr sz="1800" kern="1200">
-                <a:solidFill>
-                  <a:schemeClr val="tx1"/>
-                </a:solidFill>
-                <a:latin typeface="+mn-lt"/>
-                <a:ea typeface="+mn-ea"/>
-                <a:cs typeface="+mn-cs"/>
-              </a:defRPr>
-            </a:lvl7pPr>
-            <a:lvl8pPr marL="3429000" indent="-228600" algn="l" defTabSz="914400" rtl="0" eaLnBrk="1" latinLnBrk="0" hangingPunct="1">
-              <a:lnSpc>
-                <a:spcPct val="90000"/>
-              </a:lnSpc>
-              <a:spcBef>
-                <a:spcPts val="500"/>
-              </a:spcBef>
-              <a:buFont typeface="Arial" panose="020B0604020202020204" pitchFamily="34" charset="0"/>
-              <a:buChar char="•"/>
-              <a:defRPr sz="1800" kern="1200">
-                <a:solidFill>
-                  <a:schemeClr val="tx1"/>
-                </a:solidFill>
-                <a:latin typeface="+mn-lt"/>
-                <a:ea typeface="+mn-ea"/>
-                <a:cs typeface="+mn-cs"/>
-              </a:defRPr>
-            </a:lvl8pPr>
-            <a:lvl9pPr marL="3886200" indent="-228600" algn="l" defTabSz="914400" rtl="0" eaLnBrk="1" latinLnBrk="0" hangingPunct="1">
-              <a:lnSpc>
-                <a:spcPct val="90000"/>
-              </a:lnSpc>
-              <a:spcBef>
-                <a:spcPts val="500"/>
-              </a:spcBef>
-              <a:buFont typeface="Arial" panose="020B0604020202020204" pitchFamily="34" charset="0"/>
-              <a:buChar char="•"/>
-              <a:defRPr sz="1800" kern="1200">
-                <a:solidFill>
-                  <a:schemeClr val="tx1"/>
-                </a:solidFill>
-                <a:latin typeface="+mn-lt"/>
-                <a:ea typeface="+mn-ea"/>
-                <a:cs typeface="+mn-cs"/>
-              </a:defRPr>
-            </a:lvl9pPr>
-          </a:lstStyle>
-          <a:p>
-            <a:pPr marL="0" indent="0">
-              <a:buFont typeface="Arial" panose="020B0604020202020204" pitchFamily="34" charset="0"/>
-              <a:buNone/>
-            </a:pPr>
-            <a:r>
-              <a:rPr lang="en-US" sz="3200" dirty="0"/>
-              <a:t>The Python Way:</a:t>
-            </a:r>
-          </a:p>
-        </p:txBody>
-      </p:sp>
-      <p:sp>
-        <p:nvSpPr>
-          <p:cNvPr id="11" name="Rectangle 10">
-            <a:extLst>
-              <a:ext uri="{FF2B5EF4-FFF2-40B4-BE49-F238E27FC236}">
-                <a16:creationId xmlns:a16="http://schemas.microsoft.com/office/drawing/2014/main" id="{4B9D76A6-B805-3D4A-A2C0-449A63350EE4}"/>
-              </a:ext>
-            </a:extLst>
-          </p:cNvPr>
-          <p:cNvSpPr/>
-          <p:nvPr/>
-        </p:nvSpPr>
-        <p:spPr>
-          <a:xfrm>
-            <a:off x="838200" y="1085369"/>
-            <a:ext cx="10166797" cy="2062103"/>
-          </a:xfrm>
-          <a:prstGeom prst="rect">
-            <a:avLst/>
-          </a:prstGeom>
-          <a:solidFill>
-            <a:schemeClr val="bg2">
-              <a:lumMod val="25000"/>
-            </a:schemeClr>
-          </a:solidFill>
-        </p:spPr>
-        <p:txBody>
-          <a:bodyPr wrap="square">
-            <a:spAutoFit/>
-          </a:bodyPr>
-          <a:lstStyle/>
-          <a:p>
-            <a:r>
-              <a:rPr lang="en-US" sz="1600" dirty="0">
-                <a:solidFill>
-                  <a:srgbClr val="6A9A55"/>
-                </a:solidFill>
-                <a:latin typeface="Menlo-Regular"/>
-              </a:rPr>
-              <a:t>// declare a variable</a:t>
-            </a:r>
-          </a:p>
-          <a:p>
-            <a:r>
-              <a:rPr lang="en-US" sz="1600" dirty="0">
-                <a:solidFill>
-                  <a:srgbClr val="569DD7"/>
-                </a:solidFill>
-                <a:latin typeface="Menlo-Regular"/>
-              </a:rPr>
-              <a:t>int </a:t>
-            </a:r>
-            <a:r>
-              <a:rPr lang="en-US" sz="1600" dirty="0">
-                <a:solidFill>
-                  <a:srgbClr val="D5D5D5"/>
-                </a:solidFill>
-                <a:latin typeface="Menlo-Regular"/>
-              </a:rPr>
-              <a:t>age = </a:t>
-            </a:r>
-            <a:r>
-              <a:rPr lang="en-US" sz="1600" dirty="0">
-                <a:solidFill>
-                  <a:srgbClr val="B6CFA9"/>
-                </a:solidFill>
-                <a:latin typeface="Menlo-Regular"/>
-              </a:rPr>
-              <a:t>37</a:t>
-            </a:r>
-            <a:r>
-              <a:rPr lang="en-US" sz="1600" dirty="0">
-                <a:solidFill>
-                  <a:srgbClr val="D5D5D5"/>
-                </a:solidFill>
-                <a:latin typeface="Menlo-Regular"/>
-              </a:rPr>
-              <a:t>;</a:t>
-            </a:r>
-          </a:p>
-          <a:p>
-            <a:r>
-              <a:rPr lang="en-US" sz="1600" dirty="0">
-                <a:solidFill>
-                  <a:srgbClr val="6A9A55"/>
-                </a:solidFill>
-                <a:latin typeface="Menlo-Regular"/>
-              </a:rPr>
-              <a:t>// assign a new value to the variable</a:t>
-            </a:r>
-          </a:p>
-          <a:p>
-            <a:r>
-              <a:rPr lang="en-US" sz="1600" dirty="0">
-                <a:solidFill>
-                  <a:srgbClr val="D5D5D5"/>
-                </a:solidFill>
-                <a:latin typeface="Menlo-Regular"/>
-              </a:rPr>
-              <a:t>age = </a:t>
-            </a:r>
-            <a:r>
-              <a:rPr lang="en-US" sz="1600" dirty="0">
-                <a:solidFill>
-                  <a:srgbClr val="B6CFA9"/>
-                </a:solidFill>
-                <a:latin typeface="Menlo-Regular"/>
-              </a:rPr>
-              <a:t>28</a:t>
-            </a:r>
-            <a:r>
-              <a:rPr lang="en-US" sz="1600" dirty="0">
-                <a:solidFill>
-                  <a:srgbClr val="D5D5D5"/>
-                </a:solidFill>
-                <a:latin typeface="Menlo-Regular"/>
-              </a:rPr>
-              <a:t>;</a:t>
-            </a:r>
-          </a:p>
-          <a:p>
-            <a:r>
-              <a:rPr lang="en-US" sz="1600" dirty="0">
-                <a:solidFill>
-                  <a:srgbClr val="6A9A55"/>
-                </a:solidFill>
-                <a:latin typeface="Menlo-Regular"/>
-              </a:rPr>
-              <a:t>// examples of some simple expressions</a:t>
-            </a:r>
-          </a:p>
-          <a:p>
-            <a:r>
-              <a:rPr lang="en-US" sz="1600" dirty="0">
-                <a:solidFill>
-                  <a:srgbClr val="D5D5D5"/>
-                </a:solidFill>
-                <a:latin typeface="Menlo-Regular"/>
-              </a:rPr>
-              <a:t>age++; </a:t>
-            </a:r>
-            <a:r>
-              <a:rPr lang="en-US" sz="1600" dirty="0">
-                <a:solidFill>
-                  <a:srgbClr val="6A9A55"/>
-                </a:solidFill>
-                <a:latin typeface="Menlo-Regular"/>
-              </a:rPr>
-              <a:t>// age is now 29</a:t>
-            </a:r>
-          </a:p>
-          <a:p>
-            <a:r>
-              <a:rPr lang="en-US" sz="1600" dirty="0">
-                <a:solidFill>
-                  <a:srgbClr val="D5D5D5"/>
-                </a:solidFill>
-                <a:latin typeface="Menlo-Regular"/>
-              </a:rPr>
-              <a:t>age = age * </a:t>
-            </a:r>
-            <a:r>
-              <a:rPr lang="en-US" sz="1600" dirty="0">
-                <a:solidFill>
-                  <a:srgbClr val="B6CFA9"/>
-                </a:solidFill>
-                <a:latin typeface="Menlo-Regular"/>
-              </a:rPr>
-              <a:t>2</a:t>
-            </a:r>
-            <a:r>
-              <a:rPr lang="en-US" sz="1600" dirty="0">
-                <a:solidFill>
-                  <a:srgbClr val="D5D5D5"/>
-                </a:solidFill>
-                <a:latin typeface="Menlo-Regular"/>
-              </a:rPr>
-              <a:t>; </a:t>
-            </a:r>
-            <a:r>
-              <a:rPr lang="en-US" sz="1600" dirty="0">
-                <a:solidFill>
-                  <a:srgbClr val="6A9A55"/>
-                </a:solidFill>
-                <a:latin typeface="Menlo-Regular"/>
-              </a:rPr>
-              <a:t>// age is now 58</a:t>
-            </a:r>
-          </a:p>
-          <a:p>
-            <a:r>
-              <a:rPr lang="en-US" sz="1600" dirty="0">
-                <a:solidFill>
-                  <a:srgbClr val="D5D5D5"/>
-                </a:solidFill>
-                <a:latin typeface="Menlo-Regular"/>
-              </a:rPr>
-              <a:t>age = age - </a:t>
-            </a:r>
-            <a:r>
-              <a:rPr lang="en-US" sz="1600" dirty="0">
-                <a:solidFill>
-                  <a:srgbClr val="B6CFA9"/>
-                </a:solidFill>
-                <a:latin typeface="Menlo-Regular"/>
-              </a:rPr>
-              <a:t>13</a:t>
-            </a:r>
-            <a:r>
-              <a:rPr lang="en-US" sz="1600" dirty="0">
-                <a:solidFill>
-                  <a:srgbClr val="D5D5D5"/>
-                </a:solidFill>
-                <a:latin typeface="Menlo-Regular"/>
-              </a:rPr>
-              <a:t>; </a:t>
-            </a:r>
-            <a:r>
-              <a:rPr lang="en-US" sz="1600" dirty="0">
-                <a:solidFill>
-                  <a:srgbClr val="6A9A55"/>
-                </a:solidFill>
-                <a:latin typeface="Menlo-Regular"/>
-              </a:rPr>
-              <a:t>// age is now 45</a:t>
-            </a:r>
-            <a:endParaRPr lang="en-US" sz="1600" dirty="0">
-              <a:solidFill>
-                <a:srgbClr val="D4D4D4"/>
-              </a:solidFill>
-              <a:latin typeface="Menlo" panose="020B0609030804020204" pitchFamily="49" charset="0"/>
-            </a:endParaRPr>
-          </a:p>
-        </p:txBody>
-      </p:sp>
-      <p:sp>
-        <p:nvSpPr>
-          <p:cNvPr id="12" name="Rectangle 11">
-            <a:extLst>
-              <a:ext uri="{FF2B5EF4-FFF2-40B4-BE49-F238E27FC236}">
-                <a16:creationId xmlns:a16="http://schemas.microsoft.com/office/drawing/2014/main" id="{33BDF2E5-77B7-CA49-86A5-C9D4869BA292}"/>
-              </a:ext>
-            </a:extLst>
-          </p:cNvPr>
-          <p:cNvSpPr/>
-          <p:nvPr/>
-        </p:nvSpPr>
-        <p:spPr>
-          <a:xfrm>
-            <a:off x="838200" y="3985635"/>
-            <a:ext cx="10166797" cy="1815882"/>
-          </a:xfrm>
-          <a:prstGeom prst="rect">
-            <a:avLst/>
-          </a:prstGeom>
-          <a:solidFill>
-            <a:schemeClr val="bg2">
-              <a:lumMod val="25000"/>
-            </a:schemeClr>
-          </a:solidFill>
-        </p:spPr>
-        <p:txBody>
-          <a:bodyPr wrap="square">
-            <a:spAutoFit/>
-          </a:bodyPr>
-          <a:lstStyle/>
-          <a:p>
-            <a:r>
-              <a:rPr lang="en-US" sz="1600" dirty="0">
-                <a:solidFill>
-                  <a:srgbClr val="6A9955"/>
-                </a:solidFill>
-                <a:latin typeface="Consolas" panose="020B0609020204030204" pitchFamily="49" charset="0"/>
-              </a:rPr>
-              <a:t># declare a variable</a:t>
-            </a:r>
-            <a:endParaRPr lang="en-US" sz="1600" dirty="0">
-              <a:solidFill>
-                <a:srgbClr val="D4D4D4"/>
-              </a:solidFill>
-              <a:latin typeface="Consolas" panose="020B0609020204030204" pitchFamily="49" charset="0"/>
-            </a:endParaRPr>
-          </a:p>
-          <a:p>
-            <a:r>
-              <a:rPr lang="en-US" sz="1600" dirty="0">
-                <a:solidFill>
-                  <a:srgbClr val="D4D4D4"/>
-                </a:solidFill>
-                <a:latin typeface="Consolas" panose="020B0609020204030204" pitchFamily="49" charset="0"/>
-              </a:rPr>
-              <a:t>age = </a:t>
-            </a:r>
-            <a:r>
-              <a:rPr lang="en-US" sz="1600" dirty="0">
-                <a:solidFill>
-                  <a:srgbClr val="B5CEA8"/>
-                </a:solidFill>
-                <a:latin typeface="Consolas" panose="020B0609020204030204" pitchFamily="49" charset="0"/>
-              </a:rPr>
-              <a:t>37</a:t>
-            </a:r>
-            <a:endParaRPr lang="en-US" sz="1600" dirty="0">
-              <a:solidFill>
-                <a:srgbClr val="D4D4D4"/>
-              </a:solidFill>
-              <a:latin typeface="Consolas" panose="020B0609020204030204" pitchFamily="49" charset="0"/>
-            </a:endParaRPr>
-          </a:p>
-          <a:p>
-            <a:r>
-              <a:rPr lang="en-US" sz="1600" dirty="0">
-                <a:solidFill>
-                  <a:srgbClr val="6A9955"/>
-                </a:solidFill>
-                <a:latin typeface="Consolas" panose="020B0609020204030204" pitchFamily="49" charset="0"/>
-              </a:rPr>
-              <a:t># assign a new value to the variable</a:t>
-            </a:r>
-            <a:endParaRPr lang="en-US" sz="1600" dirty="0">
-              <a:solidFill>
-                <a:srgbClr val="D4D4D4"/>
-              </a:solidFill>
-              <a:latin typeface="Consolas" panose="020B0609020204030204" pitchFamily="49" charset="0"/>
-            </a:endParaRPr>
-          </a:p>
-          <a:p>
-            <a:r>
-              <a:rPr lang="en-US" sz="1600" dirty="0">
-                <a:solidFill>
-                  <a:srgbClr val="D4D4D4"/>
-                </a:solidFill>
-                <a:latin typeface="Consolas" panose="020B0609020204030204" pitchFamily="49" charset="0"/>
-              </a:rPr>
-              <a:t>age = </a:t>
-            </a:r>
-            <a:r>
-              <a:rPr lang="en-US" sz="1600" dirty="0">
-                <a:solidFill>
-                  <a:srgbClr val="B5CEA8"/>
-                </a:solidFill>
-                <a:latin typeface="Consolas" panose="020B0609020204030204" pitchFamily="49" charset="0"/>
-              </a:rPr>
-              <a:t>28</a:t>
-            </a:r>
-            <a:endParaRPr lang="en-US" sz="1600" dirty="0">
-              <a:solidFill>
-                <a:srgbClr val="D4D4D4"/>
-              </a:solidFill>
-              <a:latin typeface="Consolas" panose="020B0609020204030204" pitchFamily="49" charset="0"/>
-            </a:endParaRPr>
-          </a:p>
-          <a:p>
-            <a:r>
-              <a:rPr lang="en-US" sz="1600" dirty="0">
-                <a:solidFill>
-                  <a:srgbClr val="6A9955"/>
-                </a:solidFill>
-                <a:latin typeface="Consolas" panose="020B0609020204030204" pitchFamily="49" charset="0"/>
-              </a:rPr>
-              <a:t># examples of some simple expressions</a:t>
-            </a:r>
-            <a:endParaRPr lang="en-US" sz="1600" dirty="0">
-              <a:solidFill>
-                <a:srgbClr val="D4D4D4"/>
-              </a:solidFill>
-              <a:latin typeface="Consolas" panose="020B0609020204030204" pitchFamily="49" charset="0"/>
-            </a:endParaRPr>
-          </a:p>
-          <a:p>
-            <a:r>
-              <a:rPr lang="en-US" sz="1600" dirty="0">
-                <a:solidFill>
-                  <a:srgbClr val="D4D4D4"/>
-                </a:solidFill>
-                <a:latin typeface="Consolas" panose="020B0609020204030204" pitchFamily="49" charset="0"/>
-              </a:rPr>
-              <a:t>age = age * </a:t>
-            </a:r>
-            <a:r>
-              <a:rPr lang="en-US" sz="1600" dirty="0">
-                <a:solidFill>
-                  <a:srgbClr val="B5CEA8"/>
-                </a:solidFill>
-                <a:latin typeface="Consolas" panose="020B0609020204030204" pitchFamily="49" charset="0"/>
-              </a:rPr>
-              <a:t>2</a:t>
-            </a:r>
-            <a:r>
-              <a:rPr lang="en-US" sz="1600" dirty="0">
-                <a:solidFill>
-                  <a:srgbClr val="D4D4D4"/>
-                </a:solidFill>
-                <a:latin typeface="Consolas" panose="020B0609020204030204" pitchFamily="49" charset="0"/>
-              </a:rPr>
-              <a:t> </a:t>
-            </a:r>
-            <a:r>
-              <a:rPr lang="en-US" sz="1600" dirty="0">
-                <a:solidFill>
-                  <a:srgbClr val="6A9955"/>
-                </a:solidFill>
-                <a:latin typeface="Consolas" panose="020B0609020204030204" pitchFamily="49" charset="0"/>
-              </a:rPr>
-              <a:t># age is now 56</a:t>
-            </a:r>
-            <a:endParaRPr lang="en-US" sz="1600" dirty="0">
-              <a:solidFill>
-                <a:srgbClr val="D4D4D4"/>
-              </a:solidFill>
-              <a:latin typeface="Consolas" panose="020B0609020204030204" pitchFamily="49" charset="0"/>
-            </a:endParaRPr>
-          </a:p>
-          <a:p>
-            <a:r>
-              <a:rPr lang="en-US" sz="1600" dirty="0">
-                <a:solidFill>
-                  <a:srgbClr val="D4D4D4"/>
-                </a:solidFill>
-                <a:latin typeface="Consolas" panose="020B0609020204030204" pitchFamily="49" charset="0"/>
-              </a:rPr>
-              <a:t>age = age - </a:t>
-            </a:r>
-            <a:r>
-              <a:rPr lang="en-US" sz="1600" dirty="0">
-                <a:solidFill>
-                  <a:srgbClr val="B5CEA8"/>
-                </a:solidFill>
-                <a:latin typeface="Consolas" panose="020B0609020204030204" pitchFamily="49" charset="0"/>
-              </a:rPr>
-              <a:t>13</a:t>
-            </a:r>
-            <a:r>
-              <a:rPr lang="en-US" sz="1600" dirty="0">
-                <a:solidFill>
-                  <a:srgbClr val="D4D4D4"/>
-                </a:solidFill>
-                <a:latin typeface="Consolas" panose="020B0609020204030204" pitchFamily="49" charset="0"/>
-              </a:rPr>
-              <a:t> </a:t>
-            </a:r>
-            <a:r>
-              <a:rPr lang="en-US" sz="1600" dirty="0">
-                <a:solidFill>
-                  <a:srgbClr val="6A9955"/>
-                </a:solidFill>
-                <a:latin typeface="Consolas" panose="020B0609020204030204" pitchFamily="49" charset="0"/>
-              </a:rPr>
-              <a:t># age is now 43</a:t>
-            </a:r>
-            <a:endParaRPr lang="en-US" sz="1600" dirty="0">
-              <a:solidFill>
-                <a:srgbClr val="D4D4D4"/>
-              </a:solidFill>
-              <a:latin typeface="Consolas" panose="020B0609020204030204" pitchFamily="49" charset="0"/>
-            </a:endParaRPr>
-          </a:p>
-        </p:txBody>
-      </p:sp>
-      <p:sp>
-        <p:nvSpPr>
-          <p:cNvPr id="15" name="Content Placeholder 2">
-            <a:extLst>
-              <a:ext uri="{FF2B5EF4-FFF2-40B4-BE49-F238E27FC236}">
-                <a16:creationId xmlns:a16="http://schemas.microsoft.com/office/drawing/2014/main" id="{365CBC1B-1E2F-47AA-AC1E-10EDD33E5716}"/>
-              </a:ext>
-            </a:extLst>
-          </p:cNvPr>
-          <p:cNvSpPr txBox="1">
-            <a:spLocks/>
-          </p:cNvSpPr>
-          <p:nvPr/>
-        </p:nvSpPr>
-        <p:spPr>
-          <a:xfrm>
-            <a:off x="842499" y="6009631"/>
-            <a:ext cx="10166797" cy="510980"/>
-          </a:xfrm>
-          <a:prstGeom prst="rect">
-            <a:avLst/>
-          </a:prstGeom>
-        </p:spPr>
-        <p:txBody>
-          <a:bodyPr vert="horz" lIns="91440" tIns="45720" rIns="91440" bIns="45720" rtlCol="0">
-            <a:normAutofit/>
-          </a:bodyPr>
-          <a:lstStyle>
-            <a:lvl1pPr marL="228600" indent="-228600" algn="l" defTabSz="914400" rtl="0" eaLnBrk="1" latinLnBrk="0" hangingPunct="1">
-              <a:lnSpc>
-                <a:spcPct val="90000"/>
-              </a:lnSpc>
-              <a:spcBef>
-                <a:spcPts val="1000"/>
-              </a:spcBef>
-              <a:buFont typeface="Arial" panose="020B0604020202020204" pitchFamily="34" charset="0"/>
-              <a:buChar char="•"/>
-              <a:defRPr sz="2800" kern="1200">
-                <a:solidFill>
-                  <a:schemeClr val="tx1"/>
-                </a:solidFill>
-                <a:latin typeface="+mn-lt"/>
-                <a:ea typeface="+mn-ea"/>
-                <a:cs typeface="+mn-cs"/>
-              </a:defRPr>
-            </a:lvl1pPr>
-            <a:lvl2pPr marL="685800" indent="-228600" algn="l" defTabSz="914400" rtl="0" eaLnBrk="1" latinLnBrk="0" hangingPunct="1">
-              <a:lnSpc>
-                <a:spcPct val="90000"/>
-              </a:lnSpc>
-              <a:spcBef>
-                <a:spcPts val="500"/>
-              </a:spcBef>
-              <a:buFont typeface="Arial" panose="020B0604020202020204" pitchFamily="34" charset="0"/>
-              <a:buChar char="•"/>
-              <a:defRPr sz="2400" kern="1200">
-                <a:solidFill>
-                  <a:schemeClr val="tx1"/>
-                </a:solidFill>
-                <a:latin typeface="+mn-lt"/>
-                <a:ea typeface="+mn-ea"/>
-                <a:cs typeface="+mn-cs"/>
-              </a:defRPr>
-            </a:lvl2pPr>
-            <a:lvl3pPr marL="1143000" indent="-228600" algn="l" defTabSz="914400" rtl="0" eaLnBrk="1" latinLnBrk="0" hangingPunct="1">
-              <a:lnSpc>
-                <a:spcPct val="90000"/>
-              </a:lnSpc>
-              <a:spcBef>
-                <a:spcPts val="500"/>
-              </a:spcBef>
-              <a:buFont typeface="Arial" panose="020B0604020202020204" pitchFamily="34" charset="0"/>
-              <a:buChar char="•"/>
-              <a:defRPr sz="2000" kern="1200">
-                <a:solidFill>
-                  <a:schemeClr val="tx1"/>
-                </a:solidFill>
-                <a:latin typeface="+mn-lt"/>
-                <a:ea typeface="+mn-ea"/>
-                <a:cs typeface="+mn-cs"/>
-              </a:defRPr>
-            </a:lvl3pPr>
-            <a:lvl4pPr marL="1600200" indent="-228600" algn="l" defTabSz="914400" rtl="0" eaLnBrk="1" latinLnBrk="0" hangingPunct="1">
-              <a:lnSpc>
-                <a:spcPct val="90000"/>
-              </a:lnSpc>
-              <a:spcBef>
-                <a:spcPts val="500"/>
-              </a:spcBef>
-              <a:buFont typeface="Arial" panose="020B0604020202020204" pitchFamily="34" charset="0"/>
-              <a:buChar char="•"/>
-              <a:defRPr sz="1800" kern="1200">
-                <a:solidFill>
-                  <a:schemeClr val="tx1"/>
-                </a:solidFill>
-                <a:latin typeface="+mn-lt"/>
-                <a:ea typeface="+mn-ea"/>
-                <a:cs typeface="+mn-cs"/>
-              </a:defRPr>
-            </a:lvl4pPr>
-            <a:lvl5pPr marL="2057400" indent="-228600" algn="l" defTabSz="914400" rtl="0" eaLnBrk="1" latinLnBrk="0" hangingPunct="1">
-              <a:lnSpc>
-                <a:spcPct val="90000"/>
-              </a:lnSpc>
-              <a:spcBef>
-                <a:spcPts val="500"/>
-              </a:spcBef>
-              <a:buFont typeface="Arial" panose="020B0604020202020204" pitchFamily="34" charset="0"/>
-              <a:buChar char="•"/>
-              <a:defRPr sz="1800" kern="1200">
-                <a:solidFill>
-                  <a:schemeClr val="tx1"/>
-                </a:solidFill>
-                <a:latin typeface="+mn-lt"/>
-                <a:ea typeface="+mn-ea"/>
-                <a:cs typeface="+mn-cs"/>
-              </a:defRPr>
-            </a:lvl5pPr>
-            <a:lvl6pPr marL="2514600" indent="-228600" algn="l" defTabSz="914400" rtl="0" eaLnBrk="1" latinLnBrk="0" hangingPunct="1">
-              <a:lnSpc>
-                <a:spcPct val="90000"/>
-              </a:lnSpc>
-              <a:spcBef>
-                <a:spcPts val="500"/>
-              </a:spcBef>
-              <a:buFont typeface="Arial" panose="020B0604020202020204" pitchFamily="34" charset="0"/>
-              <a:buChar char="•"/>
-              <a:defRPr sz="1800" kern="1200">
-                <a:solidFill>
-                  <a:schemeClr val="tx1"/>
-                </a:solidFill>
-                <a:latin typeface="+mn-lt"/>
-                <a:ea typeface="+mn-ea"/>
-                <a:cs typeface="+mn-cs"/>
-              </a:defRPr>
-            </a:lvl6pPr>
-            <a:lvl7pPr marL="2971800" indent="-228600" algn="l" defTabSz="914400" rtl="0" eaLnBrk="1" latinLnBrk="0" hangingPunct="1">
-              <a:lnSpc>
-                <a:spcPct val="90000"/>
-              </a:lnSpc>
-              <a:spcBef>
-                <a:spcPts val="500"/>
-              </a:spcBef>
-              <a:buFont typeface="Arial" panose="020B0604020202020204" pitchFamily="34" charset="0"/>
-              <a:buChar char="•"/>
-              <a:defRPr sz="1800" kern="1200">
-                <a:solidFill>
-                  <a:schemeClr val="tx1"/>
-                </a:solidFill>
-                <a:latin typeface="+mn-lt"/>
-                <a:ea typeface="+mn-ea"/>
-                <a:cs typeface="+mn-cs"/>
-              </a:defRPr>
-            </a:lvl7pPr>
-            <a:lvl8pPr marL="3429000" indent="-228600" algn="l" defTabSz="914400" rtl="0" eaLnBrk="1" latinLnBrk="0" hangingPunct="1">
-              <a:lnSpc>
-                <a:spcPct val="90000"/>
-              </a:lnSpc>
-              <a:spcBef>
-                <a:spcPts val="500"/>
-              </a:spcBef>
-              <a:buFont typeface="Arial" panose="020B0604020202020204" pitchFamily="34" charset="0"/>
-              <a:buChar char="•"/>
-              <a:defRPr sz="1800" kern="1200">
-                <a:solidFill>
-                  <a:schemeClr val="tx1"/>
-                </a:solidFill>
-                <a:latin typeface="+mn-lt"/>
-                <a:ea typeface="+mn-ea"/>
-                <a:cs typeface="+mn-cs"/>
-              </a:defRPr>
-            </a:lvl8pPr>
-            <a:lvl9pPr marL="3886200" indent="-228600" algn="l" defTabSz="914400" rtl="0" eaLnBrk="1" latinLnBrk="0" hangingPunct="1">
-              <a:lnSpc>
-                <a:spcPct val="90000"/>
-              </a:lnSpc>
-              <a:spcBef>
-                <a:spcPts val="500"/>
-              </a:spcBef>
-              <a:buFont typeface="Arial" panose="020B0604020202020204" pitchFamily="34" charset="0"/>
-              <a:buChar char="•"/>
-              <a:defRPr sz="1800" kern="1200">
-                <a:solidFill>
-                  <a:schemeClr val="tx1"/>
-                </a:solidFill>
-                <a:latin typeface="+mn-lt"/>
-                <a:ea typeface="+mn-ea"/>
-                <a:cs typeface="+mn-cs"/>
-              </a:defRPr>
-            </a:lvl9pPr>
-          </a:lstStyle>
-          <a:p>
-            <a:pPr marL="0" indent="0">
-              <a:buFont typeface="Arial" panose="020B0604020202020204" pitchFamily="34" charset="0"/>
-              <a:buNone/>
-            </a:pPr>
-            <a:r>
-              <a:rPr lang="en-US" sz="2400" dirty="0"/>
-              <a:t>Note: No “++” or “--” operator in Python.</a:t>
-            </a:r>
-          </a:p>
-        </p:txBody>
-      </p:sp>
-    </p:spTree>
-    <p:extLst>
-      <p:ext uri="{BB962C8B-B14F-4D97-AF65-F5344CB8AC3E}">
-        <p14:creationId xmlns:p14="http://schemas.microsoft.com/office/powerpoint/2010/main" val="2350725873"/>
-      </p:ext>
-    </p:extLst>
-  </p:cSld>
-  <p:clrMapOvr>
-    <a:masterClrMapping/>
-  </p:clrMapOvr>
-</p:sld>
-</file>
-
 <file path=ppt/slides/slide7.xml><?xml version="1.0" encoding="utf-8"?>
 <p:sld xmlns:a="http://schemas.openxmlformats.org/drawingml/2006/main" xmlns:r="http://schemas.openxmlformats.org/officeDocument/2006/relationships" xmlns:p="http://schemas.openxmlformats.org/presentationml/2006/main">
   <p:cSld>
@@ -9569,7 +9302,7 @@
           <p:cNvPr id="2" name="Title 1">
             <a:extLst>
               <a:ext uri="{FF2B5EF4-FFF2-40B4-BE49-F238E27FC236}">
-                <a16:creationId xmlns:a16="http://schemas.microsoft.com/office/drawing/2014/main" id="{261C0A93-96AA-44E0-B3D6-FF0275AF9274}"/>
+                <a16:creationId xmlns:a16="http://schemas.microsoft.com/office/drawing/2014/main" id="{8F3C2353-D7C4-4040-916A-0527F43EAEE9}"/>
               </a:ext>
             </a:extLst>
           </p:cNvPr>
@@ -9577,7 +9310,7 @@
             <a:spLocks noGrp="1"/>
           </p:cNvSpPr>
           <p:nvPr>
-            <p:ph type="ctrTitle"/>
+            <p:ph type="title"/>
           </p:nvPr>
         </p:nvSpPr>
         <p:spPr/>
@@ -9587,17 +9320,17 @@
           <a:p>
             <a:r>
               <a:rPr lang="en-US" dirty="0"/>
-              <a:t>Conditionals &amp; Branching</a:t>
+              <a:t>No Switch Statement in Python</a:t>
             </a:r>
           </a:p>
         </p:txBody>
       </p:sp>
       <p:sp>
         <p:nvSpPr>
-          <p:cNvPr id="3" name="Subtitle 2">
-            <a:extLst>
-              <a:ext uri="{FF2B5EF4-FFF2-40B4-BE49-F238E27FC236}">
-                <a16:creationId xmlns:a16="http://schemas.microsoft.com/office/drawing/2014/main" id="{B2892487-6D5E-41D3-98F0-29EC71A8422C}"/>
+          <p:cNvPr id="5" name="Content Placeholder 4">
+            <a:extLst>
+              <a:ext uri="{FF2B5EF4-FFF2-40B4-BE49-F238E27FC236}">
+                <a16:creationId xmlns:a16="http://schemas.microsoft.com/office/drawing/2014/main" id="{0BC82886-0BC4-42D8-B845-F75E02BB5576}"/>
               </a:ext>
             </a:extLst>
           </p:cNvPr>
@@ -9605,7 +9338,7 @@
             <a:spLocks noGrp="1"/>
           </p:cNvSpPr>
           <p:nvPr>
-            <p:ph type="subTitle" idx="1"/>
+            <p:ph idx="1"/>
           </p:nvPr>
         </p:nvSpPr>
         <p:spPr/>
@@ -9613,14 +9346,24 @@
           <a:bodyPr/>
           <a:lstStyle/>
           <a:p>
-            <a:endParaRPr lang="en-US" dirty="0"/>
+            <a:r>
+              <a:rPr lang="en-US" dirty="0"/>
+              <a:t>There is a way to implement the same functionality.</a:t>
+            </a:r>
+          </a:p>
+          <a:p>
+            <a:pPr lvl="1"/>
+            <a:r>
+              <a:rPr lang="en-US" dirty="0"/>
+              <a:t>Look it up if you desire.</a:t>
+            </a:r>
           </a:p>
         </p:txBody>
       </p:sp>
     </p:spTree>
     <p:extLst>
       <p:ext uri="{BB962C8B-B14F-4D97-AF65-F5344CB8AC3E}">
-        <p14:creationId xmlns:p14="http://schemas.microsoft.com/office/powerpoint/2010/main" val="1087091554"/>
+        <p14:creationId xmlns:p14="http://schemas.microsoft.com/office/powerpoint/2010/main" val="3648479693"/>
       </p:ext>
     </p:extLst>
   </p:cSld>
@@ -9670,17 +9413,22 @@
           <a:p>
             <a:r>
               <a:rPr lang="en-US" dirty="0"/>
-              <a:t>If/Else</a:t>
-            </a:r>
+              <a:t>No </a:t>
+            </a:r>
+            <a:r>
+              <a:rPr lang="en-US"/>
+              <a:t>Constant Expressions</a:t>
+            </a:r>
+            <a:endParaRPr lang="en-US" dirty="0"/>
           </a:p>
         </p:txBody>
       </p:sp>
       <p:sp>
         <p:nvSpPr>
-          <p:cNvPr id="3" name="Content Placeholder 2">
-            <a:extLst>
-              <a:ext uri="{FF2B5EF4-FFF2-40B4-BE49-F238E27FC236}">
-                <a16:creationId xmlns:a16="http://schemas.microsoft.com/office/drawing/2014/main" id="{5FB0BFB6-8226-4234-821F-8640880C3FCB}"/>
+          <p:cNvPr id="5" name="Content Placeholder 4">
+            <a:extLst>
+              <a:ext uri="{FF2B5EF4-FFF2-40B4-BE49-F238E27FC236}">
+                <a16:creationId xmlns:a16="http://schemas.microsoft.com/office/drawing/2014/main" id="{0BC82886-0BC4-42D8-B845-F75E02BB5576}"/>
               </a:ext>
             </a:extLst>
           </p:cNvPr>
@@ -9691,1552 +9439,29 @@
             <p:ph idx="1"/>
           </p:nvPr>
         </p:nvSpPr>
-        <p:spPr>
-          <a:xfrm>
-            <a:off x="838200" y="1452148"/>
-            <a:ext cx="10515600" cy="510980"/>
-          </a:xfrm>
-        </p:spPr>
+        <p:spPr/>
         <p:txBody>
-          <a:bodyPr>
-            <a:normAutofit lnSpcReduction="10000"/>
-          </a:bodyPr>
+          <a:bodyPr/>
           <a:lstStyle/>
           <a:p>
-            <a:pPr marL="0" indent="0">
-              <a:buNone/>
-            </a:pPr>
-            <a:r>
-              <a:rPr lang="en-US" sz="3200" dirty="0"/>
-              <a:t>The C++ Way:</a:t>
-            </a:r>
-          </a:p>
-        </p:txBody>
-      </p:sp>
-      <p:sp>
-        <p:nvSpPr>
-          <p:cNvPr id="6" name="Content Placeholder 2">
-            <a:extLst>
-              <a:ext uri="{FF2B5EF4-FFF2-40B4-BE49-F238E27FC236}">
-                <a16:creationId xmlns:a16="http://schemas.microsoft.com/office/drawing/2014/main" id="{B7478F0E-4980-F64C-A6A9-63D4FD84C0E7}"/>
-              </a:ext>
-            </a:extLst>
-          </p:cNvPr>
-          <p:cNvSpPr txBox="1">
-            <a:spLocks/>
-          </p:cNvSpPr>
-          <p:nvPr/>
-        </p:nvSpPr>
-        <p:spPr>
-          <a:xfrm>
-            <a:off x="838200" y="4178853"/>
-            <a:ext cx="10515600" cy="510980"/>
-          </a:xfrm>
-          <a:prstGeom prst="rect">
-            <a:avLst/>
-          </a:prstGeom>
-        </p:spPr>
-        <p:txBody>
-          <a:bodyPr vert="horz" lIns="91440" tIns="45720" rIns="91440" bIns="45720" rtlCol="0">
-            <a:normAutofit lnSpcReduction="10000"/>
-          </a:bodyPr>
-          <a:lstStyle>
-            <a:lvl1pPr marL="228600" indent="-228600" algn="l" defTabSz="914400" rtl="0" eaLnBrk="1" latinLnBrk="0" hangingPunct="1">
-              <a:lnSpc>
-                <a:spcPct val="90000"/>
-              </a:lnSpc>
-              <a:spcBef>
-                <a:spcPts val="1000"/>
-              </a:spcBef>
-              <a:buFont typeface="Arial" panose="020B0604020202020204" pitchFamily="34" charset="0"/>
-              <a:buChar char="•"/>
-              <a:defRPr sz="2800" kern="1200">
-                <a:solidFill>
-                  <a:schemeClr val="tx1"/>
-                </a:solidFill>
-                <a:latin typeface="+mn-lt"/>
-                <a:ea typeface="+mn-ea"/>
-                <a:cs typeface="+mn-cs"/>
-              </a:defRPr>
-            </a:lvl1pPr>
-            <a:lvl2pPr marL="685800" indent="-228600" algn="l" defTabSz="914400" rtl="0" eaLnBrk="1" latinLnBrk="0" hangingPunct="1">
-              <a:lnSpc>
-                <a:spcPct val="90000"/>
-              </a:lnSpc>
-              <a:spcBef>
-                <a:spcPts val="500"/>
-              </a:spcBef>
-              <a:buFont typeface="Arial" panose="020B0604020202020204" pitchFamily="34" charset="0"/>
-              <a:buChar char="•"/>
-              <a:defRPr sz="2400" kern="1200">
-                <a:solidFill>
-                  <a:schemeClr val="tx1"/>
-                </a:solidFill>
-                <a:latin typeface="+mn-lt"/>
-                <a:ea typeface="+mn-ea"/>
-                <a:cs typeface="+mn-cs"/>
-              </a:defRPr>
-            </a:lvl2pPr>
-            <a:lvl3pPr marL="1143000" indent="-228600" algn="l" defTabSz="914400" rtl="0" eaLnBrk="1" latinLnBrk="0" hangingPunct="1">
-              <a:lnSpc>
-                <a:spcPct val="90000"/>
-              </a:lnSpc>
-              <a:spcBef>
-                <a:spcPts val="500"/>
-              </a:spcBef>
-              <a:buFont typeface="Arial" panose="020B0604020202020204" pitchFamily="34" charset="0"/>
-              <a:buChar char="•"/>
-              <a:defRPr sz="2000" kern="1200">
-                <a:solidFill>
-                  <a:schemeClr val="tx1"/>
-                </a:solidFill>
-                <a:latin typeface="+mn-lt"/>
-                <a:ea typeface="+mn-ea"/>
-                <a:cs typeface="+mn-cs"/>
-              </a:defRPr>
-            </a:lvl3pPr>
-            <a:lvl4pPr marL="1600200" indent="-228600" algn="l" defTabSz="914400" rtl="0" eaLnBrk="1" latinLnBrk="0" hangingPunct="1">
-              <a:lnSpc>
-                <a:spcPct val="90000"/>
-              </a:lnSpc>
-              <a:spcBef>
-                <a:spcPts val="500"/>
-              </a:spcBef>
-              <a:buFont typeface="Arial" panose="020B0604020202020204" pitchFamily="34" charset="0"/>
-              <a:buChar char="•"/>
-              <a:defRPr sz="1800" kern="1200">
-                <a:solidFill>
-                  <a:schemeClr val="tx1"/>
-                </a:solidFill>
-                <a:latin typeface="+mn-lt"/>
-                <a:ea typeface="+mn-ea"/>
-                <a:cs typeface="+mn-cs"/>
-              </a:defRPr>
-            </a:lvl4pPr>
-            <a:lvl5pPr marL="2057400" indent="-228600" algn="l" defTabSz="914400" rtl="0" eaLnBrk="1" latinLnBrk="0" hangingPunct="1">
-              <a:lnSpc>
-                <a:spcPct val="90000"/>
-              </a:lnSpc>
-              <a:spcBef>
-                <a:spcPts val="500"/>
-              </a:spcBef>
-              <a:buFont typeface="Arial" panose="020B0604020202020204" pitchFamily="34" charset="0"/>
-              <a:buChar char="•"/>
-              <a:defRPr sz="1800" kern="1200">
-                <a:solidFill>
-                  <a:schemeClr val="tx1"/>
-                </a:solidFill>
-                <a:latin typeface="+mn-lt"/>
-                <a:ea typeface="+mn-ea"/>
-                <a:cs typeface="+mn-cs"/>
-              </a:defRPr>
-            </a:lvl5pPr>
-            <a:lvl6pPr marL="2514600" indent="-228600" algn="l" defTabSz="914400" rtl="0" eaLnBrk="1" latinLnBrk="0" hangingPunct="1">
-              <a:lnSpc>
-                <a:spcPct val="90000"/>
-              </a:lnSpc>
-              <a:spcBef>
-                <a:spcPts val="500"/>
-              </a:spcBef>
-              <a:buFont typeface="Arial" panose="020B0604020202020204" pitchFamily="34" charset="0"/>
-              <a:buChar char="•"/>
-              <a:defRPr sz="1800" kern="1200">
-                <a:solidFill>
-                  <a:schemeClr val="tx1"/>
-                </a:solidFill>
-                <a:latin typeface="+mn-lt"/>
-                <a:ea typeface="+mn-ea"/>
-                <a:cs typeface="+mn-cs"/>
-              </a:defRPr>
-            </a:lvl6pPr>
-            <a:lvl7pPr marL="2971800" indent="-228600" algn="l" defTabSz="914400" rtl="0" eaLnBrk="1" latinLnBrk="0" hangingPunct="1">
-              <a:lnSpc>
-                <a:spcPct val="90000"/>
-              </a:lnSpc>
-              <a:spcBef>
-                <a:spcPts val="500"/>
-              </a:spcBef>
-              <a:buFont typeface="Arial" panose="020B0604020202020204" pitchFamily="34" charset="0"/>
-              <a:buChar char="•"/>
-              <a:defRPr sz="1800" kern="1200">
-                <a:solidFill>
-                  <a:schemeClr val="tx1"/>
-                </a:solidFill>
-                <a:latin typeface="+mn-lt"/>
-                <a:ea typeface="+mn-ea"/>
-                <a:cs typeface="+mn-cs"/>
-              </a:defRPr>
-            </a:lvl7pPr>
-            <a:lvl8pPr marL="3429000" indent="-228600" algn="l" defTabSz="914400" rtl="0" eaLnBrk="1" latinLnBrk="0" hangingPunct="1">
-              <a:lnSpc>
-                <a:spcPct val="90000"/>
-              </a:lnSpc>
-              <a:spcBef>
-                <a:spcPts val="500"/>
-              </a:spcBef>
-              <a:buFont typeface="Arial" panose="020B0604020202020204" pitchFamily="34" charset="0"/>
-              <a:buChar char="•"/>
-              <a:defRPr sz="1800" kern="1200">
-                <a:solidFill>
-                  <a:schemeClr val="tx1"/>
-                </a:solidFill>
-                <a:latin typeface="+mn-lt"/>
-                <a:ea typeface="+mn-ea"/>
-                <a:cs typeface="+mn-cs"/>
-              </a:defRPr>
-            </a:lvl8pPr>
-            <a:lvl9pPr marL="3886200" indent="-228600" algn="l" defTabSz="914400" rtl="0" eaLnBrk="1" latinLnBrk="0" hangingPunct="1">
-              <a:lnSpc>
-                <a:spcPct val="90000"/>
-              </a:lnSpc>
-              <a:spcBef>
-                <a:spcPts val="500"/>
-              </a:spcBef>
-              <a:buFont typeface="Arial" panose="020B0604020202020204" pitchFamily="34" charset="0"/>
-              <a:buChar char="•"/>
-              <a:defRPr sz="1800" kern="1200">
-                <a:solidFill>
-                  <a:schemeClr val="tx1"/>
-                </a:solidFill>
-                <a:latin typeface="+mn-lt"/>
-                <a:ea typeface="+mn-ea"/>
-                <a:cs typeface="+mn-cs"/>
-              </a:defRPr>
-            </a:lvl9pPr>
-          </a:lstStyle>
-          <a:p>
-            <a:pPr marL="0" indent="0">
-              <a:buFont typeface="Arial" panose="020B0604020202020204" pitchFamily="34" charset="0"/>
-              <a:buNone/>
-            </a:pPr>
-            <a:r>
-              <a:rPr lang="en-US" sz="3200" dirty="0"/>
-              <a:t>The Python Way:</a:t>
-            </a:r>
-          </a:p>
-        </p:txBody>
-      </p:sp>
-      <p:sp>
-        <p:nvSpPr>
-          <p:cNvPr id="8" name="Rectangle 7">
-            <a:extLst>
-              <a:ext uri="{FF2B5EF4-FFF2-40B4-BE49-F238E27FC236}">
-                <a16:creationId xmlns:a16="http://schemas.microsoft.com/office/drawing/2014/main" id="{73BB6F64-CFD0-B249-BAC1-2682FF06EB4E}"/>
-              </a:ext>
-            </a:extLst>
-          </p:cNvPr>
-          <p:cNvSpPr/>
-          <p:nvPr/>
-        </p:nvSpPr>
-        <p:spPr>
-          <a:xfrm>
-            <a:off x="838200" y="1963126"/>
-            <a:ext cx="10515600" cy="1815882"/>
-          </a:xfrm>
-          <a:prstGeom prst="rect">
-            <a:avLst/>
-          </a:prstGeom>
-          <a:solidFill>
-            <a:schemeClr val="bg2">
-              <a:lumMod val="25000"/>
-            </a:schemeClr>
-          </a:solidFill>
-        </p:spPr>
-        <p:txBody>
-          <a:bodyPr wrap="square">
-            <a:spAutoFit/>
-          </a:bodyPr>
-          <a:lstStyle/>
-          <a:p>
-            <a:r>
-              <a:rPr lang="en-US" sz="1600" dirty="0">
-                <a:solidFill>
-                  <a:srgbClr val="C687C1"/>
-                </a:solidFill>
-                <a:latin typeface="Menlo-Regular"/>
-              </a:rPr>
-              <a:t>if </a:t>
-            </a:r>
-            <a:r>
-              <a:rPr lang="en-US" sz="1600" dirty="0">
-                <a:solidFill>
-                  <a:srgbClr val="D5D5D5"/>
-                </a:solidFill>
-                <a:latin typeface="Menlo-Regular"/>
-              </a:rPr>
-              <a:t>(age &lt; </a:t>
-            </a:r>
-            <a:r>
-              <a:rPr lang="en-US" sz="1600" dirty="0">
-                <a:solidFill>
-                  <a:srgbClr val="B6CFA9"/>
-                </a:solidFill>
-                <a:latin typeface="Menlo-Regular"/>
-              </a:rPr>
-              <a:t>50</a:t>
-            </a:r>
-            <a:r>
-              <a:rPr lang="en-US" sz="1600" dirty="0">
-                <a:solidFill>
-                  <a:srgbClr val="D5D5D5"/>
-                </a:solidFill>
-                <a:latin typeface="Menlo-Regular"/>
-              </a:rPr>
-              <a:t>) {</a:t>
-            </a:r>
-          </a:p>
-          <a:p>
-            <a:r>
-              <a:rPr lang="en-US" sz="1600" dirty="0">
-                <a:solidFill>
-                  <a:srgbClr val="D5D5D5"/>
-                </a:solidFill>
-                <a:latin typeface="Menlo-Regular"/>
-              </a:rPr>
-              <a:t>	std::</a:t>
-            </a:r>
-            <a:r>
-              <a:rPr lang="en-US" sz="1600" dirty="0" err="1">
-                <a:solidFill>
-                  <a:srgbClr val="D5D5D5"/>
-                </a:solidFill>
-                <a:latin typeface="Menlo-Regular"/>
-              </a:rPr>
-              <a:t>cout</a:t>
-            </a:r>
-            <a:r>
-              <a:rPr lang="en-US" sz="1600" dirty="0">
-                <a:solidFill>
-                  <a:srgbClr val="D5D5D5"/>
-                </a:solidFill>
-                <a:latin typeface="Menlo-Regular"/>
-              </a:rPr>
-              <a:t> &lt;&lt; </a:t>
-            </a:r>
-            <a:r>
-              <a:rPr lang="en-US" sz="1600" dirty="0">
-                <a:solidFill>
-                  <a:srgbClr val="CF9278"/>
-                </a:solidFill>
-                <a:latin typeface="Menlo-Regular"/>
-              </a:rPr>
-              <a:t>"Save now for retirement!" </a:t>
-            </a:r>
-            <a:r>
-              <a:rPr lang="en-US" sz="1600" dirty="0">
-                <a:solidFill>
-                  <a:srgbClr val="D5D5D5"/>
-                </a:solidFill>
-                <a:latin typeface="Menlo-Regular"/>
-              </a:rPr>
-              <a:t>&lt;&lt; std::</a:t>
-            </a:r>
-            <a:r>
-              <a:rPr lang="en-US" sz="1600" dirty="0" err="1">
-                <a:solidFill>
-                  <a:srgbClr val="D5D5D5"/>
-                </a:solidFill>
-                <a:latin typeface="Menlo-Regular"/>
-              </a:rPr>
-              <a:t>endl</a:t>
-            </a:r>
-            <a:r>
-              <a:rPr lang="en-US" sz="1600" dirty="0">
-                <a:solidFill>
-                  <a:srgbClr val="D5D5D5"/>
-                </a:solidFill>
-                <a:latin typeface="Menlo-Regular"/>
-              </a:rPr>
-              <a:t>;</a:t>
-            </a:r>
-          </a:p>
-          <a:p>
-            <a:r>
-              <a:rPr lang="en-US" sz="1600" dirty="0">
-                <a:solidFill>
-                  <a:srgbClr val="D5D5D5"/>
-                </a:solidFill>
-                <a:latin typeface="Menlo-Regular"/>
-              </a:rPr>
-              <a:t>}</a:t>
-            </a:r>
-          </a:p>
-          <a:p>
-            <a:r>
-              <a:rPr lang="en-US" sz="1600" dirty="0">
-                <a:solidFill>
-                  <a:srgbClr val="C687C1"/>
-                </a:solidFill>
-                <a:latin typeface="Menlo-Regular"/>
-              </a:rPr>
-              <a:t>else </a:t>
-            </a:r>
-            <a:r>
-              <a:rPr lang="en-US" sz="1600" dirty="0">
-                <a:solidFill>
-                  <a:srgbClr val="D5D5D5"/>
-                </a:solidFill>
-                <a:latin typeface="Menlo-Regular"/>
-              </a:rPr>
-              <a:t>{</a:t>
-            </a:r>
-          </a:p>
-          <a:p>
-            <a:r>
-              <a:rPr lang="en-US" sz="1600" dirty="0">
-                <a:solidFill>
-                  <a:srgbClr val="D5D5D5"/>
-                </a:solidFill>
-                <a:latin typeface="Menlo-Regular"/>
-              </a:rPr>
-              <a:t>	std::</a:t>
-            </a:r>
-            <a:r>
-              <a:rPr lang="en-US" sz="1600" dirty="0" err="1">
-                <a:solidFill>
-                  <a:srgbClr val="D5D5D5"/>
-                </a:solidFill>
-                <a:latin typeface="Menlo-Regular"/>
-              </a:rPr>
-              <a:t>cout</a:t>
-            </a:r>
-            <a:r>
-              <a:rPr lang="en-US" sz="1600" dirty="0">
-                <a:solidFill>
-                  <a:srgbClr val="D5D5D5"/>
-                </a:solidFill>
-                <a:latin typeface="Menlo-Regular"/>
-              </a:rPr>
-              <a:t> &lt;&lt; </a:t>
-            </a:r>
-            <a:r>
-              <a:rPr lang="en-US" sz="1600" dirty="0">
-                <a:solidFill>
-                  <a:srgbClr val="CF9278"/>
-                </a:solidFill>
-                <a:latin typeface="Menlo-Regular"/>
-              </a:rPr>
-              <a:t>"Your AARP membership is in the mail" </a:t>
-            </a:r>
-            <a:r>
-              <a:rPr lang="en-US" sz="1600" dirty="0">
-                <a:solidFill>
-                  <a:srgbClr val="D5D5D5"/>
-                </a:solidFill>
-                <a:latin typeface="Menlo-Regular"/>
-              </a:rPr>
-              <a:t>&lt;&lt; std::</a:t>
-            </a:r>
-            <a:r>
-              <a:rPr lang="en-US" sz="1600" dirty="0" err="1">
-                <a:solidFill>
-                  <a:srgbClr val="D5D5D5"/>
-                </a:solidFill>
-                <a:latin typeface="Menlo-Regular"/>
-              </a:rPr>
-              <a:t>endl</a:t>
-            </a:r>
-            <a:r>
-              <a:rPr lang="en-US" sz="1600" dirty="0">
-                <a:solidFill>
-                  <a:srgbClr val="D5D5D5"/>
-                </a:solidFill>
-                <a:latin typeface="Menlo-Regular"/>
-              </a:rPr>
-              <a:t>;</a:t>
-            </a:r>
-          </a:p>
-          <a:p>
-            <a:r>
-              <a:rPr lang="en-US" sz="1600" dirty="0">
-                <a:solidFill>
-                  <a:srgbClr val="D5D5D5"/>
-                </a:solidFill>
-                <a:latin typeface="Menlo-Regular"/>
-              </a:rPr>
-              <a:t>}</a:t>
-            </a:r>
-          </a:p>
-          <a:p>
-            <a:endParaRPr lang="en-US" sz="1600" b="0" dirty="0">
-              <a:solidFill>
-                <a:srgbClr val="D4D4D4"/>
-              </a:solidFill>
-              <a:effectLst/>
-              <a:latin typeface="Menlo" panose="020B0609030804020204" pitchFamily="49" charset="0"/>
-            </a:endParaRPr>
-          </a:p>
-        </p:txBody>
-      </p:sp>
-      <p:sp>
-        <p:nvSpPr>
-          <p:cNvPr id="9" name="Rectangle 8">
-            <a:extLst>
-              <a:ext uri="{FF2B5EF4-FFF2-40B4-BE49-F238E27FC236}">
-                <a16:creationId xmlns:a16="http://schemas.microsoft.com/office/drawing/2014/main" id="{5CC2B9E3-0FF1-3047-99DA-39EDF50964B4}"/>
-              </a:ext>
-            </a:extLst>
-          </p:cNvPr>
-          <p:cNvSpPr/>
-          <p:nvPr/>
-        </p:nvSpPr>
-        <p:spPr>
-          <a:xfrm>
-            <a:off x="838200" y="4689833"/>
-            <a:ext cx="10515600" cy="1323439"/>
-          </a:xfrm>
-          <a:prstGeom prst="rect">
-            <a:avLst/>
-          </a:prstGeom>
-          <a:solidFill>
-            <a:schemeClr val="bg2">
-              <a:lumMod val="25000"/>
-            </a:schemeClr>
-          </a:solidFill>
-        </p:spPr>
-        <p:txBody>
-          <a:bodyPr wrap="square">
-            <a:spAutoFit/>
-          </a:bodyPr>
-          <a:lstStyle/>
-          <a:p>
-            <a:r>
-              <a:rPr lang="en-US" sz="1600" dirty="0">
-                <a:solidFill>
-                  <a:srgbClr val="C586C0"/>
-                </a:solidFill>
-                <a:latin typeface="Consolas" panose="020B0609020204030204" pitchFamily="49" charset="0"/>
-              </a:rPr>
-              <a:t>if</a:t>
-            </a:r>
-            <a:r>
-              <a:rPr lang="en-US" sz="1600" dirty="0">
-                <a:solidFill>
-                  <a:srgbClr val="D4D4D4"/>
-                </a:solidFill>
-                <a:latin typeface="Consolas" panose="020B0609020204030204" pitchFamily="49" charset="0"/>
-              </a:rPr>
-              <a:t> (age &lt; </a:t>
-            </a:r>
-            <a:r>
-              <a:rPr lang="en-US" sz="1600" dirty="0">
-                <a:solidFill>
-                  <a:srgbClr val="B5CEA8"/>
-                </a:solidFill>
-                <a:latin typeface="Consolas" panose="020B0609020204030204" pitchFamily="49" charset="0"/>
-              </a:rPr>
-              <a:t>50</a:t>
-            </a:r>
-            <a:r>
-              <a:rPr lang="en-US" sz="1600" dirty="0">
-                <a:solidFill>
-                  <a:srgbClr val="D4D4D4"/>
-                </a:solidFill>
-                <a:latin typeface="Consolas" panose="020B0609020204030204" pitchFamily="49" charset="0"/>
-              </a:rPr>
-              <a:t>): </a:t>
-            </a:r>
-          </a:p>
-          <a:p>
-            <a:r>
-              <a:rPr lang="en-US" sz="1600" dirty="0">
-                <a:solidFill>
-                  <a:srgbClr val="DCDCAA"/>
-                </a:solidFill>
-                <a:latin typeface="Consolas" panose="020B0609020204030204" pitchFamily="49" charset="0"/>
-              </a:rPr>
-              <a:t>	print</a:t>
-            </a:r>
-            <a:r>
-              <a:rPr lang="en-US" sz="1600" dirty="0">
-                <a:solidFill>
-                  <a:srgbClr val="D4D4D4"/>
-                </a:solidFill>
-                <a:latin typeface="Consolas" panose="020B0609020204030204" pitchFamily="49" charset="0"/>
-              </a:rPr>
-              <a:t>(</a:t>
-            </a:r>
-            <a:r>
-              <a:rPr lang="en-US" sz="1600" dirty="0">
-                <a:solidFill>
-                  <a:srgbClr val="CE9178"/>
-                </a:solidFill>
-                <a:latin typeface="Consolas" panose="020B0609020204030204" pitchFamily="49" charset="0"/>
-              </a:rPr>
-              <a:t>"Save now for retirement!"</a:t>
-            </a:r>
-            <a:r>
-              <a:rPr lang="en-US" sz="1600" dirty="0">
-                <a:solidFill>
-                  <a:srgbClr val="D4D4D4"/>
-                </a:solidFill>
-                <a:latin typeface="Consolas" panose="020B0609020204030204" pitchFamily="49" charset="0"/>
-              </a:rPr>
-              <a:t>)</a:t>
-            </a:r>
-          </a:p>
-          <a:p>
-            <a:r>
-              <a:rPr lang="en-US" sz="1600" dirty="0">
-                <a:solidFill>
-                  <a:srgbClr val="C586C0"/>
-                </a:solidFill>
-                <a:latin typeface="Consolas" panose="020B0609020204030204" pitchFamily="49" charset="0"/>
-              </a:rPr>
-              <a:t>else</a:t>
-            </a:r>
-            <a:r>
-              <a:rPr lang="en-US" sz="1600" dirty="0">
-                <a:solidFill>
-                  <a:srgbClr val="D4D4D4"/>
-                </a:solidFill>
-                <a:latin typeface="Consolas" panose="020B0609020204030204" pitchFamily="49" charset="0"/>
-              </a:rPr>
-              <a:t>:</a:t>
-            </a:r>
-          </a:p>
-          <a:p>
-            <a:r>
-              <a:rPr lang="en-US" sz="1600" dirty="0">
-                <a:solidFill>
-                  <a:srgbClr val="DCDCAA"/>
-                </a:solidFill>
-                <a:latin typeface="Consolas" panose="020B0609020204030204" pitchFamily="49" charset="0"/>
-              </a:rPr>
-              <a:t>	print</a:t>
-            </a:r>
-            <a:r>
-              <a:rPr lang="en-US" sz="1600" dirty="0">
-                <a:solidFill>
-                  <a:srgbClr val="D4D4D4"/>
-                </a:solidFill>
-                <a:latin typeface="Consolas" panose="020B0609020204030204" pitchFamily="49" charset="0"/>
-              </a:rPr>
-              <a:t>(</a:t>
-            </a:r>
-            <a:r>
-              <a:rPr lang="en-US" sz="1600" dirty="0">
-                <a:solidFill>
-                  <a:srgbClr val="CE9178"/>
-                </a:solidFill>
-                <a:latin typeface="Consolas" panose="020B0609020204030204" pitchFamily="49" charset="0"/>
-              </a:rPr>
-              <a:t>"Your AARP membership is in the mail"</a:t>
-            </a:r>
-            <a:r>
-              <a:rPr lang="en-US" sz="1600" dirty="0">
-                <a:solidFill>
-                  <a:srgbClr val="D4D4D4"/>
-                </a:solidFill>
-                <a:latin typeface="Consolas" panose="020B0609020204030204" pitchFamily="49" charset="0"/>
-              </a:rPr>
-              <a:t>)</a:t>
-            </a:r>
-          </a:p>
-          <a:p>
-            <a:endParaRPr lang="en-US" sz="1600" dirty="0">
-              <a:solidFill>
-                <a:srgbClr val="D4D4D4"/>
-              </a:solidFill>
-              <a:latin typeface="Menlo" panose="020B0609030804020204" pitchFamily="49" charset="0"/>
-            </a:endParaRPr>
+            <a:r>
+              <a:rPr lang="en-US" dirty="0"/>
+              <a:t>There is a way to implement the same functionality.</a:t>
+            </a:r>
+          </a:p>
+          <a:p>
+            <a:pPr lvl="1"/>
+            <a:r>
+              <a:rPr lang="en-US" dirty="0"/>
+              <a:t>Look it up if you desire.</a:t>
+            </a:r>
           </a:p>
         </p:txBody>
       </p:sp>
     </p:spTree>
     <p:extLst>
       <p:ext uri="{BB962C8B-B14F-4D97-AF65-F5344CB8AC3E}">
-        <p14:creationId xmlns:p14="http://schemas.microsoft.com/office/powerpoint/2010/main" val="4222260773"/>
-      </p:ext>
-    </p:extLst>
-  </p:cSld>
-  <p:clrMapOvr>
-    <a:masterClrMapping/>
-  </p:clrMapOvr>
-</p:sld>
-</file>
-
-<file path=ppt/slides/slide9.xml><?xml version="1.0" encoding="utf-8"?>
-<p:sld xmlns:a="http://schemas.openxmlformats.org/drawingml/2006/main" xmlns:r="http://schemas.openxmlformats.org/officeDocument/2006/relationships" xmlns:p="http://schemas.openxmlformats.org/presentationml/2006/main">
-  <p:cSld>
-    <p:spTree>
-      <p:nvGrpSpPr>
-        <p:cNvPr id="1" name=""/>
-        <p:cNvGrpSpPr/>
-        <p:nvPr/>
-      </p:nvGrpSpPr>
-      <p:grpSpPr>
-        <a:xfrm>
-          <a:off x="0" y="0"/>
-          <a:ext cx="0" cy="0"/>
-          <a:chOff x="0" y="0"/>
-          <a:chExt cx="0" cy="0"/>
-        </a:xfrm>
-      </p:grpSpPr>
-      <p:sp>
-        <p:nvSpPr>
-          <p:cNvPr id="11" name="Title 10">
-            <a:extLst>
-              <a:ext uri="{FF2B5EF4-FFF2-40B4-BE49-F238E27FC236}">
-                <a16:creationId xmlns:a16="http://schemas.microsoft.com/office/drawing/2014/main" id="{7CC886A9-F2B7-4A8B-89F0-5DA89880D6EA}"/>
-              </a:ext>
-            </a:extLst>
-          </p:cNvPr>
-          <p:cNvSpPr>
-            <a:spLocks noGrp="1"/>
-          </p:cNvSpPr>
-          <p:nvPr>
-            <p:ph type="title"/>
-          </p:nvPr>
-        </p:nvSpPr>
-        <p:spPr/>
-        <p:txBody>
-          <a:bodyPr/>
-          <a:lstStyle/>
-          <a:p>
-            <a:r>
-              <a:rPr lang="en-US" dirty="0"/>
-              <a:t>Indentation is Important!</a:t>
-            </a:r>
-          </a:p>
-        </p:txBody>
-      </p:sp>
-      <p:sp>
-        <p:nvSpPr>
-          <p:cNvPr id="12" name="Rectangle 11">
-            <a:extLst>
-              <a:ext uri="{FF2B5EF4-FFF2-40B4-BE49-F238E27FC236}">
-                <a16:creationId xmlns:a16="http://schemas.microsoft.com/office/drawing/2014/main" id="{6659978A-6B1B-48AC-A383-949845F8946E}"/>
-              </a:ext>
-            </a:extLst>
-          </p:cNvPr>
-          <p:cNvSpPr/>
-          <p:nvPr/>
-        </p:nvSpPr>
-        <p:spPr>
-          <a:xfrm>
-            <a:off x="851075" y="1605343"/>
-            <a:ext cx="10515600" cy="1569660"/>
-          </a:xfrm>
-          <a:prstGeom prst="rect">
-            <a:avLst/>
-          </a:prstGeom>
-          <a:solidFill>
-            <a:schemeClr val="bg2">
-              <a:lumMod val="25000"/>
-            </a:schemeClr>
-          </a:solidFill>
-        </p:spPr>
-        <p:txBody>
-          <a:bodyPr wrap="square">
-            <a:spAutoFit/>
-          </a:bodyPr>
-          <a:lstStyle/>
-          <a:p>
-            <a:r>
-              <a:rPr lang="en-US" sz="1600" dirty="0">
-                <a:solidFill>
-                  <a:srgbClr val="C586C0"/>
-                </a:solidFill>
-                <a:latin typeface="Consolas" panose="020B0609020204030204" pitchFamily="49" charset="0"/>
-              </a:rPr>
-              <a:t>if</a:t>
-            </a:r>
-            <a:r>
-              <a:rPr lang="en-US" sz="1600" dirty="0">
-                <a:solidFill>
-                  <a:srgbClr val="D4D4D4"/>
-                </a:solidFill>
-                <a:latin typeface="Consolas" panose="020B0609020204030204" pitchFamily="49" charset="0"/>
-              </a:rPr>
-              <a:t> (age &lt; </a:t>
-            </a:r>
-            <a:r>
-              <a:rPr lang="en-US" sz="1600" dirty="0">
-                <a:solidFill>
-                  <a:srgbClr val="B5CEA8"/>
-                </a:solidFill>
-                <a:latin typeface="Consolas" panose="020B0609020204030204" pitchFamily="49" charset="0"/>
-              </a:rPr>
-              <a:t>50</a:t>
-            </a:r>
-            <a:r>
-              <a:rPr lang="en-US" sz="1600" dirty="0">
-                <a:solidFill>
-                  <a:srgbClr val="D4D4D4"/>
-                </a:solidFill>
-                <a:latin typeface="Consolas" panose="020B0609020204030204" pitchFamily="49" charset="0"/>
-              </a:rPr>
-              <a:t>): </a:t>
-            </a:r>
-          </a:p>
-          <a:p>
-            <a:r>
-              <a:rPr lang="en-US" sz="1600" dirty="0">
-                <a:solidFill>
-                  <a:srgbClr val="DCDCAA"/>
-                </a:solidFill>
-                <a:latin typeface="Consolas" panose="020B0609020204030204" pitchFamily="49" charset="0"/>
-              </a:rPr>
-              <a:t>	print</a:t>
-            </a:r>
-            <a:r>
-              <a:rPr lang="en-US" sz="1600" dirty="0">
-                <a:solidFill>
-                  <a:srgbClr val="D4D4D4"/>
-                </a:solidFill>
-                <a:latin typeface="Consolas" panose="020B0609020204030204" pitchFamily="49" charset="0"/>
-              </a:rPr>
-              <a:t>(</a:t>
-            </a:r>
-            <a:r>
-              <a:rPr lang="en-US" sz="1600" dirty="0">
-                <a:solidFill>
-                  <a:srgbClr val="CE9178"/>
-                </a:solidFill>
-                <a:latin typeface="Consolas" panose="020B0609020204030204" pitchFamily="49" charset="0"/>
-              </a:rPr>
-              <a:t>"Save now for retirement!"</a:t>
-            </a:r>
-            <a:r>
-              <a:rPr lang="en-US" sz="1600" dirty="0">
-                <a:solidFill>
-                  <a:srgbClr val="D4D4D4"/>
-                </a:solidFill>
-                <a:latin typeface="Consolas" panose="020B0609020204030204" pitchFamily="49" charset="0"/>
-              </a:rPr>
-              <a:t>)</a:t>
-            </a:r>
-          </a:p>
-          <a:p>
-            <a:r>
-              <a:rPr lang="en-US" sz="1600" dirty="0">
-                <a:solidFill>
-                  <a:srgbClr val="C586C0"/>
-                </a:solidFill>
-                <a:latin typeface="Consolas" panose="020B0609020204030204" pitchFamily="49" charset="0"/>
-              </a:rPr>
-              <a:t>else</a:t>
-            </a:r>
-            <a:r>
-              <a:rPr lang="en-US" sz="1600" dirty="0">
-                <a:solidFill>
-                  <a:srgbClr val="D4D4D4"/>
-                </a:solidFill>
-                <a:latin typeface="Consolas" panose="020B0609020204030204" pitchFamily="49" charset="0"/>
-              </a:rPr>
-              <a:t>:</a:t>
-            </a:r>
-          </a:p>
-          <a:p>
-            <a:r>
-              <a:rPr lang="en-US" sz="1600" dirty="0">
-                <a:solidFill>
-                  <a:srgbClr val="DCDCAA"/>
-                </a:solidFill>
-                <a:latin typeface="Consolas" panose="020B0609020204030204" pitchFamily="49" charset="0"/>
-              </a:rPr>
-              <a:t>	print</a:t>
-            </a:r>
-            <a:r>
-              <a:rPr lang="en-US" sz="1600" dirty="0">
-                <a:solidFill>
-                  <a:srgbClr val="D4D4D4"/>
-                </a:solidFill>
-                <a:latin typeface="Consolas" panose="020B0609020204030204" pitchFamily="49" charset="0"/>
-              </a:rPr>
-              <a:t>(</a:t>
-            </a:r>
-            <a:r>
-              <a:rPr lang="en-US" sz="1600" dirty="0">
-                <a:solidFill>
-                  <a:srgbClr val="CE9178"/>
-                </a:solidFill>
-                <a:latin typeface="Consolas" panose="020B0609020204030204" pitchFamily="49" charset="0"/>
-              </a:rPr>
-              <a:t>"Your AARP membership is in the mail"</a:t>
-            </a:r>
-            <a:r>
-              <a:rPr lang="en-US" sz="1600" dirty="0">
-                <a:solidFill>
-                  <a:srgbClr val="D4D4D4"/>
-                </a:solidFill>
-                <a:latin typeface="Consolas" panose="020B0609020204030204" pitchFamily="49" charset="0"/>
-              </a:rPr>
-              <a:t>)</a:t>
-            </a:r>
-          </a:p>
-          <a:p>
-            <a:r>
-              <a:rPr lang="en-US" sz="1600" dirty="0">
-                <a:solidFill>
-                  <a:srgbClr val="DCDCAA"/>
-                </a:solidFill>
-                <a:latin typeface="Consolas" panose="020B0609020204030204" pitchFamily="49" charset="0"/>
-              </a:rPr>
-              <a:t>	print</a:t>
-            </a:r>
-            <a:r>
-              <a:rPr lang="en-US" sz="1600" dirty="0">
-                <a:solidFill>
-                  <a:srgbClr val="D4D4D4"/>
-                </a:solidFill>
-                <a:latin typeface="Consolas" panose="020B0609020204030204" pitchFamily="49" charset="0"/>
-              </a:rPr>
-              <a:t>(</a:t>
-            </a:r>
-            <a:r>
-              <a:rPr lang="en-US" sz="1600" dirty="0">
-                <a:solidFill>
-                  <a:srgbClr val="CE9178"/>
-                </a:solidFill>
-                <a:latin typeface="Consolas" panose="020B0609020204030204" pitchFamily="49" charset="0"/>
-              </a:rPr>
-              <a:t>"Please look carefully"</a:t>
-            </a:r>
-            <a:r>
-              <a:rPr lang="en-US" sz="1600" dirty="0">
-                <a:solidFill>
-                  <a:srgbClr val="D4D4D4"/>
-                </a:solidFill>
-                <a:latin typeface="Consolas" panose="020B0609020204030204" pitchFamily="49" charset="0"/>
-              </a:rPr>
-              <a:t>)</a:t>
-            </a:r>
-          </a:p>
-          <a:p>
-            <a:endParaRPr lang="en-US" sz="1600" dirty="0">
-              <a:solidFill>
-                <a:srgbClr val="D4D4D4"/>
-              </a:solidFill>
-              <a:latin typeface="Menlo" panose="020B0609030804020204" pitchFamily="49" charset="0"/>
-            </a:endParaRPr>
-          </a:p>
-        </p:txBody>
-      </p:sp>
-      <p:sp>
-        <p:nvSpPr>
-          <p:cNvPr id="13" name="Rectangle 12">
-            <a:extLst>
-              <a:ext uri="{FF2B5EF4-FFF2-40B4-BE49-F238E27FC236}">
-                <a16:creationId xmlns:a16="http://schemas.microsoft.com/office/drawing/2014/main" id="{415028AB-BDC6-40FA-93DE-C388E6206953}"/>
-              </a:ext>
-            </a:extLst>
-          </p:cNvPr>
-          <p:cNvSpPr/>
-          <p:nvPr/>
-        </p:nvSpPr>
-        <p:spPr>
-          <a:xfrm>
-            <a:off x="838200" y="3768993"/>
-            <a:ext cx="10515600" cy="1569660"/>
-          </a:xfrm>
-          <a:prstGeom prst="rect">
-            <a:avLst/>
-          </a:prstGeom>
-          <a:solidFill>
-            <a:schemeClr val="bg2">
-              <a:lumMod val="25000"/>
-            </a:schemeClr>
-          </a:solidFill>
-        </p:spPr>
-        <p:txBody>
-          <a:bodyPr wrap="square">
-            <a:spAutoFit/>
-          </a:bodyPr>
-          <a:lstStyle/>
-          <a:p>
-            <a:r>
-              <a:rPr lang="en-US" sz="1600" dirty="0">
-                <a:solidFill>
-                  <a:srgbClr val="C586C0"/>
-                </a:solidFill>
-                <a:latin typeface="Consolas" panose="020B0609020204030204" pitchFamily="49" charset="0"/>
-              </a:rPr>
-              <a:t>if</a:t>
-            </a:r>
-            <a:r>
-              <a:rPr lang="en-US" sz="1600" dirty="0">
-                <a:solidFill>
-                  <a:srgbClr val="D4D4D4"/>
-                </a:solidFill>
-                <a:latin typeface="Consolas" panose="020B0609020204030204" pitchFamily="49" charset="0"/>
-              </a:rPr>
-              <a:t> (age &lt; </a:t>
-            </a:r>
-            <a:r>
-              <a:rPr lang="en-US" sz="1600" dirty="0">
-                <a:solidFill>
-                  <a:srgbClr val="B5CEA8"/>
-                </a:solidFill>
-                <a:latin typeface="Consolas" panose="020B0609020204030204" pitchFamily="49" charset="0"/>
-              </a:rPr>
-              <a:t>50</a:t>
-            </a:r>
-            <a:r>
-              <a:rPr lang="en-US" sz="1600" dirty="0">
-                <a:solidFill>
-                  <a:srgbClr val="D4D4D4"/>
-                </a:solidFill>
-                <a:latin typeface="Consolas" panose="020B0609020204030204" pitchFamily="49" charset="0"/>
-              </a:rPr>
-              <a:t>): </a:t>
-            </a:r>
-          </a:p>
-          <a:p>
-            <a:r>
-              <a:rPr lang="en-US" sz="1600" dirty="0">
-                <a:solidFill>
-                  <a:srgbClr val="DCDCAA"/>
-                </a:solidFill>
-                <a:latin typeface="Consolas" panose="020B0609020204030204" pitchFamily="49" charset="0"/>
-              </a:rPr>
-              <a:t>	print</a:t>
-            </a:r>
-            <a:r>
-              <a:rPr lang="en-US" sz="1600" dirty="0">
-                <a:solidFill>
-                  <a:srgbClr val="D4D4D4"/>
-                </a:solidFill>
-                <a:latin typeface="Consolas" panose="020B0609020204030204" pitchFamily="49" charset="0"/>
-              </a:rPr>
-              <a:t>(</a:t>
-            </a:r>
-            <a:r>
-              <a:rPr lang="en-US" sz="1600" dirty="0">
-                <a:solidFill>
-                  <a:srgbClr val="CE9178"/>
-                </a:solidFill>
-                <a:latin typeface="Consolas" panose="020B0609020204030204" pitchFamily="49" charset="0"/>
-              </a:rPr>
-              <a:t>"Save now for retirement!"</a:t>
-            </a:r>
-            <a:r>
-              <a:rPr lang="en-US" sz="1600" dirty="0">
-                <a:solidFill>
-                  <a:srgbClr val="D4D4D4"/>
-                </a:solidFill>
-                <a:latin typeface="Consolas" panose="020B0609020204030204" pitchFamily="49" charset="0"/>
-              </a:rPr>
-              <a:t>)</a:t>
-            </a:r>
-          </a:p>
-          <a:p>
-            <a:r>
-              <a:rPr lang="en-US" sz="1600" dirty="0">
-                <a:solidFill>
-                  <a:srgbClr val="C586C0"/>
-                </a:solidFill>
-                <a:latin typeface="Consolas" panose="020B0609020204030204" pitchFamily="49" charset="0"/>
-              </a:rPr>
-              <a:t>else</a:t>
-            </a:r>
-            <a:r>
-              <a:rPr lang="en-US" sz="1600" dirty="0">
-                <a:solidFill>
-                  <a:srgbClr val="D4D4D4"/>
-                </a:solidFill>
-                <a:latin typeface="Consolas" panose="020B0609020204030204" pitchFamily="49" charset="0"/>
-              </a:rPr>
-              <a:t>:</a:t>
-            </a:r>
-          </a:p>
-          <a:p>
-            <a:r>
-              <a:rPr lang="en-US" sz="1600" dirty="0">
-                <a:solidFill>
-                  <a:srgbClr val="DCDCAA"/>
-                </a:solidFill>
-                <a:latin typeface="Consolas" panose="020B0609020204030204" pitchFamily="49" charset="0"/>
-              </a:rPr>
-              <a:t>	print</a:t>
-            </a:r>
-            <a:r>
-              <a:rPr lang="en-US" sz="1600" dirty="0">
-                <a:solidFill>
-                  <a:srgbClr val="D4D4D4"/>
-                </a:solidFill>
-                <a:latin typeface="Consolas" panose="020B0609020204030204" pitchFamily="49" charset="0"/>
-              </a:rPr>
-              <a:t>(</a:t>
-            </a:r>
-            <a:r>
-              <a:rPr lang="en-US" sz="1600" dirty="0">
-                <a:solidFill>
-                  <a:srgbClr val="CE9178"/>
-                </a:solidFill>
-                <a:latin typeface="Consolas" panose="020B0609020204030204" pitchFamily="49" charset="0"/>
-              </a:rPr>
-              <a:t>"Your AARP membership is in the mail"</a:t>
-            </a:r>
-            <a:r>
-              <a:rPr lang="en-US" sz="1600" dirty="0">
-                <a:solidFill>
-                  <a:srgbClr val="D4D4D4"/>
-                </a:solidFill>
-                <a:latin typeface="Consolas" panose="020B0609020204030204" pitchFamily="49" charset="0"/>
-              </a:rPr>
-              <a:t>)</a:t>
-            </a:r>
-          </a:p>
-          <a:p>
-            <a:r>
-              <a:rPr lang="en-US" sz="1600" dirty="0">
-                <a:solidFill>
-                  <a:srgbClr val="DCDCAA"/>
-                </a:solidFill>
-                <a:latin typeface="Consolas" panose="020B0609020204030204" pitchFamily="49" charset="0"/>
-              </a:rPr>
-              <a:t>print</a:t>
-            </a:r>
-            <a:r>
-              <a:rPr lang="en-US" sz="1600" dirty="0">
-                <a:solidFill>
-                  <a:srgbClr val="D4D4D4"/>
-                </a:solidFill>
-                <a:latin typeface="Consolas" panose="020B0609020204030204" pitchFamily="49" charset="0"/>
-              </a:rPr>
-              <a:t>(</a:t>
-            </a:r>
-            <a:r>
-              <a:rPr lang="en-US" sz="1600" dirty="0">
-                <a:solidFill>
-                  <a:srgbClr val="CE9178"/>
-                </a:solidFill>
-                <a:latin typeface="Consolas" panose="020B0609020204030204" pitchFamily="49" charset="0"/>
-              </a:rPr>
-              <a:t>"Please look carefully"</a:t>
-            </a:r>
-            <a:r>
-              <a:rPr lang="en-US" sz="1600" dirty="0">
-                <a:solidFill>
-                  <a:srgbClr val="D4D4D4"/>
-                </a:solidFill>
-                <a:latin typeface="Consolas" panose="020B0609020204030204" pitchFamily="49" charset="0"/>
-              </a:rPr>
-              <a:t>)</a:t>
-            </a:r>
-          </a:p>
-          <a:p>
-            <a:endParaRPr lang="en-US" sz="1600" dirty="0">
-              <a:solidFill>
-                <a:srgbClr val="D4D4D4"/>
-              </a:solidFill>
-              <a:latin typeface="Menlo" panose="020B0609030804020204" pitchFamily="49" charset="0"/>
-            </a:endParaRPr>
-          </a:p>
-        </p:txBody>
-      </p:sp>
-      <p:sp>
-        <p:nvSpPr>
-          <p:cNvPr id="14" name="Content Placeholder 2">
-            <a:extLst>
-              <a:ext uri="{FF2B5EF4-FFF2-40B4-BE49-F238E27FC236}">
-                <a16:creationId xmlns:a16="http://schemas.microsoft.com/office/drawing/2014/main" id="{7A94E864-2504-44AA-A407-5E0CB06D842E}"/>
-              </a:ext>
-            </a:extLst>
-          </p:cNvPr>
-          <p:cNvSpPr txBox="1">
-            <a:spLocks/>
-          </p:cNvSpPr>
-          <p:nvPr/>
-        </p:nvSpPr>
-        <p:spPr>
-          <a:xfrm>
-            <a:off x="838200" y="3242843"/>
-            <a:ext cx="10515600" cy="510980"/>
-          </a:xfrm>
-          <a:prstGeom prst="rect">
-            <a:avLst/>
-          </a:prstGeom>
-        </p:spPr>
-        <p:txBody>
-          <a:bodyPr vert="horz" lIns="91440" tIns="45720" rIns="91440" bIns="45720" rtlCol="0">
-            <a:normAutofit lnSpcReduction="10000"/>
-          </a:bodyPr>
-          <a:lstStyle>
-            <a:lvl1pPr marL="228600" indent="-228600" algn="l" defTabSz="914400" rtl="0" eaLnBrk="1" latinLnBrk="0" hangingPunct="1">
-              <a:lnSpc>
-                <a:spcPct val="90000"/>
-              </a:lnSpc>
-              <a:spcBef>
-                <a:spcPts val="1000"/>
-              </a:spcBef>
-              <a:buFont typeface="Arial" panose="020B0604020202020204" pitchFamily="34" charset="0"/>
-              <a:buChar char="•"/>
-              <a:defRPr sz="2800" kern="1200">
-                <a:solidFill>
-                  <a:schemeClr val="tx1"/>
-                </a:solidFill>
-                <a:latin typeface="+mn-lt"/>
-                <a:ea typeface="+mn-ea"/>
-                <a:cs typeface="+mn-cs"/>
-              </a:defRPr>
-            </a:lvl1pPr>
-            <a:lvl2pPr marL="685800" indent="-228600" algn="l" defTabSz="914400" rtl="0" eaLnBrk="1" latinLnBrk="0" hangingPunct="1">
-              <a:lnSpc>
-                <a:spcPct val="90000"/>
-              </a:lnSpc>
-              <a:spcBef>
-                <a:spcPts val="500"/>
-              </a:spcBef>
-              <a:buFont typeface="Arial" panose="020B0604020202020204" pitchFamily="34" charset="0"/>
-              <a:buChar char="•"/>
-              <a:defRPr sz="2400" kern="1200">
-                <a:solidFill>
-                  <a:schemeClr val="tx1"/>
-                </a:solidFill>
-                <a:latin typeface="+mn-lt"/>
-                <a:ea typeface="+mn-ea"/>
-                <a:cs typeface="+mn-cs"/>
-              </a:defRPr>
-            </a:lvl2pPr>
-            <a:lvl3pPr marL="1143000" indent="-228600" algn="l" defTabSz="914400" rtl="0" eaLnBrk="1" latinLnBrk="0" hangingPunct="1">
-              <a:lnSpc>
-                <a:spcPct val="90000"/>
-              </a:lnSpc>
-              <a:spcBef>
-                <a:spcPts val="500"/>
-              </a:spcBef>
-              <a:buFont typeface="Arial" panose="020B0604020202020204" pitchFamily="34" charset="0"/>
-              <a:buChar char="•"/>
-              <a:defRPr sz="2000" kern="1200">
-                <a:solidFill>
-                  <a:schemeClr val="tx1"/>
-                </a:solidFill>
-                <a:latin typeface="+mn-lt"/>
-                <a:ea typeface="+mn-ea"/>
-                <a:cs typeface="+mn-cs"/>
-              </a:defRPr>
-            </a:lvl3pPr>
-            <a:lvl4pPr marL="1600200" indent="-228600" algn="l" defTabSz="914400" rtl="0" eaLnBrk="1" latinLnBrk="0" hangingPunct="1">
-              <a:lnSpc>
-                <a:spcPct val="90000"/>
-              </a:lnSpc>
-              <a:spcBef>
-                <a:spcPts val="500"/>
-              </a:spcBef>
-              <a:buFont typeface="Arial" panose="020B0604020202020204" pitchFamily="34" charset="0"/>
-              <a:buChar char="•"/>
-              <a:defRPr sz="1800" kern="1200">
-                <a:solidFill>
-                  <a:schemeClr val="tx1"/>
-                </a:solidFill>
-                <a:latin typeface="+mn-lt"/>
-                <a:ea typeface="+mn-ea"/>
-                <a:cs typeface="+mn-cs"/>
-              </a:defRPr>
-            </a:lvl4pPr>
-            <a:lvl5pPr marL="2057400" indent="-228600" algn="l" defTabSz="914400" rtl="0" eaLnBrk="1" latinLnBrk="0" hangingPunct="1">
-              <a:lnSpc>
-                <a:spcPct val="90000"/>
-              </a:lnSpc>
-              <a:spcBef>
-                <a:spcPts val="500"/>
-              </a:spcBef>
-              <a:buFont typeface="Arial" panose="020B0604020202020204" pitchFamily="34" charset="0"/>
-              <a:buChar char="•"/>
-              <a:defRPr sz="1800" kern="1200">
-                <a:solidFill>
-                  <a:schemeClr val="tx1"/>
-                </a:solidFill>
-                <a:latin typeface="+mn-lt"/>
-                <a:ea typeface="+mn-ea"/>
-                <a:cs typeface="+mn-cs"/>
-              </a:defRPr>
-            </a:lvl5pPr>
-            <a:lvl6pPr marL="2514600" indent="-228600" algn="l" defTabSz="914400" rtl="0" eaLnBrk="1" latinLnBrk="0" hangingPunct="1">
-              <a:lnSpc>
-                <a:spcPct val="90000"/>
-              </a:lnSpc>
-              <a:spcBef>
-                <a:spcPts val="500"/>
-              </a:spcBef>
-              <a:buFont typeface="Arial" panose="020B0604020202020204" pitchFamily="34" charset="0"/>
-              <a:buChar char="•"/>
-              <a:defRPr sz="1800" kern="1200">
-                <a:solidFill>
-                  <a:schemeClr val="tx1"/>
-                </a:solidFill>
-                <a:latin typeface="+mn-lt"/>
-                <a:ea typeface="+mn-ea"/>
-                <a:cs typeface="+mn-cs"/>
-              </a:defRPr>
-            </a:lvl6pPr>
-            <a:lvl7pPr marL="2971800" indent="-228600" algn="l" defTabSz="914400" rtl="0" eaLnBrk="1" latinLnBrk="0" hangingPunct="1">
-              <a:lnSpc>
-                <a:spcPct val="90000"/>
-              </a:lnSpc>
-              <a:spcBef>
-                <a:spcPts val="500"/>
-              </a:spcBef>
-              <a:buFont typeface="Arial" panose="020B0604020202020204" pitchFamily="34" charset="0"/>
-              <a:buChar char="•"/>
-              <a:defRPr sz="1800" kern="1200">
-                <a:solidFill>
-                  <a:schemeClr val="tx1"/>
-                </a:solidFill>
-                <a:latin typeface="+mn-lt"/>
-                <a:ea typeface="+mn-ea"/>
-                <a:cs typeface="+mn-cs"/>
-              </a:defRPr>
-            </a:lvl7pPr>
-            <a:lvl8pPr marL="3429000" indent="-228600" algn="l" defTabSz="914400" rtl="0" eaLnBrk="1" latinLnBrk="0" hangingPunct="1">
-              <a:lnSpc>
-                <a:spcPct val="90000"/>
-              </a:lnSpc>
-              <a:spcBef>
-                <a:spcPts val="500"/>
-              </a:spcBef>
-              <a:buFont typeface="Arial" panose="020B0604020202020204" pitchFamily="34" charset="0"/>
-              <a:buChar char="•"/>
-              <a:defRPr sz="1800" kern="1200">
-                <a:solidFill>
-                  <a:schemeClr val="tx1"/>
-                </a:solidFill>
-                <a:latin typeface="+mn-lt"/>
-                <a:ea typeface="+mn-ea"/>
-                <a:cs typeface="+mn-cs"/>
-              </a:defRPr>
-            </a:lvl8pPr>
-            <a:lvl9pPr marL="3886200" indent="-228600" algn="l" defTabSz="914400" rtl="0" eaLnBrk="1" latinLnBrk="0" hangingPunct="1">
-              <a:lnSpc>
-                <a:spcPct val="90000"/>
-              </a:lnSpc>
-              <a:spcBef>
-                <a:spcPts val="500"/>
-              </a:spcBef>
-              <a:buFont typeface="Arial" panose="020B0604020202020204" pitchFamily="34" charset="0"/>
-              <a:buChar char="•"/>
-              <a:defRPr sz="1800" kern="1200">
-                <a:solidFill>
-                  <a:schemeClr val="tx1"/>
-                </a:solidFill>
-                <a:latin typeface="+mn-lt"/>
-                <a:ea typeface="+mn-ea"/>
-                <a:cs typeface="+mn-cs"/>
-              </a:defRPr>
-            </a:lvl9pPr>
-          </a:lstStyle>
-          <a:p>
-            <a:pPr marL="0" indent="0">
-              <a:buFont typeface="Arial" panose="020B0604020202020204" pitchFamily="34" charset="0"/>
-              <a:buNone/>
-            </a:pPr>
-            <a:r>
-              <a:rPr lang="en-US" sz="3200" dirty="0"/>
-              <a:t>Is not the same as</a:t>
-            </a:r>
-          </a:p>
-        </p:txBody>
-      </p:sp>
-      <p:sp>
-        <p:nvSpPr>
-          <p:cNvPr id="16" name="Content Placeholder 2">
-            <a:extLst>
-              <a:ext uri="{FF2B5EF4-FFF2-40B4-BE49-F238E27FC236}">
-                <a16:creationId xmlns:a16="http://schemas.microsoft.com/office/drawing/2014/main" id="{AEFDCC31-19A9-4EF4-8F56-D732EDE914FA}"/>
-              </a:ext>
-            </a:extLst>
-          </p:cNvPr>
-          <p:cNvSpPr txBox="1">
-            <a:spLocks/>
-          </p:cNvSpPr>
-          <p:nvPr/>
-        </p:nvSpPr>
-        <p:spPr>
-          <a:xfrm>
-            <a:off x="836052" y="5372135"/>
-            <a:ext cx="10515600" cy="510980"/>
-          </a:xfrm>
-          <a:prstGeom prst="rect">
-            <a:avLst/>
-          </a:prstGeom>
-        </p:spPr>
-        <p:txBody>
-          <a:bodyPr vert="horz" lIns="91440" tIns="45720" rIns="91440" bIns="45720" rtlCol="0">
-            <a:normAutofit lnSpcReduction="10000"/>
-          </a:bodyPr>
-          <a:lstStyle>
-            <a:lvl1pPr marL="228600" indent="-228600" algn="l" defTabSz="914400" rtl="0" eaLnBrk="1" latinLnBrk="0" hangingPunct="1">
-              <a:lnSpc>
-                <a:spcPct val="90000"/>
-              </a:lnSpc>
-              <a:spcBef>
-                <a:spcPts val="1000"/>
-              </a:spcBef>
-              <a:buFont typeface="Arial" panose="020B0604020202020204" pitchFamily="34" charset="0"/>
-              <a:buChar char="•"/>
-              <a:defRPr sz="2800" kern="1200">
-                <a:solidFill>
-                  <a:schemeClr val="tx1"/>
-                </a:solidFill>
-                <a:latin typeface="+mn-lt"/>
-                <a:ea typeface="+mn-ea"/>
-                <a:cs typeface="+mn-cs"/>
-              </a:defRPr>
-            </a:lvl1pPr>
-            <a:lvl2pPr marL="685800" indent="-228600" algn="l" defTabSz="914400" rtl="0" eaLnBrk="1" latinLnBrk="0" hangingPunct="1">
-              <a:lnSpc>
-                <a:spcPct val="90000"/>
-              </a:lnSpc>
-              <a:spcBef>
-                <a:spcPts val="500"/>
-              </a:spcBef>
-              <a:buFont typeface="Arial" panose="020B0604020202020204" pitchFamily="34" charset="0"/>
-              <a:buChar char="•"/>
-              <a:defRPr sz="2400" kern="1200">
-                <a:solidFill>
-                  <a:schemeClr val="tx1"/>
-                </a:solidFill>
-                <a:latin typeface="+mn-lt"/>
-                <a:ea typeface="+mn-ea"/>
-                <a:cs typeface="+mn-cs"/>
-              </a:defRPr>
-            </a:lvl2pPr>
-            <a:lvl3pPr marL="1143000" indent="-228600" algn="l" defTabSz="914400" rtl="0" eaLnBrk="1" latinLnBrk="0" hangingPunct="1">
-              <a:lnSpc>
-                <a:spcPct val="90000"/>
-              </a:lnSpc>
-              <a:spcBef>
-                <a:spcPts val="500"/>
-              </a:spcBef>
-              <a:buFont typeface="Arial" panose="020B0604020202020204" pitchFamily="34" charset="0"/>
-              <a:buChar char="•"/>
-              <a:defRPr sz="2000" kern="1200">
-                <a:solidFill>
-                  <a:schemeClr val="tx1"/>
-                </a:solidFill>
-                <a:latin typeface="+mn-lt"/>
-                <a:ea typeface="+mn-ea"/>
-                <a:cs typeface="+mn-cs"/>
-              </a:defRPr>
-            </a:lvl3pPr>
-            <a:lvl4pPr marL="1600200" indent="-228600" algn="l" defTabSz="914400" rtl="0" eaLnBrk="1" latinLnBrk="0" hangingPunct="1">
-              <a:lnSpc>
-                <a:spcPct val="90000"/>
-              </a:lnSpc>
-              <a:spcBef>
-                <a:spcPts val="500"/>
-              </a:spcBef>
-              <a:buFont typeface="Arial" panose="020B0604020202020204" pitchFamily="34" charset="0"/>
-              <a:buChar char="•"/>
-              <a:defRPr sz="1800" kern="1200">
-                <a:solidFill>
-                  <a:schemeClr val="tx1"/>
-                </a:solidFill>
-                <a:latin typeface="+mn-lt"/>
-                <a:ea typeface="+mn-ea"/>
-                <a:cs typeface="+mn-cs"/>
-              </a:defRPr>
-            </a:lvl4pPr>
-            <a:lvl5pPr marL="2057400" indent="-228600" algn="l" defTabSz="914400" rtl="0" eaLnBrk="1" latinLnBrk="0" hangingPunct="1">
-              <a:lnSpc>
-                <a:spcPct val="90000"/>
-              </a:lnSpc>
-              <a:spcBef>
-                <a:spcPts val="500"/>
-              </a:spcBef>
-              <a:buFont typeface="Arial" panose="020B0604020202020204" pitchFamily="34" charset="0"/>
-              <a:buChar char="•"/>
-              <a:defRPr sz="1800" kern="1200">
-                <a:solidFill>
-                  <a:schemeClr val="tx1"/>
-                </a:solidFill>
-                <a:latin typeface="+mn-lt"/>
-                <a:ea typeface="+mn-ea"/>
-                <a:cs typeface="+mn-cs"/>
-              </a:defRPr>
-            </a:lvl5pPr>
-            <a:lvl6pPr marL="2514600" indent="-228600" algn="l" defTabSz="914400" rtl="0" eaLnBrk="1" latinLnBrk="0" hangingPunct="1">
-              <a:lnSpc>
-                <a:spcPct val="90000"/>
-              </a:lnSpc>
-              <a:spcBef>
-                <a:spcPts val="500"/>
-              </a:spcBef>
-              <a:buFont typeface="Arial" panose="020B0604020202020204" pitchFamily="34" charset="0"/>
-              <a:buChar char="•"/>
-              <a:defRPr sz="1800" kern="1200">
-                <a:solidFill>
-                  <a:schemeClr val="tx1"/>
-                </a:solidFill>
-                <a:latin typeface="+mn-lt"/>
-                <a:ea typeface="+mn-ea"/>
-                <a:cs typeface="+mn-cs"/>
-              </a:defRPr>
-            </a:lvl6pPr>
-            <a:lvl7pPr marL="2971800" indent="-228600" algn="l" defTabSz="914400" rtl="0" eaLnBrk="1" latinLnBrk="0" hangingPunct="1">
-              <a:lnSpc>
-                <a:spcPct val="90000"/>
-              </a:lnSpc>
-              <a:spcBef>
-                <a:spcPts val="500"/>
-              </a:spcBef>
-              <a:buFont typeface="Arial" panose="020B0604020202020204" pitchFamily="34" charset="0"/>
-              <a:buChar char="•"/>
-              <a:defRPr sz="1800" kern="1200">
-                <a:solidFill>
-                  <a:schemeClr val="tx1"/>
-                </a:solidFill>
-                <a:latin typeface="+mn-lt"/>
-                <a:ea typeface="+mn-ea"/>
-                <a:cs typeface="+mn-cs"/>
-              </a:defRPr>
-            </a:lvl7pPr>
-            <a:lvl8pPr marL="3429000" indent="-228600" algn="l" defTabSz="914400" rtl="0" eaLnBrk="1" latinLnBrk="0" hangingPunct="1">
-              <a:lnSpc>
-                <a:spcPct val="90000"/>
-              </a:lnSpc>
-              <a:spcBef>
-                <a:spcPts val="500"/>
-              </a:spcBef>
-              <a:buFont typeface="Arial" panose="020B0604020202020204" pitchFamily="34" charset="0"/>
-              <a:buChar char="•"/>
-              <a:defRPr sz="1800" kern="1200">
-                <a:solidFill>
-                  <a:schemeClr val="tx1"/>
-                </a:solidFill>
-                <a:latin typeface="+mn-lt"/>
-                <a:ea typeface="+mn-ea"/>
-                <a:cs typeface="+mn-cs"/>
-              </a:defRPr>
-            </a:lvl8pPr>
-            <a:lvl9pPr marL="3886200" indent="-228600" algn="l" defTabSz="914400" rtl="0" eaLnBrk="1" latinLnBrk="0" hangingPunct="1">
-              <a:lnSpc>
-                <a:spcPct val="90000"/>
-              </a:lnSpc>
-              <a:spcBef>
-                <a:spcPts val="500"/>
-              </a:spcBef>
-              <a:buFont typeface="Arial" panose="020B0604020202020204" pitchFamily="34" charset="0"/>
-              <a:buChar char="•"/>
-              <a:defRPr sz="1800" kern="1200">
-                <a:solidFill>
-                  <a:schemeClr val="tx1"/>
-                </a:solidFill>
-                <a:latin typeface="+mn-lt"/>
-                <a:ea typeface="+mn-ea"/>
-                <a:cs typeface="+mn-cs"/>
-              </a:defRPr>
-            </a:lvl9pPr>
-          </a:lstStyle>
-          <a:p>
-            <a:pPr marL="0" indent="0">
-              <a:buFont typeface="Arial" panose="020B0604020202020204" pitchFamily="34" charset="0"/>
-              <a:buNone/>
-            </a:pPr>
-            <a:r>
-              <a:rPr lang="en-US" sz="3200" dirty="0"/>
-              <a:t>Whitespace serves the same function as C++’s { }</a:t>
-            </a:r>
-          </a:p>
-        </p:txBody>
-      </p:sp>
-    </p:spTree>
-    <p:extLst>
-      <p:ext uri="{BB962C8B-B14F-4D97-AF65-F5344CB8AC3E}">
-        <p14:creationId xmlns:p14="http://schemas.microsoft.com/office/powerpoint/2010/main" val="425368058"/>
+        <p14:creationId xmlns:p14="http://schemas.microsoft.com/office/powerpoint/2010/main" val="4196313714"/>
       </p:ext>
     </p:extLst>
   </p:cSld>
